--- a/GraphDB.pptx
+++ b/GraphDB.pptx
@@ -5,7 +5,7 @@
     <p:sldMasterId id="2147483881" r:id="rId1"/>
   </p:sldMasterIdLst>
   <p:notesMasterIdLst>
-    <p:notesMasterId r:id="rId43"/>
+    <p:notesMasterId r:id="rId46"/>
   </p:notesMasterIdLst>
   <p:sldIdLst>
     <p:sldId id="256" r:id="rId2"/>
@@ -15,40 +15,43 @@
     <p:sldId id="289" r:id="rId6"/>
     <p:sldId id="291" r:id="rId7"/>
     <p:sldId id="290" r:id="rId8"/>
-    <p:sldId id="293" r:id="rId9"/>
-    <p:sldId id="276" r:id="rId10"/>
-    <p:sldId id="279" r:id="rId11"/>
-    <p:sldId id="282" r:id="rId12"/>
-    <p:sldId id="283" r:id="rId13"/>
-    <p:sldId id="284" r:id="rId14"/>
-    <p:sldId id="292" r:id="rId15"/>
-    <p:sldId id="258" r:id="rId16"/>
-    <p:sldId id="294" r:id="rId17"/>
-    <p:sldId id="297" r:id="rId18"/>
-    <p:sldId id="298" r:id="rId19"/>
-    <p:sldId id="300" r:id="rId20"/>
-    <p:sldId id="301" r:id="rId21"/>
-    <p:sldId id="305" r:id="rId22"/>
-    <p:sldId id="306" r:id="rId23"/>
-    <p:sldId id="307" r:id="rId24"/>
-    <p:sldId id="308" r:id="rId25"/>
-    <p:sldId id="303" r:id="rId26"/>
-    <p:sldId id="309" r:id="rId27"/>
-    <p:sldId id="310" r:id="rId28"/>
-    <p:sldId id="311" r:id="rId29"/>
-    <p:sldId id="312" r:id="rId30"/>
-    <p:sldId id="313" r:id="rId31"/>
-    <p:sldId id="314" r:id="rId32"/>
-    <p:sldId id="316" r:id="rId33"/>
-    <p:sldId id="318" r:id="rId34"/>
-    <p:sldId id="322" r:id="rId35"/>
-    <p:sldId id="321" r:id="rId36"/>
-    <p:sldId id="323" r:id="rId37"/>
-    <p:sldId id="319" r:id="rId38"/>
-    <p:sldId id="324" r:id="rId39"/>
-    <p:sldId id="325" r:id="rId40"/>
-    <p:sldId id="326" r:id="rId41"/>
-    <p:sldId id="327" r:id="rId42"/>
+    <p:sldId id="328" r:id="rId9"/>
+    <p:sldId id="293" r:id="rId10"/>
+    <p:sldId id="276" r:id="rId11"/>
+    <p:sldId id="279" r:id="rId12"/>
+    <p:sldId id="282" r:id="rId13"/>
+    <p:sldId id="283" r:id="rId14"/>
+    <p:sldId id="284" r:id="rId15"/>
+    <p:sldId id="292" r:id="rId16"/>
+    <p:sldId id="329" r:id="rId17"/>
+    <p:sldId id="258" r:id="rId18"/>
+    <p:sldId id="294" r:id="rId19"/>
+    <p:sldId id="297" r:id="rId20"/>
+    <p:sldId id="298" r:id="rId21"/>
+    <p:sldId id="300" r:id="rId22"/>
+    <p:sldId id="301" r:id="rId23"/>
+    <p:sldId id="305" r:id="rId24"/>
+    <p:sldId id="306" r:id="rId25"/>
+    <p:sldId id="307" r:id="rId26"/>
+    <p:sldId id="308" r:id="rId27"/>
+    <p:sldId id="303" r:id="rId28"/>
+    <p:sldId id="309" r:id="rId29"/>
+    <p:sldId id="310" r:id="rId30"/>
+    <p:sldId id="311" r:id="rId31"/>
+    <p:sldId id="312" r:id="rId32"/>
+    <p:sldId id="313" r:id="rId33"/>
+    <p:sldId id="314" r:id="rId34"/>
+    <p:sldId id="316" r:id="rId35"/>
+    <p:sldId id="318" r:id="rId36"/>
+    <p:sldId id="322" r:id="rId37"/>
+    <p:sldId id="321" r:id="rId38"/>
+    <p:sldId id="323" r:id="rId39"/>
+    <p:sldId id="319" r:id="rId40"/>
+    <p:sldId id="324" r:id="rId41"/>
+    <p:sldId id="325" r:id="rId42"/>
+    <p:sldId id="326" r:id="rId43"/>
+    <p:sldId id="330" r:id="rId44"/>
+    <p:sldId id="327" r:id="rId45"/>
   </p:sldIdLst>
   <p:sldSz cx="12192000" cy="6858000"/>
   <p:notesSz cx="6858000" cy="9144000"/>
@@ -18489,7 +18492,7 @@
           <a:p>
             <a:fld id="{A3102F74-B171-4E66-A71B-7DDBD40BE743}" type="slidenum">
               <a:rPr lang="en-US" smtClean="0"/>
-              <a:t>18</a:t>
+              <a:t>20</a:t>
             </a:fld>
             <a:endParaRPr lang="en-US"/>
           </a:p>
@@ -18573,7 +18576,7 @@
           <a:p>
             <a:fld id="{A3102F74-B171-4E66-A71B-7DDBD40BE743}" type="slidenum">
               <a:rPr lang="en-US" smtClean="0"/>
-              <a:t>19</a:t>
+              <a:t>21</a:t>
             </a:fld>
             <a:endParaRPr lang="en-US"/>
           </a:p>
@@ -18657,7 +18660,7 @@
           <a:p>
             <a:fld id="{A3102F74-B171-4E66-A71B-7DDBD40BE743}" type="slidenum">
               <a:rPr lang="en-US" smtClean="0"/>
-              <a:t>20</a:t>
+              <a:t>22</a:t>
             </a:fld>
             <a:endParaRPr lang="en-US"/>
           </a:p>
@@ -18741,7 +18744,7 @@
           <a:p>
             <a:fld id="{A3102F74-B171-4E66-A71B-7DDBD40BE743}" type="slidenum">
               <a:rPr lang="en-US" smtClean="0"/>
-              <a:t>21</a:t>
+              <a:t>23</a:t>
             </a:fld>
             <a:endParaRPr lang="en-US"/>
           </a:p>
@@ -18825,7 +18828,7 @@
           <a:p>
             <a:fld id="{A3102F74-B171-4E66-A71B-7DDBD40BE743}" type="slidenum">
               <a:rPr lang="en-US" smtClean="0"/>
-              <a:t>22</a:t>
+              <a:t>24</a:t>
             </a:fld>
             <a:endParaRPr lang="en-US"/>
           </a:p>
@@ -18909,7 +18912,7 @@
           <a:p>
             <a:fld id="{A3102F74-B171-4E66-A71B-7DDBD40BE743}" type="slidenum">
               <a:rPr lang="en-US" smtClean="0"/>
-              <a:t>23</a:t>
+              <a:t>25</a:t>
             </a:fld>
             <a:endParaRPr lang="en-US"/>
           </a:p>
@@ -18993,7 +18996,7 @@
           <a:p>
             <a:fld id="{A3102F74-B171-4E66-A71B-7DDBD40BE743}" type="slidenum">
               <a:rPr lang="en-US" smtClean="0"/>
-              <a:t>24</a:t>
+              <a:t>26</a:t>
             </a:fld>
             <a:endParaRPr lang="en-US"/>
           </a:p>
@@ -22556,29 +22559,24 @@
         </p:nvSpPr>
         <p:spPr/>
         <p:txBody>
-          <a:bodyPr/>
+          <a:bodyPr>
+            <a:normAutofit/>
+          </a:bodyPr>
           <a:lstStyle/>
           <a:p>
             <a:r>
               <a:rPr lang="en-US" sz="2400" dirty="0"/>
-              <a:t>Nodes Represent the objects (or, Entity, Things) in the graph</a:t>
-            </a:r>
-          </a:p>
-          <a:p>
-            <a:r>
-              <a:rPr lang="en-US" sz="2400" dirty="0"/>
-              <a:t>Can hold any number of attributes (key-value pairs) called </a:t>
-            </a:r>
-            <a:r>
-              <a:rPr lang="en-US" sz="2400" b="1" dirty="0"/>
-              <a:t>properties</a:t>
-            </a:r>
+              <a:t>Nodes represent the objects (or, Entity, Things) in the graph</a:t>
+            </a:r>
+          </a:p>
+          <a:p>
+            <a:endParaRPr lang="en-US" sz="2400" dirty="0"/>
           </a:p>
           <a:p>
             <a:pPr marL="0" indent="0">
               <a:buNone/>
             </a:pPr>
-            <a:endParaRPr lang="en-US" dirty="0"/>
+            <a:endParaRPr lang="en-US" sz="2400" dirty="0"/>
           </a:p>
         </p:txBody>
       </p:sp>
@@ -22753,221 +22751,10 @@
           </a:p>
         </p:txBody>
       </p:sp>
-      <p:sp>
-        <p:nvSpPr>
-          <p:cNvPr id="5" name="TextBox 4">
-            <a:extLst>
-              <a:ext uri="{FF2B5EF4-FFF2-40B4-BE49-F238E27FC236}">
-                <a16:creationId xmlns:a16="http://schemas.microsoft.com/office/drawing/2014/main" id="{BFE181B0-2A0D-4DFE-8D27-725D9CF2C1AC}"/>
-              </a:ext>
-            </a:extLst>
-          </p:cNvPr>
-          <p:cNvSpPr txBox="1"/>
-          <p:nvPr/>
-        </p:nvSpPr>
-        <p:spPr>
-          <a:xfrm>
-            <a:off x="9060925" y="5209376"/>
-            <a:ext cx="2573400" cy="646331"/>
-          </a:xfrm>
-          <a:prstGeom prst="rect">
-            <a:avLst/>
-          </a:prstGeom>
-          <a:noFill/>
-        </p:spPr>
-        <p:txBody>
-          <a:bodyPr wrap="square" rtlCol="0">
-            <a:spAutoFit/>
-          </a:bodyPr>
-          <a:lstStyle/>
-          <a:p>
-            <a:r>
-              <a:rPr lang="en-US" dirty="0"/>
-              <a:t>name: ‘Robert Zemeckis’</a:t>
-            </a:r>
-          </a:p>
-          <a:p>
-            <a:r>
-              <a:rPr lang="en-US" dirty="0"/>
-              <a:t>born: 1951</a:t>
-            </a:r>
-          </a:p>
-        </p:txBody>
-      </p:sp>
-      <p:sp>
-        <p:nvSpPr>
-          <p:cNvPr id="10" name="TextBox 9">
-            <a:extLst>
-              <a:ext uri="{FF2B5EF4-FFF2-40B4-BE49-F238E27FC236}">
-                <a16:creationId xmlns:a16="http://schemas.microsoft.com/office/drawing/2014/main" id="{31A02643-0BB6-4F86-A29A-AA629C271259}"/>
-              </a:ext>
-            </a:extLst>
-          </p:cNvPr>
-          <p:cNvSpPr txBox="1"/>
-          <p:nvPr/>
-        </p:nvSpPr>
-        <p:spPr>
-          <a:xfrm>
-            <a:off x="5290675" y="5211402"/>
-            <a:ext cx="2195975" cy="646331"/>
-          </a:xfrm>
-          <a:prstGeom prst="rect">
-            <a:avLst/>
-          </a:prstGeom>
-          <a:noFill/>
-        </p:spPr>
-        <p:txBody>
-          <a:bodyPr wrap="square" rtlCol="0">
-            <a:spAutoFit/>
-          </a:bodyPr>
-          <a:lstStyle/>
-          <a:p>
-            <a:r>
-              <a:rPr lang="en-US" dirty="0"/>
-              <a:t>title: ‘Forrest Gump’</a:t>
-            </a:r>
-          </a:p>
-          <a:p>
-            <a:r>
-              <a:rPr lang="en-US" dirty="0"/>
-              <a:t>released: 1994</a:t>
-            </a:r>
-          </a:p>
-        </p:txBody>
-      </p:sp>
-      <p:sp>
-        <p:nvSpPr>
-          <p:cNvPr id="12" name="TextBox 11">
-            <a:extLst>
-              <a:ext uri="{FF2B5EF4-FFF2-40B4-BE49-F238E27FC236}">
-                <a16:creationId xmlns:a16="http://schemas.microsoft.com/office/drawing/2014/main" id="{8781EDD5-EFDD-404C-A646-7C1789D81410}"/>
-              </a:ext>
-            </a:extLst>
-          </p:cNvPr>
-          <p:cNvSpPr txBox="1"/>
-          <p:nvPr/>
-        </p:nvSpPr>
-        <p:spPr>
-          <a:xfrm>
-            <a:off x="1067350" y="5185499"/>
-            <a:ext cx="2057827" cy="646331"/>
-          </a:xfrm>
-          <a:prstGeom prst="rect">
-            <a:avLst/>
-          </a:prstGeom>
-          <a:noFill/>
-        </p:spPr>
-        <p:txBody>
-          <a:bodyPr wrap="square" rtlCol="0">
-            <a:spAutoFit/>
-          </a:bodyPr>
-          <a:lstStyle/>
-          <a:p>
-            <a:r>
-              <a:rPr lang="en-US" dirty="0"/>
-              <a:t>name: ‘Tom Hanks’</a:t>
-            </a:r>
-          </a:p>
-          <a:p>
-            <a:r>
-              <a:rPr lang="en-US" dirty="0"/>
-              <a:t>born: 1956</a:t>
-            </a:r>
-          </a:p>
-        </p:txBody>
-      </p:sp>
-      <p:sp>
-        <p:nvSpPr>
-          <p:cNvPr id="16" name="Left Brace 15">
-            <a:extLst>
-              <a:ext uri="{FF2B5EF4-FFF2-40B4-BE49-F238E27FC236}">
-                <a16:creationId xmlns:a16="http://schemas.microsoft.com/office/drawing/2014/main" id="{F1562E4D-95A2-401F-A65F-D52A5C1342DC}"/>
-              </a:ext>
-            </a:extLst>
-          </p:cNvPr>
-          <p:cNvSpPr/>
-          <p:nvPr/>
-        </p:nvSpPr>
-        <p:spPr>
-          <a:xfrm rot="16200000">
-            <a:off x="5703180" y="1227087"/>
-            <a:ext cx="407009" cy="9586455"/>
-          </a:xfrm>
-          <a:prstGeom prst="leftBrace">
-            <a:avLst>
-              <a:gd name="adj1" fmla="val 8333"/>
-              <a:gd name="adj2" fmla="val 51886"/>
-            </a:avLst>
-          </a:prstGeom>
-        </p:spPr>
-        <p:style>
-          <a:lnRef idx="1">
-            <a:schemeClr val="accent1"/>
-          </a:lnRef>
-          <a:fillRef idx="0">
-            <a:schemeClr val="accent1"/>
-          </a:fillRef>
-          <a:effectRef idx="0">
-            <a:schemeClr val="accent1"/>
-          </a:effectRef>
-          <a:fontRef idx="minor">
-            <a:schemeClr val="tx1"/>
-          </a:fontRef>
-        </p:style>
-        <p:txBody>
-          <a:bodyPr rtlCol="0" anchor="ctr"/>
-          <a:lstStyle/>
-          <a:p>
-            <a:pPr algn="ctr"/>
-            <a:endParaRPr lang="en-US"/>
-          </a:p>
-        </p:txBody>
-      </p:sp>
-      <p:sp>
-        <p:nvSpPr>
-          <p:cNvPr id="17" name="Rectangle 16">
-            <a:extLst>
-              <a:ext uri="{FF2B5EF4-FFF2-40B4-BE49-F238E27FC236}">
-                <a16:creationId xmlns:a16="http://schemas.microsoft.com/office/drawing/2014/main" id="{0855848F-678A-4434-A70D-CF06E2718A68}"/>
-              </a:ext>
-            </a:extLst>
-          </p:cNvPr>
-          <p:cNvSpPr/>
-          <p:nvPr/>
-        </p:nvSpPr>
-        <p:spPr>
-          <a:xfrm>
-            <a:off x="4194561" y="6157593"/>
-            <a:ext cx="4463851" cy="369332"/>
-          </a:xfrm>
-          <a:prstGeom prst="rect">
-            <a:avLst/>
-          </a:prstGeom>
-        </p:spPr>
-        <p:txBody>
-          <a:bodyPr wrap="none">
-            <a:spAutoFit/>
-          </a:bodyPr>
-          <a:lstStyle/>
-          <a:p>
-            <a:r>
-              <a:rPr lang="en-US" b="1" dirty="0">
-                <a:solidFill>
-                  <a:schemeClr val="tx1">
-                    <a:lumMod val="50000"/>
-                    <a:lumOff val="50000"/>
-                  </a:schemeClr>
-                </a:solidFill>
-              </a:rPr>
-              <a:t>Node having properties as key/value paired</a:t>
-            </a:r>
-          </a:p>
-        </p:txBody>
-      </p:sp>
     </p:spTree>
     <p:extLst>
       <p:ext uri="{BB962C8B-B14F-4D97-AF65-F5344CB8AC3E}">
-        <p14:creationId xmlns:p14="http://schemas.microsoft.com/office/powerpoint/2010/main" val="692722621"/>
+        <p14:creationId xmlns:p14="http://schemas.microsoft.com/office/powerpoint/2010/main" val="3639644700"/>
       </p:ext>
     </p:extLst>
   </p:cSld>
@@ -23017,7 +22804,7 @@
           <a:p>
             <a:r>
               <a:rPr lang="en-US" dirty="0"/>
-              <a:t>Relationships</a:t>
+              <a:t>Nodes</a:t>
             </a:r>
           </a:p>
         </p:txBody>
@@ -23045,7 +22832,17 @@
           <a:p>
             <a:r>
               <a:rPr lang="en-US" sz="2400" dirty="0"/>
-              <a:t>provide directed, named, semantically-relevant connections between two node entities  (e.g. Person ACTED_IN Movie, Person DIRECTED MOVIE)</a:t>
+              <a:t>Nodes Represent the objects (or, Entity, Things) in the graph</a:t>
+            </a:r>
+          </a:p>
+          <a:p>
+            <a:r>
+              <a:rPr lang="en-US" sz="2400" dirty="0"/>
+              <a:t>Can hold any number of attributes (key-value pairs) called </a:t>
+            </a:r>
+            <a:r>
+              <a:rPr lang="en-US" sz="2400" b="1" dirty="0"/>
+              <a:t>properties</a:t>
             </a:r>
           </a:p>
           <a:p>
@@ -23080,6 +22877,480 @@
             <a:fld id="{8516EA25-A31F-4B9E-A83D-BE5BCB6B4218}" type="slidenum">
               <a:rPr lang="en-US" smtClean="0"/>
               <a:t>11</a:t>
+            </a:fld>
+            <a:endParaRPr lang="en-US"/>
+          </a:p>
+        </p:txBody>
+      </p:sp>
+      <p:sp>
+        <p:nvSpPr>
+          <p:cNvPr id="4" name="Oval 3">
+            <a:extLst>
+              <a:ext uri="{FF2B5EF4-FFF2-40B4-BE49-F238E27FC236}">
+                <a16:creationId xmlns:a16="http://schemas.microsoft.com/office/drawing/2014/main" id="{A18C11F8-C436-4EF1-A258-890DBFDADB56}"/>
+              </a:ext>
+            </a:extLst>
+          </p:cNvPr>
+          <p:cNvSpPr/>
+          <p:nvPr/>
+        </p:nvSpPr>
+        <p:spPr>
+          <a:xfrm>
+            <a:off x="1140529" y="3690088"/>
+            <a:ext cx="1547641" cy="1514623"/>
+          </a:xfrm>
+          <a:prstGeom prst="ellipse">
+            <a:avLst/>
+          </a:prstGeom>
+        </p:spPr>
+        <p:style>
+          <a:lnRef idx="3">
+            <a:schemeClr val="lt1"/>
+          </a:lnRef>
+          <a:fillRef idx="1">
+            <a:schemeClr val="accent6"/>
+          </a:fillRef>
+          <a:effectRef idx="1">
+            <a:schemeClr val="accent6"/>
+          </a:effectRef>
+          <a:fontRef idx="minor">
+            <a:schemeClr val="lt1"/>
+          </a:fontRef>
+        </p:style>
+        <p:txBody>
+          <a:bodyPr rtlCol="0" anchor="ctr"/>
+          <a:lstStyle/>
+          <a:p>
+            <a:pPr algn="ctr"/>
+            <a:r>
+              <a:rPr lang="en-US" dirty="0"/>
+              <a:t>PERSON</a:t>
+            </a:r>
+          </a:p>
+        </p:txBody>
+      </p:sp>
+      <p:sp>
+        <p:nvSpPr>
+          <p:cNvPr id="6" name="Oval 5">
+            <a:extLst>
+              <a:ext uri="{FF2B5EF4-FFF2-40B4-BE49-F238E27FC236}">
+                <a16:creationId xmlns:a16="http://schemas.microsoft.com/office/drawing/2014/main" id="{68B19471-9B1C-4B7E-AF44-D67BDF58C79E}"/>
+              </a:ext>
+            </a:extLst>
+          </p:cNvPr>
+          <p:cNvSpPr/>
+          <p:nvPr/>
+        </p:nvSpPr>
+        <p:spPr>
+          <a:xfrm>
+            <a:off x="9415306" y="3690087"/>
+            <a:ext cx="1534663" cy="1514623"/>
+          </a:xfrm>
+          <a:prstGeom prst="ellipse">
+            <a:avLst/>
+          </a:prstGeom>
+        </p:spPr>
+        <p:style>
+          <a:lnRef idx="3">
+            <a:schemeClr val="lt1"/>
+          </a:lnRef>
+          <a:fillRef idx="1">
+            <a:schemeClr val="accent5"/>
+          </a:fillRef>
+          <a:effectRef idx="1">
+            <a:schemeClr val="accent5"/>
+          </a:effectRef>
+          <a:fontRef idx="minor">
+            <a:schemeClr val="lt1"/>
+          </a:fontRef>
+        </p:style>
+        <p:txBody>
+          <a:bodyPr rtlCol="0" anchor="ctr"/>
+          <a:lstStyle/>
+          <a:p>
+            <a:pPr algn="ctr"/>
+            <a:r>
+              <a:rPr lang="en-US" dirty="0"/>
+              <a:t>PERSON</a:t>
+            </a:r>
+            <a:endParaRPr lang="en-US" sz="2000" dirty="0"/>
+          </a:p>
+        </p:txBody>
+      </p:sp>
+      <p:sp>
+        <p:nvSpPr>
+          <p:cNvPr id="7" name="Oval 6">
+            <a:extLst>
+              <a:ext uri="{FF2B5EF4-FFF2-40B4-BE49-F238E27FC236}">
+                <a16:creationId xmlns:a16="http://schemas.microsoft.com/office/drawing/2014/main" id="{FA4E77AB-6368-4F55-9369-F468DA4CC6EF}"/>
+              </a:ext>
+            </a:extLst>
+          </p:cNvPr>
+          <p:cNvSpPr/>
+          <p:nvPr/>
+        </p:nvSpPr>
+        <p:spPr>
+          <a:xfrm>
+            <a:off x="5406976" y="3690087"/>
+            <a:ext cx="1547641" cy="1514623"/>
+          </a:xfrm>
+          <a:prstGeom prst="ellipse">
+            <a:avLst/>
+          </a:prstGeom>
+        </p:spPr>
+        <p:style>
+          <a:lnRef idx="3">
+            <a:schemeClr val="lt1"/>
+          </a:lnRef>
+          <a:fillRef idx="1">
+            <a:schemeClr val="accent2"/>
+          </a:fillRef>
+          <a:effectRef idx="1">
+            <a:schemeClr val="accent2"/>
+          </a:effectRef>
+          <a:fontRef idx="minor">
+            <a:schemeClr val="lt1"/>
+          </a:fontRef>
+        </p:style>
+        <p:txBody>
+          <a:bodyPr rtlCol="0" anchor="ctr"/>
+          <a:lstStyle/>
+          <a:p>
+            <a:pPr algn="ctr"/>
+            <a:r>
+              <a:rPr lang="en-US" dirty="0"/>
+              <a:t>MOVIE</a:t>
+            </a:r>
+          </a:p>
+        </p:txBody>
+      </p:sp>
+      <p:sp>
+        <p:nvSpPr>
+          <p:cNvPr id="5" name="TextBox 4">
+            <a:extLst>
+              <a:ext uri="{FF2B5EF4-FFF2-40B4-BE49-F238E27FC236}">
+                <a16:creationId xmlns:a16="http://schemas.microsoft.com/office/drawing/2014/main" id="{BFE181B0-2A0D-4DFE-8D27-725D9CF2C1AC}"/>
+              </a:ext>
+            </a:extLst>
+          </p:cNvPr>
+          <p:cNvSpPr txBox="1"/>
+          <p:nvPr/>
+        </p:nvSpPr>
+        <p:spPr>
+          <a:xfrm>
+            <a:off x="9060925" y="5209376"/>
+            <a:ext cx="2573400" cy="646331"/>
+          </a:xfrm>
+          <a:prstGeom prst="rect">
+            <a:avLst/>
+          </a:prstGeom>
+          <a:noFill/>
+        </p:spPr>
+        <p:txBody>
+          <a:bodyPr wrap="square" rtlCol="0">
+            <a:spAutoFit/>
+          </a:bodyPr>
+          <a:lstStyle/>
+          <a:p>
+            <a:r>
+              <a:rPr lang="en-US" dirty="0"/>
+              <a:t>name: ‘Robert Zemeckis’</a:t>
+            </a:r>
+          </a:p>
+          <a:p>
+            <a:r>
+              <a:rPr lang="en-US" dirty="0"/>
+              <a:t>born: 1951</a:t>
+            </a:r>
+          </a:p>
+        </p:txBody>
+      </p:sp>
+      <p:sp>
+        <p:nvSpPr>
+          <p:cNvPr id="10" name="TextBox 9">
+            <a:extLst>
+              <a:ext uri="{FF2B5EF4-FFF2-40B4-BE49-F238E27FC236}">
+                <a16:creationId xmlns:a16="http://schemas.microsoft.com/office/drawing/2014/main" id="{31A02643-0BB6-4F86-A29A-AA629C271259}"/>
+              </a:ext>
+            </a:extLst>
+          </p:cNvPr>
+          <p:cNvSpPr txBox="1"/>
+          <p:nvPr/>
+        </p:nvSpPr>
+        <p:spPr>
+          <a:xfrm>
+            <a:off x="5290675" y="5211402"/>
+            <a:ext cx="2195975" cy="646331"/>
+          </a:xfrm>
+          <a:prstGeom prst="rect">
+            <a:avLst/>
+          </a:prstGeom>
+          <a:noFill/>
+        </p:spPr>
+        <p:txBody>
+          <a:bodyPr wrap="square" rtlCol="0">
+            <a:spAutoFit/>
+          </a:bodyPr>
+          <a:lstStyle/>
+          <a:p>
+            <a:r>
+              <a:rPr lang="en-US" dirty="0"/>
+              <a:t>title: ‘Forrest Gump’</a:t>
+            </a:r>
+          </a:p>
+          <a:p>
+            <a:r>
+              <a:rPr lang="en-US" dirty="0"/>
+              <a:t>released: 1994</a:t>
+            </a:r>
+          </a:p>
+        </p:txBody>
+      </p:sp>
+      <p:sp>
+        <p:nvSpPr>
+          <p:cNvPr id="12" name="TextBox 11">
+            <a:extLst>
+              <a:ext uri="{FF2B5EF4-FFF2-40B4-BE49-F238E27FC236}">
+                <a16:creationId xmlns:a16="http://schemas.microsoft.com/office/drawing/2014/main" id="{8781EDD5-EFDD-404C-A646-7C1789D81410}"/>
+              </a:ext>
+            </a:extLst>
+          </p:cNvPr>
+          <p:cNvSpPr txBox="1"/>
+          <p:nvPr/>
+        </p:nvSpPr>
+        <p:spPr>
+          <a:xfrm>
+            <a:off x="1067350" y="5185499"/>
+            <a:ext cx="2057827" cy="646331"/>
+          </a:xfrm>
+          <a:prstGeom prst="rect">
+            <a:avLst/>
+          </a:prstGeom>
+          <a:noFill/>
+        </p:spPr>
+        <p:txBody>
+          <a:bodyPr wrap="square" rtlCol="0">
+            <a:spAutoFit/>
+          </a:bodyPr>
+          <a:lstStyle/>
+          <a:p>
+            <a:r>
+              <a:rPr lang="en-US" dirty="0"/>
+              <a:t>name: ‘Tom Hanks’</a:t>
+            </a:r>
+          </a:p>
+          <a:p>
+            <a:r>
+              <a:rPr lang="en-US" dirty="0"/>
+              <a:t>born: 1956</a:t>
+            </a:r>
+          </a:p>
+        </p:txBody>
+      </p:sp>
+      <p:sp>
+        <p:nvSpPr>
+          <p:cNvPr id="16" name="Left Brace 15">
+            <a:extLst>
+              <a:ext uri="{FF2B5EF4-FFF2-40B4-BE49-F238E27FC236}">
+                <a16:creationId xmlns:a16="http://schemas.microsoft.com/office/drawing/2014/main" id="{F1562E4D-95A2-401F-A65F-D52A5C1342DC}"/>
+              </a:ext>
+            </a:extLst>
+          </p:cNvPr>
+          <p:cNvSpPr/>
+          <p:nvPr/>
+        </p:nvSpPr>
+        <p:spPr>
+          <a:xfrm rot="16200000">
+            <a:off x="5703180" y="1227087"/>
+            <a:ext cx="407009" cy="9586455"/>
+          </a:xfrm>
+          <a:prstGeom prst="leftBrace">
+            <a:avLst>
+              <a:gd name="adj1" fmla="val 8333"/>
+              <a:gd name="adj2" fmla="val 51886"/>
+            </a:avLst>
+          </a:prstGeom>
+        </p:spPr>
+        <p:style>
+          <a:lnRef idx="1">
+            <a:schemeClr val="accent1"/>
+          </a:lnRef>
+          <a:fillRef idx="0">
+            <a:schemeClr val="accent1"/>
+          </a:fillRef>
+          <a:effectRef idx="0">
+            <a:schemeClr val="accent1"/>
+          </a:effectRef>
+          <a:fontRef idx="minor">
+            <a:schemeClr val="tx1"/>
+          </a:fontRef>
+        </p:style>
+        <p:txBody>
+          <a:bodyPr rtlCol="0" anchor="ctr"/>
+          <a:lstStyle/>
+          <a:p>
+            <a:pPr algn="ctr"/>
+            <a:endParaRPr lang="en-US"/>
+          </a:p>
+        </p:txBody>
+      </p:sp>
+      <p:sp>
+        <p:nvSpPr>
+          <p:cNvPr id="17" name="Rectangle 16">
+            <a:extLst>
+              <a:ext uri="{FF2B5EF4-FFF2-40B4-BE49-F238E27FC236}">
+                <a16:creationId xmlns:a16="http://schemas.microsoft.com/office/drawing/2014/main" id="{0855848F-678A-4434-A70D-CF06E2718A68}"/>
+              </a:ext>
+            </a:extLst>
+          </p:cNvPr>
+          <p:cNvSpPr/>
+          <p:nvPr/>
+        </p:nvSpPr>
+        <p:spPr>
+          <a:xfrm>
+            <a:off x="4194561" y="6157593"/>
+            <a:ext cx="4463851" cy="369332"/>
+          </a:xfrm>
+          <a:prstGeom prst="rect">
+            <a:avLst/>
+          </a:prstGeom>
+        </p:spPr>
+        <p:txBody>
+          <a:bodyPr wrap="none">
+            <a:spAutoFit/>
+          </a:bodyPr>
+          <a:lstStyle/>
+          <a:p>
+            <a:r>
+              <a:rPr lang="en-US" b="1" dirty="0">
+                <a:solidFill>
+                  <a:schemeClr val="tx1">
+                    <a:lumMod val="50000"/>
+                    <a:lumOff val="50000"/>
+                  </a:schemeClr>
+                </a:solidFill>
+              </a:rPr>
+              <a:t>Node having properties as key/value paired</a:t>
+            </a:r>
+          </a:p>
+        </p:txBody>
+      </p:sp>
+    </p:spTree>
+    <p:extLst>
+      <p:ext uri="{BB962C8B-B14F-4D97-AF65-F5344CB8AC3E}">
+        <p14:creationId xmlns:p14="http://schemas.microsoft.com/office/powerpoint/2010/main" val="692722621"/>
+      </p:ext>
+    </p:extLst>
+  </p:cSld>
+  <p:clrMapOvr>
+    <a:masterClrMapping/>
+  </p:clrMapOvr>
+</p:sld>
+</file>
+
+<file path=ppt/slides/slide12.xml><?xml version="1.0" encoding="utf-8"?>
+<p:sld xmlns:a="http://schemas.openxmlformats.org/drawingml/2006/main" xmlns:r="http://schemas.openxmlformats.org/officeDocument/2006/relationships" xmlns:p="http://schemas.openxmlformats.org/presentationml/2006/main">
+  <p:cSld>
+    <p:spTree>
+      <p:nvGrpSpPr>
+        <p:cNvPr id="1" name=""/>
+        <p:cNvGrpSpPr/>
+        <p:nvPr/>
+      </p:nvGrpSpPr>
+      <p:grpSpPr>
+        <a:xfrm>
+          <a:off x="0" y="0"/>
+          <a:ext cx="0" cy="0"/>
+          <a:chOff x="0" y="0"/>
+          <a:chExt cx="0" cy="0"/>
+        </a:xfrm>
+      </p:grpSpPr>
+      <p:sp>
+        <p:nvSpPr>
+          <p:cNvPr id="2" name="Title 1">
+            <a:extLst>
+              <a:ext uri="{FF2B5EF4-FFF2-40B4-BE49-F238E27FC236}">
+                <a16:creationId xmlns:a16="http://schemas.microsoft.com/office/drawing/2014/main" id="{6991EF6F-7AA8-401B-9893-03AEDCB2FCF8}"/>
+              </a:ext>
+            </a:extLst>
+          </p:cNvPr>
+          <p:cNvSpPr>
+            <a:spLocks noGrp="1"/>
+          </p:cNvSpPr>
+          <p:nvPr>
+            <p:ph type="title"/>
+          </p:nvPr>
+        </p:nvSpPr>
+        <p:spPr/>
+        <p:txBody>
+          <a:bodyPr/>
+          <a:lstStyle/>
+          <a:p>
+            <a:r>
+              <a:rPr lang="en-US" dirty="0"/>
+              <a:t>Relationships</a:t>
+            </a:r>
+          </a:p>
+        </p:txBody>
+      </p:sp>
+      <p:sp>
+        <p:nvSpPr>
+          <p:cNvPr id="3" name="Content Placeholder 2">
+            <a:extLst>
+              <a:ext uri="{FF2B5EF4-FFF2-40B4-BE49-F238E27FC236}">
+                <a16:creationId xmlns:a16="http://schemas.microsoft.com/office/drawing/2014/main" id="{83B0C2CF-948D-4CA6-B28D-7B352CCBFC88}"/>
+              </a:ext>
+            </a:extLst>
+          </p:cNvPr>
+          <p:cNvSpPr>
+            <a:spLocks noGrp="1"/>
+          </p:cNvSpPr>
+          <p:nvPr>
+            <p:ph idx="1"/>
+          </p:nvPr>
+        </p:nvSpPr>
+        <p:spPr/>
+        <p:txBody>
+          <a:bodyPr/>
+          <a:lstStyle/>
+          <a:p>
+            <a:r>
+              <a:rPr lang="en-US" sz="2400" dirty="0"/>
+              <a:t>provide directed, named, semantically-relevant connections between two node entities  (e.g. Person ACTED_IN Movie, Person DIRECTED MOVIE)</a:t>
+            </a:r>
+          </a:p>
+          <a:p>
+            <a:pPr marL="0" indent="0">
+              <a:buNone/>
+            </a:pPr>
+            <a:endParaRPr lang="en-US" dirty="0"/>
+          </a:p>
+        </p:txBody>
+      </p:sp>
+      <p:sp>
+        <p:nvSpPr>
+          <p:cNvPr id="9" name="Slide Number Placeholder 8">
+            <a:extLst>
+              <a:ext uri="{FF2B5EF4-FFF2-40B4-BE49-F238E27FC236}">
+                <a16:creationId xmlns:a16="http://schemas.microsoft.com/office/drawing/2014/main" id="{B80E03FD-0AB3-4697-A547-C941610795BD}"/>
+              </a:ext>
+            </a:extLst>
+          </p:cNvPr>
+          <p:cNvSpPr>
+            <a:spLocks noGrp="1"/>
+          </p:cNvSpPr>
+          <p:nvPr>
+            <p:ph type="sldNum" sz="quarter" idx="12"/>
+          </p:nvPr>
+        </p:nvSpPr>
+        <p:spPr/>
+        <p:txBody>
+          <a:bodyPr/>
+          <a:lstStyle/>
+          <a:p>
+            <a:fld id="{8516EA25-A31F-4B9E-A83D-BE5BCB6B4218}" type="slidenum">
+              <a:rPr lang="en-US" smtClean="0"/>
+              <a:t>12</a:t>
             </a:fld>
             <a:endParaRPr lang="en-US"/>
           </a:p>
@@ -23621,7 +23892,7 @@
 </p:sld>
 </file>
 
-<file path=ppt/slides/slide12.xml><?xml version="1.0" encoding="utf-8"?>
+<file path=ppt/slides/slide13.xml><?xml version="1.0" encoding="utf-8"?>
 <p:sld xmlns:a="http://schemas.openxmlformats.org/drawingml/2006/main" xmlns:r="http://schemas.openxmlformats.org/officeDocument/2006/relationships" xmlns:p="http://schemas.openxmlformats.org/presentationml/2006/main">
   <p:cSld>
     <p:spTree>
@@ -23736,7 +24007,7 @@
           <a:p>
             <a:fld id="{8516EA25-A31F-4B9E-A83D-BE5BCB6B4218}" type="slidenum">
               <a:rPr lang="en-US" smtClean="0"/>
-              <a:t>12</a:t>
+              <a:t>13</a:t>
             </a:fld>
             <a:endParaRPr lang="en-US"/>
           </a:p>
@@ -24351,7 +24622,7 @@
 </p:sld>
 </file>
 
-<file path=ppt/slides/slide13.xml><?xml version="1.0" encoding="utf-8"?>
+<file path=ppt/slides/slide14.xml><?xml version="1.0" encoding="utf-8"?>
 <p:sld xmlns:a="http://schemas.openxmlformats.org/drawingml/2006/main" xmlns:r="http://schemas.openxmlformats.org/officeDocument/2006/relationships" xmlns:p="http://schemas.openxmlformats.org/presentationml/2006/main">
   <p:cSld>
     <p:spTree>
@@ -24453,7 +24724,7 @@
           <a:p>
             <a:fld id="{8516EA25-A31F-4B9E-A83D-BE5BCB6B4218}" type="slidenum">
               <a:rPr lang="en-US" smtClean="0"/>
-              <a:t>13</a:t>
+              <a:t>14</a:t>
             </a:fld>
             <a:endParaRPr lang="en-US"/>
           </a:p>
@@ -25091,7 +25362,7 @@
 </p:sld>
 </file>
 
-<file path=ppt/slides/slide14.xml><?xml version="1.0" encoding="utf-8"?>
+<file path=ppt/slides/slide15.xml><?xml version="1.0" encoding="utf-8"?>
 <p:sld xmlns:a="http://schemas.openxmlformats.org/drawingml/2006/main" xmlns:r="http://schemas.openxmlformats.org/officeDocument/2006/relationships" xmlns:p="http://schemas.openxmlformats.org/presentationml/2006/main">
   <p:cSld>
     <p:spTree>
@@ -25265,7 +25536,7 @@
           <a:p>
             <a:fld id="{8516EA25-A31F-4B9E-A83D-BE5BCB6B4218}" type="slidenum">
               <a:rPr lang="en-US" smtClean="0"/>
-              <a:t>14</a:t>
+              <a:t>15</a:t>
             </a:fld>
             <a:endParaRPr lang="en-US"/>
           </a:p>
@@ -25284,7 +25555,130 @@
 </p:sld>
 </file>
 
-<file path=ppt/slides/slide15.xml><?xml version="1.0" encoding="utf-8"?>
+<file path=ppt/slides/slide16.xml><?xml version="1.0" encoding="utf-8"?>
+<p:sld xmlns:a="http://schemas.openxmlformats.org/drawingml/2006/main" xmlns:r="http://schemas.openxmlformats.org/officeDocument/2006/relationships" xmlns:p="http://schemas.openxmlformats.org/presentationml/2006/main">
+  <p:cSld>
+    <p:spTree>
+      <p:nvGrpSpPr>
+        <p:cNvPr id="1" name=""/>
+        <p:cNvGrpSpPr/>
+        <p:nvPr/>
+      </p:nvGrpSpPr>
+      <p:grpSpPr>
+        <a:xfrm>
+          <a:off x="0" y="0"/>
+          <a:ext cx="0" cy="0"/>
+          <a:chOff x="0" y="0"/>
+          <a:chExt cx="0" cy="0"/>
+        </a:xfrm>
+      </p:grpSpPr>
+      <p:sp>
+        <p:nvSpPr>
+          <p:cNvPr id="2" name="Title 1">
+            <a:extLst>
+              <a:ext uri="{FF2B5EF4-FFF2-40B4-BE49-F238E27FC236}">
+                <a16:creationId xmlns:a16="http://schemas.microsoft.com/office/drawing/2014/main" id="{93C2A443-22CE-4899-8B4A-E99052AB94AA}"/>
+              </a:ext>
+            </a:extLst>
+          </p:cNvPr>
+          <p:cNvSpPr>
+            <a:spLocks noGrp="1"/>
+          </p:cNvSpPr>
+          <p:nvPr>
+            <p:ph type="title"/>
+          </p:nvPr>
+        </p:nvSpPr>
+        <p:spPr/>
+        <p:txBody>
+          <a:bodyPr/>
+          <a:lstStyle/>
+          <a:p>
+            <a:r>
+              <a:rPr lang="en-US" b="1" dirty="0"/>
+              <a:t>Trend of Graph DBMS Popularity</a:t>
+            </a:r>
+            <a:endParaRPr lang="en-US" dirty="0"/>
+          </a:p>
+        </p:txBody>
+      </p:sp>
+      <p:pic>
+        <p:nvPicPr>
+          <p:cNvPr id="6" name="Content Placeholder 5">
+            <a:extLst>
+              <a:ext uri="{FF2B5EF4-FFF2-40B4-BE49-F238E27FC236}">
+                <a16:creationId xmlns:a16="http://schemas.microsoft.com/office/drawing/2014/main" id="{A4809EED-EC65-447E-A7AA-5C2D56DA7CDB}"/>
+              </a:ext>
+            </a:extLst>
+          </p:cNvPr>
+          <p:cNvPicPr>
+            <a:picLocks noGrp="1" noChangeAspect="1"/>
+          </p:cNvPicPr>
+          <p:nvPr>
+            <p:ph idx="1"/>
+          </p:nvPr>
+        </p:nvPicPr>
+        <p:blipFill>
+          <a:blip r:embed="rId2">
+            <a:extLst>
+              <a:ext uri="{28A0092B-C50C-407E-A947-70E740481C1C}">
+                <a14:useLocalDpi xmlns:a14="http://schemas.microsoft.com/office/drawing/2010/main" val="0"/>
+              </a:ext>
+            </a:extLst>
+          </a:blip>
+          <a:stretch>
+            <a:fillRect/>
+          </a:stretch>
+        </p:blipFill>
+        <p:spPr>
+          <a:xfrm>
+            <a:off x="1143000" y="1833690"/>
+            <a:ext cx="10049843" cy="4483983"/>
+          </a:xfrm>
+        </p:spPr>
+      </p:pic>
+      <p:sp>
+        <p:nvSpPr>
+          <p:cNvPr id="4" name="Slide Number Placeholder 3">
+            <a:extLst>
+              <a:ext uri="{FF2B5EF4-FFF2-40B4-BE49-F238E27FC236}">
+                <a16:creationId xmlns:a16="http://schemas.microsoft.com/office/drawing/2014/main" id="{852D054E-D30D-4047-BF01-5EB83E88515B}"/>
+              </a:ext>
+            </a:extLst>
+          </p:cNvPr>
+          <p:cNvSpPr>
+            <a:spLocks noGrp="1"/>
+          </p:cNvSpPr>
+          <p:nvPr>
+            <p:ph type="sldNum" sz="quarter" idx="12"/>
+          </p:nvPr>
+        </p:nvSpPr>
+        <p:spPr/>
+        <p:txBody>
+          <a:bodyPr/>
+          <a:lstStyle/>
+          <a:p>
+            <a:fld id="{8516EA25-A31F-4B9E-A83D-BE5BCB6B4218}" type="slidenum">
+              <a:rPr lang="en-US" smtClean="0"/>
+              <a:t>16</a:t>
+            </a:fld>
+            <a:endParaRPr lang="en-US"/>
+          </a:p>
+        </p:txBody>
+      </p:sp>
+    </p:spTree>
+    <p:extLst>
+      <p:ext uri="{BB962C8B-B14F-4D97-AF65-F5344CB8AC3E}">
+        <p14:creationId xmlns:p14="http://schemas.microsoft.com/office/powerpoint/2010/main" val="3378635137"/>
+      </p:ext>
+    </p:extLst>
+  </p:cSld>
+  <p:clrMapOvr>
+    <a:masterClrMapping/>
+  </p:clrMapOvr>
+</p:sld>
+</file>
+
+<file path=ppt/slides/slide17.xml><?xml version="1.0" encoding="utf-8"?>
 <p:sld xmlns:a="http://schemas.openxmlformats.org/drawingml/2006/main" xmlns:r="http://schemas.openxmlformats.org/officeDocument/2006/relationships" xmlns:p="http://schemas.openxmlformats.org/presentationml/2006/main">
   <p:cSld>
     <p:spTree>
@@ -25347,7 +25741,9 @@
         </p:nvSpPr>
         <p:spPr/>
         <p:txBody>
-          <a:bodyPr/>
+          <a:bodyPr>
+            <a:normAutofit lnSpcReduction="10000"/>
+          </a:bodyPr>
           <a:lstStyle/>
           <a:p>
             <a:r>
@@ -25358,13 +25754,13 @@
           <a:p>
             <a:r>
               <a:rPr lang="en-US" dirty="0"/>
-              <a:t>Constant time traversals in big graphs for both depth and breadth due to efficient representation of nodes and relationships. Enables scale-up to billions of nodes on moderate hardware.</a:t>
+              <a:t>Constant time traversals in big graphs for both depth and breadth due to efficient representation of nodes and relationships. Enables scale-up to billions of nodes on moderate hardware</a:t>
             </a:r>
           </a:p>
           <a:p>
             <a:r>
               <a:rPr lang="en-US" dirty="0"/>
-              <a:t>Flexible property graph schema that can adapt over time, making it possible to materialize and add new relationships later to shortcut and speed up the domain data when the business needs change.</a:t>
+              <a:t>Flexible property graph schema that can adapt over time, making it possible to materialize and add new relationships later to shortcut and speed up the domain data when the business needs change</a:t>
             </a:r>
           </a:p>
           <a:p>
@@ -25376,7 +25772,13 @@
             </a:r>
             <a:r>
               <a:rPr lang="en-US" dirty="0"/>
-              <a:t> for popular programming languages, including Java, JavaScript, .NET, Python, and many more.</a:t>
+              <a:t> for popular programming languages, including Java, JavaScript, .NET, Python, and many more</a:t>
+            </a:r>
+          </a:p>
+          <a:p>
+            <a:r>
+              <a:rPr lang="en-US" dirty="0"/>
+              <a:t>Neo4j is a native graph database and takes advantage of index-free adjacency for relationship traversals</a:t>
             </a:r>
           </a:p>
           <a:p>
@@ -25407,7 +25809,7 @@
           <a:p>
             <a:fld id="{8516EA25-A31F-4B9E-A83D-BE5BCB6B4218}" type="slidenum">
               <a:rPr lang="en-US" smtClean="0"/>
-              <a:t>15</a:t>
+              <a:t>17</a:t>
             </a:fld>
             <a:endParaRPr lang="en-US"/>
           </a:p>
@@ -25426,7 +25828,7 @@
 </p:sld>
 </file>
 
-<file path=ppt/slides/slide16.xml><?xml version="1.0" encoding="utf-8"?>
+<file path=ppt/slides/slide18.xml><?xml version="1.0" encoding="utf-8"?>
 <p:sld xmlns:a="http://schemas.openxmlformats.org/drawingml/2006/main" xmlns:r="http://schemas.openxmlformats.org/officeDocument/2006/relationships" xmlns:p="http://schemas.openxmlformats.org/presentationml/2006/main">
   <p:cSld>
     <p:spTree>
@@ -25494,7 +25896,7 @@
           <a:p>
             <a:fld id="{8516EA25-A31F-4B9E-A83D-BE5BCB6B4218}" type="slidenum">
               <a:rPr lang="en-US" smtClean="0"/>
-              <a:t>16</a:t>
+              <a:t>18</a:t>
             </a:fld>
             <a:endParaRPr lang="en-US"/>
           </a:p>
@@ -25548,7 +25950,7 @@
 </p:sld>
 </file>
 
-<file path=ppt/slides/slide17.xml><?xml version="1.0" encoding="utf-8"?>
+<file path=ppt/slides/slide19.xml><?xml version="1.0" encoding="utf-8"?>
 <p:sld xmlns:a="http://schemas.openxmlformats.org/drawingml/2006/main" xmlns:r="http://schemas.openxmlformats.org/officeDocument/2006/relationships" xmlns:p="http://schemas.openxmlformats.org/presentationml/2006/main">
   <p:cSld>
     <p:spTree>
@@ -26043,329 +26445,6 @@
 </p:sld>
 </file>
 
-<file path=ppt/slides/slide18.xml><?xml version="1.0" encoding="utf-8"?>
-<p:sld xmlns:a="http://schemas.openxmlformats.org/drawingml/2006/main" xmlns:r="http://schemas.openxmlformats.org/officeDocument/2006/relationships" xmlns:p="http://schemas.openxmlformats.org/presentationml/2006/main">
-  <p:cSld>
-    <p:spTree>
-      <p:nvGrpSpPr>
-        <p:cNvPr id="1" name=""/>
-        <p:cNvGrpSpPr/>
-        <p:nvPr/>
-      </p:nvGrpSpPr>
-      <p:grpSpPr>
-        <a:xfrm>
-          <a:off x="0" y="0"/>
-          <a:ext cx="0" cy="0"/>
-          <a:chOff x="0" y="0"/>
-          <a:chExt cx="0" cy="0"/>
-        </a:xfrm>
-      </p:grpSpPr>
-      <p:sp>
-        <p:nvSpPr>
-          <p:cNvPr id="2" name="Title 1">
-            <a:extLst>
-              <a:ext uri="{FF2B5EF4-FFF2-40B4-BE49-F238E27FC236}">
-                <a16:creationId xmlns:a16="http://schemas.microsoft.com/office/drawing/2014/main" id="{A3BA581E-77F6-4DA8-91BB-8A70BB9653DA}"/>
-              </a:ext>
-            </a:extLst>
-          </p:cNvPr>
-          <p:cNvSpPr>
-            <a:spLocks noGrp="1"/>
-          </p:cNvSpPr>
-          <p:nvPr>
-            <p:ph type="title"/>
-          </p:nvPr>
-        </p:nvSpPr>
-        <p:spPr/>
-        <p:txBody>
-          <a:bodyPr/>
-          <a:lstStyle/>
-          <a:p>
-            <a:r>
-              <a:rPr lang="en-US" dirty="0"/>
-              <a:t>Declarative Query for Graphs</a:t>
-            </a:r>
-          </a:p>
-        </p:txBody>
-      </p:sp>
-      <p:sp>
-        <p:nvSpPr>
-          <p:cNvPr id="3" name="Content Placeholder 2">
-            <a:extLst>
-              <a:ext uri="{FF2B5EF4-FFF2-40B4-BE49-F238E27FC236}">
-                <a16:creationId xmlns:a16="http://schemas.microsoft.com/office/drawing/2014/main" id="{4F218FCF-D399-4B43-8D95-575599E2C884}"/>
-              </a:ext>
-            </a:extLst>
-          </p:cNvPr>
-          <p:cNvSpPr>
-            <a:spLocks noGrp="1"/>
-          </p:cNvSpPr>
-          <p:nvPr>
-            <p:ph idx="1"/>
-          </p:nvPr>
-        </p:nvSpPr>
-        <p:spPr/>
-        <p:txBody>
-          <a:bodyPr>
-            <a:normAutofit/>
-          </a:bodyPr>
-          <a:lstStyle/>
-          <a:p>
-            <a:r>
-              <a:rPr lang="en-US" sz="3600" dirty="0"/>
-              <a:t>Nodes</a:t>
-            </a:r>
-            <a:endParaRPr lang="en-US" sz="3400" dirty="0"/>
-          </a:p>
-          <a:p>
-            <a:pPr marL="45720" indent="0" algn="ctr">
-              <a:buNone/>
-            </a:pPr>
-            <a:r>
-              <a:rPr lang="en-US" sz="2400" dirty="0">
-                <a:solidFill>
-                  <a:schemeClr val="tx1"/>
-                </a:solidFill>
-              </a:rPr>
-              <a:t>Nodes are drawn with parentheses</a:t>
-            </a:r>
-          </a:p>
-          <a:p>
-            <a:pPr marL="45720" indent="0" algn="ctr">
-              <a:buNone/>
-            </a:pPr>
-            <a:r>
-              <a:rPr lang="en-US" sz="5400" dirty="0">
-                <a:solidFill>
-                  <a:srgbClr val="00B050"/>
-                </a:solidFill>
-              </a:rPr>
-              <a:t>( )</a:t>
-            </a:r>
-          </a:p>
-        </p:txBody>
-      </p:sp>
-      <p:sp>
-        <p:nvSpPr>
-          <p:cNvPr id="4" name="Slide Number Placeholder 3">
-            <a:extLst>
-              <a:ext uri="{FF2B5EF4-FFF2-40B4-BE49-F238E27FC236}">
-                <a16:creationId xmlns:a16="http://schemas.microsoft.com/office/drawing/2014/main" id="{071CAC60-33E2-4DEB-8E12-2B10ADF2E52A}"/>
-              </a:ext>
-            </a:extLst>
-          </p:cNvPr>
-          <p:cNvSpPr>
-            <a:spLocks noGrp="1"/>
-          </p:cNvSpPr>
-          <p:nvPr>
-            <p:ph type="sldNum" sz="quarter" idx="12"/>
-          </p:nvPr>
-        </p:nvSpPr>
-        <p:spPr/>
-        <p:txBody>
-          <a:bodyPr/>
-          <a:lstStyle/>
-          <a:p>
-            <a:fld id="{8516EA25-A31F-4B9E-A83D-BE5BCB6B4218}" type="slidenum">
-              <a:rPr lang="en-US" smtClean="0"/>
-              <a:t>18</a:t>
-            </a:fld>
-            <a:endParaRPr lang="en-US"/>
-          </a:p>
-        </p:txBody>
-      </p:sp>
-    </p:spTree>
-    <p:extLst>
-      <p:ext uri="{BB962C8B-B14F-4D97-AF65-F5344CB8AC3E}">
-        <p14:creationId xmlns:p14="http://schemas.microsoft.com/office/powerpoint/2010/main" val="2849330524"/>
-      </p:ext>
-    </p:extLst>
-  </p:cSld>
-  <p:clrMapOvr>
-    <a:masterClrMapping/>
-  </p:clrMapOvr>
-</p:sld>
-</file>
-
-<file path=ppt/slides/slide19.xml><?xml version="1.0" encoding="utf-8"?>
-<p:sld xmlns:a="http://schemas.openxmlformats.org/drawingml/2006/main" xmlns:r="http://schemas.openxmlformats.org/officeDocument/2006/relationships" xmlns:p="http://schemas.openxmlformats.org/presentationml/2006/main">
-  <p:cSld>
-    <p:spTree>
-      <p:nvGrpSpPr>
-        <p:cNvPr id="1" name=""/>
-        <p:cNvGrpSpPr/>
-        <p:nvPr/>
-      </p:nvGrpSpPr>
-      <p:grpSpPr>
-        <a:xfrm>
-          <a:off x="0" y="0"/>
-          <a:ext cx="0" cy="0"/>
-          <a:chOff x="0" y="0"/>
-          <a:chExt cx="0" cy="0"/>
-        </a:xfrm>
-      </p:grpSpPr>
-      <p:sp>
-        <p:nvSpPr>
-          <p:cNvPr id="2" name="Title 1">
-            <a:extLst>
-              <a:ext uri="{FF2B5EF4-FFF2-40B4-BE49-F238E27FC236}">
-                <a16:creationId xmlns:a16="http://schemas.microsoft.com/office/drawing/2014/main" id="{A3BA581E-77F6-4DA8-91BB-8A70BB9653DA}"/>
-              </a:ext>
-            </a:extLst>
-          </p:cNvPr>
-          <p:cNvSpPr>
-            <a:spLocks noGrp="1"/>
-          </p:cNvSpPr>
-          <p:nvPr>
-            <p:ph type="title"/>
-          </p:nvPr>
-        </p:nvSpPr>
-        <p:spPr/>
-        <p:txBody>
-          <a:bodyPr/>
-          <a:lstStyle/>
-          <a:p>
-            <a:r>
-              <a:rPr lang="en-US" dirty="0"/>
-              <a:t>Declarative Query for Graphs</a:t>
-            </a:r>
-          </a:p>
-        </p:txBody>
-      </p:sp>
-      <p:sp>
-        <p:nvSpPr>
-          <p:cNvPr id="3" name="Content Placeholder 2">
-            <a:extLst>
-              <a:ext uri="{FF2B5EF4-FFF2-40B4-BE49-F238E27FC236}">
-                <a16:creationId xmlns:a16="http://schemas.microsoft.com/office/drawing/2014/main" id="{4F218FCF-D399-4B43-8D95-575599E2C884}"/>
-              </a:ext>
-            </a:extLst>
-          </p:cNvPr>
-          <p:cNvSpPr>
-            <a:spLocks noGrp="1"/>
-          </p:cNvSpPr>
-          <p:nvPr>
-            <p:ph idx="1"/>
-          </p:nvPr>
-        </p:nvSpPr>
-        <p:spPr/>
-        <p:txBody>
-          <a:bodyPr>
-            <a:normAutofit/>
-          </a:bodyPr>
-          <a:lstStyle/>
-          <a:p>
-            <a:r>
-              <a:rPr lang="en-US" sz="3600" dirty="0"/>
-              <a:t>Relationships </a:t>
-            </a:r>
-          </a:p>
-          <a:p>
-            <a:pPr marL="45720" indent="0" algn="ctr">
-              <a:buNone/>
-            </a:pPr>
-            <a:r>
-              <a:rPr lang="en-US" sz="2400" dirty="0">
-                <a:solidFill>
-                  <a:schemeClr val="tx1"/>
-                </a:solidFill>
-              </a:rPr>
-              <a:t>Relationships are drawn as arrows, with additional details in brackets</a:t>
-            </a:r>
-            <a:r>
-              <a:rPr lang="en-US" sz="3600" dirty="0">
-                <a:solidFill>
-                  <a:schemeClr val="tx1"/>
-                </a:solidFill>
-              </a:rPr>
-              <a:t> </a:t>
-            </a:r>
-            <a:endParaRPr lang="en-US" sz="3400" dirty="0">
-              <a:solidFill>
-                <a:schemeClr val="tx1"/>
-              </a:solidFill>
-            </a:endParaRPr>
-          </a:p>
-          <a:p>
-            <a:pPr marL="45720" indent="0" algn="ctr">
-              <a:buNone/>
-            </a:pPr>
-            <a:r>
-              <a:rPr lang="en-US" sz="5400" dirty="0">
-                <a:solidFill>
-                  <a:srgbClr val="00B050"/>
-                </a:solidFill>
-              </a:rPr>
-              <a:t>--&gt;</a:t>
-            </a:r>
-          </a:p>
-          <a:p>
-            <a:pPr marL="45720" indent="0" algn="ctr">
-              <a:buNone/>
-            </a:pPr>
-            <a:r>
-              <a:rPr lang="en-US" sz="5400" dirty="0">
-                <a:solidFill>
-                  <a:srgbClr val="00B050"/>
-                </a:solidFill>
-              </a:rPr>
-              <a:t>-[:DIRECTED]-&gt;</a:t>
-            </a:r>
-          </a:p>
-          <a:p>
-            <a:pPr marL="45720" indent="0" algn="ctr">
-              <a:buNone/>
-            </a:pPr>
-            <a:endParaRPr lang="en-US" sz="5400" dirty="0">
-              <a:solidFill>
-                <a:schemeClr val="tx1"/>
-              </a:solidFill>
-            </a:endParaRPr>
-          </a:p>
-        </p:txBody>
-      </p:sp>
-      <p:sp>
-        <p:nvSpPr>
-          <p:cNvPr id="4" name="Slide Number Placeholder 3">
-            <a:extLst>
-              <a:ext uri="{FF2B5EF4-FFF2-40B4-BE49-F238E27FC236}">
-                <a16:creationId xmlns:a16="http://schemas.microsoft.com/office/drawing/2014/main" id="{071CAC60-33E2-4DEB-8E12-2B10ADF2E52A}"/>
-              </a:ext>
-            </a:extLst>
-          </p:cNvPr>
-          <p:cNvSpPr>
-            <a:spLocks noGrp="1"/>
-          </p:cNvSpPr>
-          <p:nvPr>
-            <p:ph type="sldNum" sz="quarter" idx="12"/>
-          </p:nvPr>
-        </p:nvSpPr>
-        <p:spPr/>
-        <p:txBody>
-          <a:bodyPr/>
-          <a:lstStyle/>
-          <a:p>
-            <a:fld id="{8516EA25-A31F-4B9E-A83D-BE5BCB6B4218}" type="slidenum">
-              <a:rPr lang="en-US" smtClean="0"/>
-              <a:t>19</a:t>
-            </a:fld>
-            <a:endParaRPr lang="en-US"/>
-          </a:p>
-        </p:txBody>
-      </p:sp>
-    </p:spTree>
-    <p:extLst>
-      <p:ext uri="{BB962C8B-B14F-4D97-AF65-F5344CB8AC3E}">
-        <p14:creationId xmlns:p14="http://schemas.microsoft.com/office/powerpoint/2010/main" val="626928276"/>
-      </p:ext>
-    </p:extLst>
-  </p:cSld>
-  <p:clrMapOvr>
-    <a:masterClrMapping/>
-  </p:clrMapOvr>
-</p:sld>
-</file>
-
 <file path=ppt/slides/slide2.xml><?xml version="1.0" encoding="utf-8"?>
 <p:sld xmlns:a="http://schemas.openxmlformats.org/drawingml/2006/main" xmlns:r="http://schemas.openxmlformats.org/officeDocument/2006/relationships" xmlns:p="http://schemas.openxmlformats.org/presentationml/2006/main">
   <p:cSld>
@@ -26535,6 +26614,329 @@
           <p:cNvPr id="2" name="Title 1">
             <a:extLst>
               <a:ext uri="{FF2B5EF4-FFF2-40B4-BE49-F238E27FC236}">
+                <a16:creationId xmlns:a16="http://schemas.microsoft.com/office/drawing/2014/main" id="{A3BA581E-77F6-4DA8-91BB-8A70BB9653DA}"/>
+              </a:ext>
+            </a:extLst>
+          </p:cNvPr>
+          <p:cNvSpPr>
+            <a:spLocks noGrp="1"/>
+          </p:cNvSpPr>
+          <p:nvPr>
+            <p:ph type="title"/>
+          </p:nvPr>
+        </p:nvSpPr>
+        <p:spPr/>
+        <p:txBody>
+          <a:bodyPr/>
+          <a:lstStyle/>
+          <a:p>
+            <a:r>
+              <a:rPr lang="en-US" dirty="0"/>
+              <a:t>Declarative Query for Graphs</a:t>
+            </a:r>
+          </a:p>
+        </p:txBody>
+      </p:sp>
+      <p:sp>
+        <p:nvSpPr>
+          <p:cNvPr id="3" name="Content Placeholder 2">
+            <a:extLst>
+              <a:ext uri="{FF2B5EF4-FFF2-40B4-BE49-F238E27FC236}">
+                <a16:creationId xmlns:a16="http://schemas.microsoft.com/office/drawing/2014/main" id="{4F218FCF-D399-4B43-8D95-575599E2C884}"/>
+              </a:ext>
+            </a:extLst>
+          </p:cNvPr>
+          <p:cNvSpPr>
+            <a:spLocks noGrp="1"/>
+          </p:cNvSpPr>
+          <p:nvPr>
+            <p:ph idx="1"/>
+          </p:nvPr>
+        </p:nvSpPr>
+        <p:spPr/>
+        <p:txBody>
+          <a:bodyPr>
+            <a:normAutofit/>
+          </a:bodyPr>
+          <a:lstStyle/>
+          <a:p>
+            <a:r>
+              <a:rPr lang="en-US" sz="3600" dirty="0"/>
+              <a:t>Nodes</a:t>
+            </a:r>
+            <a:endParaRPr lang="en-US" sz="3400" dirty="0"/>
+          </a:p>
+          <a:p>
+            <a:pPr marL="45720" indent="0" algn="ctr">
+              <a:buNone/>
+            </a:pPr>
+            <a:r>
+              <a:rPr lang="en-US" sz="2400" dirty="0">
+                <a:solidFill>
+                  <a:schemeClr val="tx1"/>
+                </a:solidFill>
+              </a:rPr>
+              <a:t>Nodes are drawn with parentheses</a:t>
+            </a:r>
+          </a:p>
+          <a:p>
+            <a:pPr marL="45720" indent="0" algn="ctr">
+              <a:buNone/>
+            </a:pPr>
+            <a:r>
+              <a:rPr lang="en-US" sz="5400" dirty="0">
+                <a:solidFill>
+                  <a:srgbClr val="00B050"/>
+                </a:solidFill>
+              </a:rPr>
+              <a:t>( )</a:t>
+            </a:r>
+          </a:p>
+        </p:txBody>
+      </p:sp>
+      <p:sp>
+        <p:nvSpPr>
+          <p:cNvPr id="4" name="Slide Number Placeholder 3">
+            <a:extLst>
+              <a:ext uri="{FF2B5EF4-FFF2-40B4-BE49-F238E27FC236}">
+                <a16:creationId xmlns:a16="http://schemas.microsoft.com/office/drawing/2014/main" id="{071CAC60-33E2-4DEB-8E12-2B10ADF2E52A}"/>
+              </a:ext>
+            </a:extLst>
+          </p:cNvPr>
+          <p:cNvSpPr>
+            <a:spLocks noGrp="1"/>
+          </p:cNvSpPr>
+          <p:nvPr>
+            <p:ph type="sldNum" sz="quarter" idx="12"/>
+          </p:nvPr>
+        </p:nvSpPr>
+        <p:spPr/>
+        <p:txBody>
+          <a:bodyPr/>
+          <a:lstStyle/>
+          <a:p>
+            <a:fld id="{8516EA25-A31F-4B9E-A83D-BE5BCB6B4218}" type="slidenum">
+              <a:rPr lang="en-US" smtClean="0"/>
+              <a:t>20</a:t>
+            </a:fld>
+            <a:endParaRPr lang="en-US"/>
+          </a:p>
+        </p:txBody>
+      </p:sp>
+    </p:spTree>
+    <p:extLst>
+      <p:ext uri="{BB962C8B-B14F-4D97-AF65-F5344CB8AC3E}">
+        <p14:creationId xmlns:p14="http://schemas.microsoft.com/office/powerpoint/2010/main" val="2849330524"/>
+      </p:ext>
+    </p:extLst>
+  </p:cSld>
+  <p:clrMapOvr>
+    <a:masterClrMapping/>
+  </p:clrMapOvr>
+</p:sld>
+</file>
+
+<file path=ppt/slides/slide21.xml><?xml version="1.0" encoding="utf-8"?>
+<p:sld xmlns:a="http://schemas.openxmlformats.org/drawingml/2006/main" xmlns:r="http://schemas.openxmlformats.org/officeDocument/2006/relationships" xmlns:p="http://schemas.openxmlformats.org/presentationml/2006/main">
+  <p:cSld>
+    <p:spTree>
+      <p:nvGrpSpPr>
+        <p:cNvPr id="1" name=""/>
+        <p:cNvGrpSpPr/>
+        <p:nvPr/>
+      </p:nvGrpSpPr>
+      <p:grpSpPr>
+        <a:xfrm>
+          <a:off x="0" y="0"/>
+          <a:ext cx="0" cy="0"/>
+          <a:chOff x="0" y="0"/>
+          <a:chExt cx="0" cy="0"/>
+        </a:xfrm>
+      </p:grpSpPr>
+      <p:sp>
+        <p:nvSpPr>
+          <p:cNvPr id="2" name="Title 1">
+            <a:extLst>
+              <a:ext uri="{FF2B5EF4-FFF2-40B4-BE49-F238E27FC236}">
+                <a16:creationId xmlns:a16="http://schemas.microsoft.com/office/drawing/2014/main" id="{A3BA581E-77F6-4DA8-91BB-8A70BB9653DA}"/>
+              </a:ext>
+            </a:extLst>
+          </p:cNvPr>
+          <p:cNvSpPr>
+            <a:spLocks noGrp="1"/>
+          </p:cNvSpPr>
+          <p:nvPr>
+            <p:ph type="title"/>
+          </p:nvPr>
+        </p:nvSpPr>
+        <p:spPr/>
+        <p:txBody>
+          <a:bodyPr/>
+          <a:lstStyle/>
+          <a:p>
+            <a:r>
+              <a:rPr lang="en-US" dirty="0"/>
+              <a:t>Declarative Query for Graphs</a:t>
+            </a:r>
+          </a:p>
+        </p:txBody>
+      </p:sp>
+      <p:sp>
+        <p:nvSpPr>
+          <p:cNvPr id="3" name="Content Placeholder 2">
+            <a:extLst>
+              <a:ext uri="{FF2B5EF4-FFF2-40B4-BE49-F238E27FC236}">
+                <a16:creationId xmlns:a16="http://schemas.microsoft.com/office/drawing/2014/main" id="{4F218FCF-D399-4B43-8D95-575599E2C884}"/>
+              </a:ext>
+            </a:extLst>
+          </p:cNvPr>
+          <p:cNvSpPr>
+            <a:spLocks noGrp="1"/>
+          </p:cNvSpPr>
+          <p:nvPr>
+            <p:ph idx="1"/>
+          </p:nvPr>
+        </p:nvSpPr>
+        <p:spPr/>
+        <p:txBody>
+          <a:bodyPr>
+            <a:normAutofit/>
+          </a:bodyPr>
+          <a:lstStyle/>
+          <a:p>
+            <a:r>
+              <a:rPr lang="en-US" sz="3600" dirty="0"/>
+              <a:t>Relationships </a:t>
+            </a:r>
+          </a:p>
+          <a:p>
+            <a:pPr marL="45720" indent="0" algn="ctr">
+              <a:buNone/>
+            </a:pPr>
+            <a:r>
+              <a:rPr lang="en-US" sz="2400" dirty="0">
+                <a:solidFill>
+                  <a:schemeClr val="tx1"/>
+                </a:solidFill>
+              </a:rPr>
+              <a:t>Relationships are drawn as arrows, with additional details in brackets</a:t>
+            </a:r>
+            <a:r>
+              <a:rPr lang="en-US" sz="3600" dirty="0">
+                <a:solidFill>
+                  <a:schemeClr val="tx1"/>
+                </a:solidFill>
+              </a:rPr>
+              <a:t> </a:t>
+            </a:r>
+            <a:endParaRPr lang="en-US" sz="3400" dirty="0">
+              <a:solidFill>
+                <a:schemeClr val="tx1"/>
+              </a:solidFill>
+            </a:endParaRPr>
+          </a:p>
+          <a:p>
+            <a:pPr marL="45720" indent="0" algn="ctr">
+              <a:buNone/>
+            </a:pPr>
+            <a:r>
+              <a:rPr lang="en-US" sz="5400" dirty="0">
+                <a:solidFill>
+                  <a:srgbClr val="00B050"/>
+                </a:solidFill>
+              </a:rPr>
+              <a:t>--&gt;</a:t>
+            </a:r>
+          </a:p>
+          <a:p>
+            <a:pPr marL="45720" indent="0" algn="ctr">
+              <a:buNone/>
+            </a:pPr>
+            <a:r>
+              <a:rPr lang="en-US" sz="5400" dirty="0">
+                <a:solidFill>
+                  <a:srgbClr val="00B050"/>
+                </a:solidFill>
+              </a:rPr>
+              <a:t>-[:DIRECTED]-&gt;</a:t>
+            </a:r>
+          </a:p>
+          <a:p>
+            <a:pPr marL="45720" indent="0" algn="ctr">
+              <a:buNone/>
+            </a:pPr>
+            <a:endParaRPr lang="en-US" sz="5400" dirty="0">
+              <a:solidFill>
+                <a:schemeClr val="tx1"/>
+              </a:solidFill>
+            </a:endParaRPr>
+          </a:p>
+        </p:txBody>
+      </p:sp>
+      <p:sp>
+        <p:nvSpPr>
+          <p:cNvPr id="4" name="Slide Number Placeholder 3">
+            <a:extLst>
+              <a:ext uri="{FF2B5EF4-FFF2-40B4-BE49-F238E27FC236}">
+                <a16:creationId xmlns:a16="http://schemas.microsoft.com/office/drawing/2014/main" id="{071CAC60-33E2-4DEB-8E12-2B10ADF2E52A}"/>
+              </a:ext>
+            </a:extLst>
+          </p:cNvPr>
+          <p:cNvSpPr>
+            <a:spLocks noGrp="1"/>
+          </p:cNvSpPr>
+          <p:nvPr>
+            <p:ph type="sldNum" sz="quarter" idx="12"/>
+          </p:nvPr>
+        </p:nvSpPr>
+        <p:spPr/>
+        <p:txBody>
+          <a:bodyPr/>
+          <a:lstStyle/>
+          <a:p>
+            <a:fld id="{8516EA25-A31F-4B9E-A83D-BE5BCB6B4218}" type="slidenum">
+              <a:rPr lang="en-US" smtClean="0"/>
+              <a:t>21</a:t>
+            </a:fld>
+            <a:endParaRPr lang="en-US"/>
+          </a:p>
+        </p:txBody>
+      </p:sp>
+    </p:spTree>
+    <p:extLst>
+      <p:ext uri="{BB962C8B-B14F-4D97-AF65-F5344CB8AC3E}">
+        <p14:creationId xmlns:p14="http://schemas.microsoft.com/office/powerpoint/2010/main" val="626928276"/>
+      </p:ext>
+    </p:extLst>
+  </p:cSld>
+  <p:clrMapOvr>
+    <a:masterClrMapping/>
+  </p:clrMapOvr>
+</p:sld>
+</file>
+
+<file path=ppt/slides/slide22.xml><?xml version="1.0" encoding="utf-8"?>
+<p:sld xmlns:a="http://schemas.openxmlformats.org/drawingml/2006/main" xmlns:r="http://schemas.openxmlformats.org/officeDocument/2006/relationships" xmlns:p="http://schemas.openxmlformats.org/presentationml/2006/main">
+  <p:cSld>
+    <p:spTree>
+      <p:nvGrpSpPr>
+        <p:cNvPr id="1" name=""/>
+        <p:cNvGrpSpPr/>
+        <p:nvPr/>
+      </p:nvGrpSpPr>
+      <p:grpSpPr>
+        <a:xfrm>
+          <a:off x="0" y="0"/>
+          <a:ext cx="0" cy="0"/>
+          <a:chOff x="0" y="0"/>
+          <a:chExt cx="0" cy="0"/>
+        </a:xfrm>
+      </p:grpSpPr>
+      <p:sp>
+        <p:nvSpPr>
+          <p:cNvPr id="2" name="Title 1">
+            <a:extLst>
+              <a:ext uri="{FF2B5EF4-FFF2-40B4-BE49-F238E27FC236}">
                 <a16:creationId xmlns:a16="http://schemas.microsoft.com/office/drawing/2014/main" id="{4AC9948A-8C18-4F59-ACBE-0437296E35B8}"/>
               </a:ext>
             </a:extLst>
@@ -26678,7 +27080,7 @@
           <a:p>
             <a:fld id="{8516EA25-A31F-4B9E-A83D-BE5BCB6B4218}" type="slidenum">
               <a:rPr lang="en-US" smtClean="0"/>
-              <a:t>20</a:t>
+              <a:t>22</a:t>
             </a:fld>
             <a:endParaRPr lang="en-US"/>
           </a:p>
@@ -26697,7 +27099,7 @@
 </p:sld>
 </file>
 
-<file path=ppt/slides/slide21.xml><?xml version="1.0" encoding="utf-8"?>
+<file path=ppt/slides/slide23.xml><?xml version="1.0" encoding="utf-8"?>
 <p:sld xmlns:a="http://schemas.openxmlformats.org/drawingml/2006/main" xmlns:r="http://schemas.openxmlformats.org/officeDocument/2006/relationships" xmlns:p="http://schemas.openxmlformats.org/presentationml/2006/main">
   <p:cSld>
     <p:spTree>
@@ -26765,7 +27167,7 @@
           <a:p>
             <a:fld id="{8516EA25-A31F-4B9E-A83D-BE5BCB6B4218}" type="slidenum">
               <a:rPr lang="en-US" smtClean="0"/>
-              <a:t>21</a:t>
+              <a:t>23</a:t>
             </a:fld>
             <a:endParaRPr lang="en-US"/>
           </a:p>
@@ -27121,7 +27523,7 @@
 </p:sld>
 </file>
 
-<file path=ppt/slides/slide22.xml><?xml version="1.0" encoding="utf-8"?>
+<file path=ppt/slides/slide24.xml><?xml version="1.0" encoding="utf-8"?>
 <p:sld xmlns:a="http://schemas.openxmlformats.org/drawingml/2006/main" xmlns:r="http://schemas.openxmlformats.org/officeDocument/2006/relationships" xmlns:p="http://schemas.openxmlformats.org/presentationml/2006/main">
   <p:cSld>
     <p:spTree>
@@ -27189,7 +27591,7 @@
           <a:p>
             <a:fld id="{8516EA25-A31F-4B9E-A83D-BE5BCB6B4218}" type="slidenum">
               <a:rPr lang="en-US" smtClean="0"/>
-              <a:t>22</a:t>
+              <a:t>24</a:t>
             </a:fld>
             <a:endParaRPr lang="en-US"/>
           </a:p>
@@ -27853,7 +28255,7 @@
 </p:sld>
 </file>
 
-<file path=ppt/slides/slide23.xml><?xml version="1.0" encoding="utf-8"?>
+<file path=ppt/slides/slide25.xml><?xml version="1.0" encoding="utf-8"?>
 <p:sld xmlns:a="http://schemas.openxmlformats.org/drawingml/2006/main" xmlns:r="http://schemas.openxmlformats.org/officeDocument/2006/relationships" xmlns:p="http://schemas.openxmlformats.org/presentationml/2006/main">
   <p:cSld>
     <p:spTree>
@@ -27929,7 +28331,7 @@
           <a:p>
             <a:fld id="{8516EA25-A31F-4B9E-A83D-BE5BCB6B4218}" type="slidenum">
               <a:rPr lang="en-US" smtClean="0"/>
-              <a:t>23</a:t>
+              <a:t>25</a:t>
             </a:fld>
             <a:endParaRPr lang="en-US"/>
           </a:p>
@@ -28593,7 +28995,7 @@
 </p:sld>
 </file>
 
-<file path=ppt/slides/slide24.xml><?xml version="1.0" encoding="utf-8"?>
+<file path=ppt/slides/slide26.xml><?xml version="1.0" encoding="utf-8"?>
 <p:sld xmlns:a="http://schemas.openxmlformats.org/drawingml/2006/main" xmlns:r="http://schemas.openxmlformats.org/officeDocument/2006/relationships" xmlns:p="http://schemas.openxmlformats.org/presentationml/2006/main">
   <p:cSld>
     <p:spTree>
@@ -28669,7 +29071,7 @@
           <a:p>
             <a:fld id="{8516EA25-A31F-4B9E-A83D-BE5BCB6B4218}" type="slidenum">
               <a:rPr lang="en-US" smtClean="0"/>
-              <a:t>24</a:t>
+              <a:t>26</a:t>
             </a:fld>
             <a:endParaRPr lang="en-US"/>
           </a:p>
@@ -29280,7 +29682,7 @@
 </p:sld>
 </file>
 
-<file path=ppt/slides/slide25.xml><?xml version="1.0" encoding="utf-8"?>
+<file path=ppt/slides/slide27.xml><?xml version="1.0" encoding="utf-8"?>
 <p:sld xmlns:a="http://schemas.openxmlformats.org/drawingml/2006/main" xmlns:r="http://schemas.openxmlformats.org/officeDocument/2006/relationships" xmlns:p="http://schemas.openxmlformats.org/presentationml/2006/main">
   <p:cSld>
     <p:spTree>
@@ -29512,7 +29914,7 @@
           <a:p>
             <a:fld id="{8516EA25-A31F-4B9E-A83D-BE5BCB6B4218}" type="slidenum">
               <a:rPr lang="en-US" smtClean="0"/>
-              <a:t>25</a:t>
+              <a:t>27</a:t>
             </a:fld>
             <a:endParaRPr lang="en-US"/>
           </a:p>
@@ -29531,7 +29933,7 @@
 </p:sld>
 </file>
 
-<file path=ppt/slides/slide26.xml><?xml version="1.0" encoding="utf-8"?>
+<file path=ppt/slides/slide28.xml><?xml version="1.0" encoding="utf-8"?>
 <p:sld xmlns:a="http://schemas.openxmlformats.org/drawingml/2006/main" xmlns:r="http://schemas.openxmlformats.org/officeDocument/2006/relationships" xmlns:p="http://schemas.openxmlformats.org/presentationml/2006/main">
   <p:cSld>
     <p:spTree>
@@ -29855,7 +30257,7 @@
           <a:p>
             <a:fld id="{8516EA25-A31F-4B9E-A83D-BE5BCB6B4218}" type="slidenum">
               <a:rPr lang="en-US" smtClean="0"/>
-              <a:t>26</a:t>
+              <a:t>28</a:t>
             </a:fld>
             <a:endParaRPr lang="en-US"/>
           </a:p>
@@ -29874,7 +30276,7 @@
 </p:sld>
 </file>
 
-<file path=ppt/slides/slide27.xml><?xml version="1.0" encoding="utf-8"?>
+<file path=ppt/slides/slide29.xml><?xml version="1.0" encoding="utf-8"?>
 <p:sld xmlns:a="http://schemas.openxmlformats.org/drawingml/2006/main" xmlns:r="http://schemas.openxmlformats.org/officeDocument/2006/relationships" xmlns:p="http://schemas.openxmlformats.org/presentationml/2006/main">
   <p:cSld>
     <p:spTree>
@@ -30022,7 +30424,7 @@
           <a:p>
             <a:fld id="{8516EA25-A31F-4B9E-A83D-BE5BCB6B4218}" type="slidenum">
               <a:rPr lang="en-US" smtClean="0"/>
-              <a:t>27</a:t>
+              <a:t>29</a:t>
             </a:fld>
             <a:endParaRPr lang="en-US"/>
           </a:p>
@@ -30032,284 +30434,6 @@
     <p:extLst>
       <p:ext uri="{BB962C8B-B14F-4D97-AF65-F5344CB8AC3E}">
         <p14:creationId xmlns:p14="http://schemas.microsoft.com/office/powerpoint/2010/main" val="1342260396"/>
-      </p:ext>
-    </p:extLst>
-  </p:cSld>
-  <p:clrMapOvr>
-    <a:masterClrMapping/>
-  </p:clrMapOvr>
-</p:sld>
-</file>
-
-<file path=ppt/slides/slide28.xml><?xml version="1.0" encoding="utf-8"?>
-<p:sld xmlns:a="http://schemas.openxmlformats.org/drawingml/2006/main" xmlns:r="http://schemas.openxmlformats.org/officeDocument/2006/relationships" xmlns:p="http://schemas.openxmlformats.org/presentationml/2006/main">
-  <p:cSld>
-    <p:spTree>
-      <p:nvGrpSpPr>
-        <p:cNvPr id="1" name=""/>
-        <p:cNvGrpSpPr/>
-        <p:nvPr/>
-      </p:nvGrpSpPr>
-      <p:grpSpPr>
-        <a:xfrm>
-          <a:off x="0" y="0"/>
-          <a:ext cx="0" cy="0"/>
-          <a:chOff x="0" y="0"/>
-          <a:chExt cx="0" cy="0"/>
-        </a:xfrm>
-      </p:grpSpPr>
-      <p:sp>
-        <p:nvSpPr>
-          <p:cNvPr id="4" name="Slide Number Placeholder 3">
-            <a:extLst>
-              <a:ext uri="{FF2B5EF4-FFF2-40B4-BE49-F238E27FC236}">
-                <a16:creationId xmlns:a16="http://schemas.microsoft.com/office/drawing/2014/main" id="{4CAD7F53-DF25-4F96-BB12-8AA0B130A3B9}"/>
-              </a:ext>
-            </a:extLst>
-          </p:cNvPr>
-          <p:cNvSpPr>
-            <a:spLocks noGrp="1"/>
-          </p:cNvSpPr>
-          <p:nvPr>
-            <p:ph type="sldNum" sz="quarter" idx="12"/>
-          </p:nvPr>
-        </p:nvSpPr>
-        <p:spPr/>
-        <p:txBody>
-          <a:bodyPr/>
-          <a:lstStyle/>
-          <a:p>
-            <a:fld id="{8516EA25-A31F-4B9E-A83D-BE5BCB6B4218}" type="slidenum">
-              <a:rPr lang="en-US" smtClean="0"/>
-              <a:t>28</a:t>
-            </a:fld>
-            <a:endParaRPr lang="en-US"/>
-          </a:p>
-        </p:txBody>
-      </p:sp>
-      <p:sp>
-        <p:nvSpPr>
-          <p:cNvPr id="7" name="Title 6">
-            <a:extLst>
-              <a:ext uri="{FF2B5EF4-FFF2-40B4-BE49-F238E27FC236}">
-                <a16:creationId xmlns:a16="http://schemas.microsoft.com/office/drawing/2014/main" id="{E4D0A03D-DB74-4738-8E6E-536EDCD3515F}"/>
-              </a:ext>
-            </a:extLst>
-          </p:cNvPr>
-          <p:cNvSpPr>
-            <a:spLocks noGrp="1"/>
-          </p:cNvSpPr>
-          <p:nvPr>
-            <p:ph type="title"/>
-          </p:nvPr>
-        </p:nvSpPr>
-        <p:spPr/>
-        <p:txBody>
-          <a:bodyPr/>
-          <a:lstStyle/>
-          <a:p>
-            <a:r>
-              <a:rPr lang="en-US" sz="8800" dirty="0"/>
-              <a:t>DEMO</a:t>
-            </a:r>
-          </a:p>
-        </p:txBody>
-      </p:sp>
-    </p:spTree>
-    <p:extLst>
-      <p:ext uri="{BB962C8B-B14F-4D97-AF65-F5344CB8AC3E}">
-        <p14:creationId xmlns:p14="http://schemas.microsoft.com/office/powerpoint/2010/main" val="4088872110"/>
-      </p:ext>
-    </p:extLst>
-  </p:cSld>
-  <p:clrMapOvr>
-    <a:masterClrMapping/>
-  </p:clrMapOvr>
-</p:sld>
-</file>
-
-<file path=ppt/slides/slide29.xml><?xml version="1.0" encoding="utf-8"?>
-<p:sld xmlns:a="http://schemas.openxmlformats.org/drawingml/2006/main" xmlns:r="http://schemas.openxmlformats.org/officeDocument/2006/relationships" xmlns:p="http://schemas.openxmlformats.org/presentationml/2006/main">
-  <p:cSld>
-    <p:spTree>
-      <p:nvGrpSpPr>
-        <p:cNvPr id="1" name=""/>
-        <p:cNvGrpSpPr/>
-        <p:nvPr/>
-      </p:nvGrpSpPr>
-      <p:grpSpPr>
-        <a:xfrm>
-          <a:off x="0" y="0"/>
-          <a:ext cx="0" cy="0"/>
-          <a:chOff x="0" y="0"/>
-          <a:chExt cx="0" cy="0"/>
-        </a:xfrm>
-      </p:grpSpPr>
-      <p:sp>
-        <p:nvSpPr>
-          <p:cNvPr id="5" name="Title 4">
-            <a:extLst>
-              <a:ext uri="{FF2B5EF4-FFF2-40B4-BE49-F238E27FC236}">
-                <a16:creationId xmlns:a16="http://schemas.microsoft.com/office/drawing/2014/main" id="{6B22506B-DEC4-4C37-8C90-F06F8885C94E}"/>
-              </a:ext>
-            </a:extLst>
-          </p:cNvPr>
-          <p:cNvSpPr>
-            <a:spLocks noGrp="1"/>
-          </p:cNvSpPr>
-          <p:nvPr>
-            <p:ph type="title"/>
-          </p:nvPr>
-        </p:nvSpPr>
-        <p:spPr/>
-        <p:txBody>
-          <a:bodyPr/>
-          <a:lstStyle/>
-          <a:p>
-            <a:r>
-              <a:rPr lang="en-US" dirty="0"/>
-              <a:t>Sandbox</a:t>
-            </a:r>
-          </a:p>
-        </p:txBody>
-      </p:sp>
-      <p:sp>
-        <p:nvSpPr>
-          <p:cNvPr id="6" name="Content Placeholder 5">
-            <a:extLst>
-              <a:ext uri="{FF2B5EF4-FFF2-40B4-BE49-F238E27FC236}">
-                <a16:creationId xmlns:a16="http://schemas.microsoft.com/office/drawing/2014/main" id="{CCCF3CD5-A62C-44E4-926D-181EB8BBDAF3}"/>
-              </a:ext>
-            </a:extLst>
-          </p:cNvPr>
-          <p:cNvSpPr>
-            <a:spLocks noGrp="1"/>
-          </p:cNvSpPr>
-          <p:nvPr>
-            <p:ph sz="half" idx="1"/>
-          </p:nvPr>
-        </p:nvSpPr>
-        <p:spPr/>
-        <p:txBody>
-          <a:bodyPr>
-            <a:normAutofit/>
-          </a:bodyPr>
-          <a:lstStyle/>
-          <a:p>
-            <a:r>
-              <a:rPr lang="en-US" dirty="0"/>
-              <a:t>Browse the Link: </a:t>
-            </a:r>
-            <a:r>
-              <a:rPr lang="en-US" dirty="0">
-                <a:hlinkClick r:id="rId2"/>
-              </a:rPr>
-              <a:t>https://neo4j.com/sandbox-v2/</a:t>
-            </a:r>
-            <a:endParaRPr lang="en-US" dirty="0"/>
-          </a:p>
-          <a:p>
-            <a:r>
-              <a:rPr lang="en-US" dirty="0"/>
-              <a:t>Press Start Now</a:t>
-            </a:r>
-          </a:p>
-          <a:p>
-            <a:r>
-              <a:rPr lang="en-US" dirty="0"/>
-              <a:t>This will prompt for login page</a:t>
-            </a:r>
-          </a:p>
-          <a:p>
-            <a:r>
-              <a:rPr lang="en-US" dirty="0"/>
-              <a:t>You can signup for the new account or,</a:t>
-            </a:r>
-          </a:p>
-          <a:p>
-            <a:r>
-              <a:rPr lang="en-US" dirty="0"/>
-              <a:t>Login with the GitHub, Twitter , Gmail or </a:t>
-            </a:r>
-            <a:r>
-              <a:rPr lang="en-US" dirty="0" err="1"/>
-              <a:t>Linkedin</a:t>
-            </a:r>
-            <a:endParaRPr lang="en-US" dirty="0"/>
-          </a:p>
-          <a:p>
-            <a:endParaRPr lang="en-US" dirty="0"/>
-          </a:p>
-        </p:txBody>
-      </p:sp>
-      <p:pic>
-        <p:nvPicPr>
-          <p:cNvPr id="11" name="Content Placeholder 10">
-            <a:extLst>
-              <a:ext uri="{FF2B5EF4-FFF2-40B4-BE49-F238E27FC236}">
-                <a16:creationId xmlns:a16="http://schemas.microsoft.com/office/drawing/2014/main" id="{1F0FAB25-63E3-4BAC-8845-8C15BE2D6735}"/>
-              </a:ext>
-            </a:extLst>
-          </p:cNvPr>
-          <p:cNvPicPr>
-            <a:picLocks noGrp="1" noChangeAspect="1"/>
-          </p:cNvPicPr>
-          <p:nvPr>
-            <p:ph sz="half" idx="2"/>
-          </p:nvPr>
-        </p:nvPicPr>
-        <p:blipFill>
-          <a:blip r:embed="rId3">
-            <a:extLst>
-              <a:ext uri="{28A0092B-C50C-407E-A947-70E740481C1C}">
-                <a14:useLocalDpi xmlns:a14="http://schemas.microsoft.com/office/drawing/2010/main" val="0"/>
-              </a:ext>
-            </a:extLst>
-          </a:blip>
-          <a:stretch>
-            <a:fillRect/>
-          </a:stretch>
-        </p:blipFill>
-        <p:spPr>
-          <a:xfrm>
-            <a:off x="6267450" y="2799258"/>
-            <a:ext cx="4754563" cy="2539009"/>
-          </a:xfrm>
-        </p:spPr>
-      </p:pic>
-      <p:sp>
-        <p:nvSpPr>
-          <p:cNvPr id="4" name="Slide Number Placeholder 3">
-            <a:extLst>
-              <a:ext uri="{FF2B5EF4-FFF2-40B4-BE49-F238E27FC236}">
-                <a16:creationId xmlns:a16="http://schemas.microsoft.com/office/drawing/2014/main" id="{9BE27969-7460-44D1-8277-F271A10F26A3}"/>
-              </a:ext>
-            </a:extLst>
-          </p:cNvPr>
-          <p:cNvSpPr>
-            <a:spLocks noGrp="1"/>
-          </p:cNvSpPr>
-          <p:nvPr>
-            <p:ph type="sldNum" sz="quarter" idx="12"/>
-          </p:nvPr>
-        </p:nvSpPr>
-        <p:spPr/>
-        <p:txBody>
-          <a:bodyPr/>
-          <a:lstStyle/>
-          <a:p>
-            <a:fld id="{8516EA25-A31F-4B9E-A83D-BE5BCB6B4218}" type="slidenum">
-              <a:rPr lang="en-US" smtClean="0"/>
-              <a:t>29</a:t>
-            </a:fld>
-            <a:endParaRPr lang="en-US"/>
-          </a:p>
-        </p:txBody>
-      </p:sp>
-    </p:spTree>
-    <p:extLst>
-      <p:ext uri="{BB962C8B-B14F-4D97-AF65-F5344CB8AC3E}">
-        <p14:creationId xmlns:p14="http://schemas.microsoft.com/office/powerpoint/2010/main" val="3701465431"/>
       </p:ext>
     </p:extLst>
   </p:cSld>
@@ -30527,6 +30651,284 @@
       </p:grpSpPr>
       <p:sp>
         <p:nvSpPr>
+          <p:cNvPr id="4" name="Slide Number Placeholder 3">
+            <a:extLst>
+              <a:ext uri="{FF2B5EF4-FFF2-40B4-BE49-F238E27FC236}">
+                <a16:creationId xmlns:a16="http://schemas.microsoft.com/office/drawing/2014/main" id="{4CAD7F53-DF25-4F96-BB12-8AA0B130A3B9}"/>
+              </a:ext>
+            </a:extLst>
+          </p:cNvPr>
+          <p:cNvSpPr>
+            <a:spLocks noGrp="1"/>
+          </p:cNvSpPr>
+          <p:nvPr>
+            <p:ph type="sldNum" sz="quarter" idx="12"/>
+          </p:nvPr>
+        </p:nvSpPr>
+        <p:spPr/>
+        <p:txBody>
+          <a:bodyPr/>
+          <a:lstStyle/>
+          <a:p>
+            <a:fld id="{8516EA25-A31F-4B9E-A83D-BE5BCB6B4218}" type="slidenum">
+              <a:rPr lang="en-US" smtClean="0"/>
+              <a:t>30</a:t>
+            </a:fld>
+            <a:endParaRPr lang="en-US"/>
+          </a:p>
+        </p:txBody>
+      </p:sp>
+      <p:sp>
+        <p:nvSpPr>
+          <p:cNvPr id="7" name="Title 6">
+            <a:extLst>
+              <a:ext uri="{FF2B5EF4-FFF2-40B4-BE49-F238E27FC236}">
+                <a16:creationId xmlns:a16="http://schemas.microsoft.com/office/drawing/2014/main" id="{E4D0A03D-DB74-4738-8E6E-536EDCD3515F}"/>
+              </a:ext>
+            </a:extLst>
+          </p:cNvPr>
+          <p:cNvSpPr>
+            <a:spLocks noGrp="1"/>
+          </p:cNvSpPr>
+          <p:nvPr>
+            <p:ph type="title"/>
+          </p:nvPr>
+        </p:nvSpPr>
+        <p:spPr/>
+        <p:txBody>
+          <a:bodyPr/>
+          <a:lstStyle/>
+          <a:p>
+            <a:r>
+              <a:rPr lang="en-US" sz="8800" dirty="0"/>
+              <a:t>DEMO</a:t>
+            </a:r>
+          </a:p>
+        </p:txBody>
+      </p:sp>
+    </p:spTree>
+    <p:extLst>
+      <p:ext uri="{BB962C8B-B14F-4D97-AF65-F5344CB8AC3E}">
+        <p14:creationId xmlns:p14="http://schemas.microsoft.com/office/powerpoint/2010/main" val="4088872110"/>
+      </p:ext>
+    </p:extLst>
+  </p:cSld>
+  <p:clrMapOvr>
+    <a:masterClrMapping/>
+  </p:clrMapOvr>
+</p:sld>
+</file>
+
+<file path=ppt/slides/slide31.xml><?xml version="1.0" encoding="utf-8"?>
+<p:sld xmlns:a="http://schemas.openxmlformats.org/drawingml/2006/main" xmlns:r="http://schemas.openxmlformats.org/officeDocument/2006/relationships" xmlns:p="http://schemas.openxmlformats.org/presentationml/2006/main">
+  <p:cSld>
+    <p:spTree>
+      <p:nvGrpSpPr>
+        <p:cNvPr id="1" name=""/>
+        <p:cNvGrpSpPr/>
+        <p:nvPr/>
+      </p:nvGrpSpPr>
+      <p:grpSpPr>
+        <a:xfrm>
+          <a:off x="0" y="0"/>
+          <a:ext cx="0" cy="0"/>
+          <a:chOff x="0" y="0"/>
+          <a:chExt cx="0" cy="0"/>
+        </a:xfrm>
+      </p:grpSpPr>
+      <p:sp>
+        <p:nvSpPr>
+          <p:cNvPr id="5" name="Title 4">
+            <a:extLst>
+              <a:ext uri="{FF2B5EF4-FFF2-40B4-BE49-F238E27FC236}">
+                <a16:creationId xmlns:a16="http://schemas.microsoft.com/office/drawing/2014/main" id="{6B22506B-DEC4-4C37-8C90-F06F8885C94E}"/>
+              </a:ext>
+            </a:extLst>
+          </p:cNvPr>
+          <p:cNvSpPr>
+            <a:spLocks noGrp="1"/>
+          </p:cNvSpPr>
+          <p:nvPr>
+            <p:ph type="title"/>
+          </p:nvPr>
+        </p:nvSpPr>
+        <p:spPr/>
+        <p:txBody>
+          <a:bodyPr/>
+          <a:lstStyle/>
+          <a:p>
+            <a:r>
+              <a:rPr lang="en-US" dirty="0"/>
+              <a:t>Sandbox</a:t>
+            </a:r>
+          </a:p>
+        </p:txBody>
+      </p:sp>
+      <p:sp>
+        <p:nvSpPr>
+          <p:cNvPr id="6" name="Content Placeholder 5">
+            <a:extLst>
+              <a:ext uri="{FF2B5EF4-FFF2-40B4-BE49-F238E27FC236}">
+                <a16:creationId xmlns:a16="http://schemas.microsoft.com/office/drawing/2014/main" id="{CCCF3CD5-A62C-44E4-926D-181EB8BBDAF3}"/>
+              </a:ext>
+            </a:extLst>
+          </p:cNvPr>
+          <p:cNvSpPr>
+            <a:spLocks noGrp="1"/>
+          </p:cNvSpPr>
+          <p:nvPr>
+            <p:ph sz="half" idx="1"/>
+          </p:nvPr>
+        </p:nvSpPr>
+        <p:spPr/>
+        <p:txBody>
+          <a:bodyPr>
+            <a:normAutofit/>
+          </a:bodyPr>
+          <a:lstStyle/>
+          <a:p>
+            <a:r>
+              <a:rPr lang="en-US" dirty="0"/>
+              <a:t>Browse the Link: </a:t>
+            </a:r>
+            <a:r>
+              <a:rPr lang="en-US" dirty="0">
+                <a:hlinkClick r:id="rId2"/>
+              </a:rPr>
+              <a:t>https://neo4j.com/sandbox-v2/</a:t>
+            </a:r>
+            <a:endParaRPr lang="en-US" dirty="0"/>
+          </a:p>
+          <a:p>
+            <a:r>
+              <a:rPr lang="en-US" dirty="0"/>
+              <a:t>Press Start Now</a:t>
+            </a:r>
+          </a:p>
+          <a:p>
+            <a:r>
+              <a:rPr lang="en-US" dirty="0"/>
+              <a:t>This will prompt for login page</a:t>
+            </a:r>
+          </a:p>
+          <a:p>
+            <a:r>
+              <a:rPr lang="en-US" dirty="0"/>
+              <a:t>You can signup for the new account or,</a:t>
+            </a:r>
+          </a:p>
+          <a:p>
+            <a:r>
+              <a:rPr lang="en-US" dirty="0"/>
+              <a:t>Login with the GitHub, Twitter , Gmail or </a:t>
+            </a:r>
+            <a:r>
+              <a:rPr lang="en-US" dirty="0" err="1"/>
+              <a:t>Linkedin</a:t>
+            </a:r>
+            <a:endParaRPr lang="en-US" dirty="0"/>
+          </a:p>
+          <a:p>
+            <a:endParaRPr lang="en-US" dirty="0"/>
+          </a:p>
+        </p:txBody>
+      </p:sp>
+      <p:pic>
+        <p:nvPicPr>
+          <p:cNvPr id="11" name="Content Placeholder 10">
+            <a:extLst>
+              <a:ext uri="{FF2B5EF4-FFF2-40B4-BE49-F238E27FC236}">
+                <a16:creationId xmlns:a16="http://schemas.microsoft.com/office/drawing/2014/main" id="{1F0FAB25-63E3-4BAC-8845-8C15BE2D6735}"/>
+              </a:ext>
+            </a:extLst>
+          </p:cNvPr>
+          <p:cNvPicPr>
+            <a:picLocks noGrp="1" noChangeAspect="1"/>
+          </p:cNvPicPr>
+          <p:nvPr>
+            <p:ph sz="half" idx="2"/>
+          </p:nvPr>
+        </p:nvPicPr>
+        <p:blipFill>
+          <a:blip r:embed="rId3">
+            <a:extLst>
+              <a:ext uri="{28A0092B-C50C-407E-A947-70E740481C1C}">
+                <a14:useLocalDpi xmlns:a14="http://schemas.microsoft.com/office/drawing/2010/main" val="0"/>
+              </a:ext>
+            </a:extLst>
+          </a:blip>
+          <a:stretch>
+            <a:fillRect/>
+          </a:stretch>
+        </p:blipFill>
+        <p:spPr>
+          <a:xfrm>
+            <a:off x="6267450" y="2799258"/>
+            <a:ext cx="4754563" cy="2539009"/>
+          </a:xfrm>
+        </p:spPr>
+      </p:pic>
+      <p:sp>
+        <p:nvSpPr>
+          <p:cNvPr id="4" name="Slide Number Placeholder 3">
+            <a:extLst>
+              <a:ext uri="{FF2B5EF4-FFF2-40B4-BE49-F238E27FC236}">
+                <a16:creationId xmlns:a16="http://schemas.microsoft.com/office/drawing/2014/main" id="{9BE27969-7460-44D1-8277-F271A10F26A3}"/>
+              </a:ext>
+            </a:extLst>
+          </p:cNvPr>
+          <p:cNvSpPr>
+            <a:spLocks noGrp="1"/>
+          </p:cNvSpPr>
+          <p:nvPr>
+            <p:ph type="sldNum" sz="quarter" idx="12"/>
+          </p:nvPr>
+        </p:nvSpPr>
+        <p:spPr/>
+        <p:txBody>
+          <a:bodyPr/>
+          <a:lstStyle/>
+          <a:p>
+            <a:fld id="{8516EA25-A31F-4B9E-A83D-BE5BCB6B4218}" type="slidenum">
+              <a:rPr lang="en-US" smtClean="0"/>
+              <a:t>31</a:t>
+            </a:fld>
+            <a:endParaRPr lang="en-US"/>
+          </a:p>
+        </p:txBody>
+      </p:sp>
+    </p:spTree>
+    <p:extLst>
+      <p:ext uri="{BB962C8B-B14F-4D97-AF65-F5344CB8AC3E}">
+        <p14:creationId xmlns:p14="http://schemas.microsoft.com/office/powerpoint/2010/main" val="3701465431"/>
+      </p:ext>
+    </p:extLst>
+  </p:cSld>
+  <p:clrMapOvr>
+    <a:masterClrMapping/>
+  </p:clrMapOvr>
+</p:sld>
+</file>
+
+<file path=ppt/slides/slide32.xml><?xml version="1.0" encoding="utf-8"?>
+<p:sld xmlns:a="http://schemas.openxmlformats.org/drawingml/2006/main" xmlns:r="http://schemas.openxmlformats.org/officeDocument/2006/relationships" xmlns:p="http://schemas.openxmlformats.org/presentationml/2006/main">
+  <p:cSld>
+    <p:spTree>
+      <p:nvGrpSpPr>
+        <p:cNvPr id="1" name=""/>
+        <p:cNvGrpSpPr/>
+        <p:nvPr/>
+      </p:nvGrpSpPr>
+      <p:grpSpPr>
+        <a:xfrm>
+          <a:off x="0" y="0"/>
+          <a:ext cx="0" cy="0"/>
+          <a:chOff x="0" y="0"/>
+          <a:chExt cx="0" cy="0"/>
+        </a:xfrm>
+      </p:grpSpPr>
+      <p:sp>
+        <p:nvSpPr>
           <p:cNvPr id="2" name="Title 1">
             <a:extLst>
               <a:ext uri="{FF2B5EF4-FFF2-40B4-BE49-F238E27FC236}">
@@ -30611,7 +31013,7 @@
           <a:p>
             <a:fld id="{8516EA25-A31F-4B9E-A83D-BE5BCB6B4218}" type="slidenum">
               <a:rPr lang="en-US" smtClean="0"/>
-              <a:t>30</a:t>
+              <a:t>32</a:t>
             </a:fld>
             <a:endParaRPr lang="en-US"/>
           </a:p>
@@ -30743,7 +31145,7 @@
 </p:sld>
 </file>
 
-<file path=ppt/slides/slide31.xml><?xml version="1.0" encoding="utf-8"?>
+<file path=ppt/slides/slide33.xml><?xml version="1.0" encoding="utf-8"?>
 <p:sld xmlns:a="http://schemas.openxmlformats.org/drawingml/2006/main" xmlns:r="http://schemas.openxmlformats.org/officeDocument/2006/relationships" xmlns:p="http://schemas.openxmlformats.org/presentationml/2006/main">
   <p:cSld>
     <p:spTree>
@@ -30825,7 +31227,7 @@
             </a:r>
             <a:r>
               <a:rPr lang="en-US" dirty="0"/>
-              <a:t> who is a friend of multiple persons that likes the restaurant at different location and serves multiple cuisine.</a:t>
+              <a:t> who is a friend of multiple persons who likes the restaurant at different location that serves multiple cuisine.</a:t>
             </a:r>
           </a:p>
         </p:txBody>
@@ -30853,7 +31255,7 @@
           <a:p>
             <a:fld id="{8516EA25-A31F-4B9E-A83D-BE5BCB6B4218}" type="slidenum">
               <a:rPr lang="en-US" smtClean="0"/>
-              <a:t>31</a:t>
+              <a:t>33</a:t>
             </a:fld>
             <a:endParaRPr lang="en-US"/>
           </a:p>
@@ -30863,264 +31265,6 @@
     <p:extLst>
       <p:ext uri="{BB962C8B-B14F-4D97-AF65-F5344CB8AC3E}">
         <p14:creationId xmlns:p14="http://schemas.microsoft.com/office/powerpoint/2010/main" val="497892221"/>
-      </p:ext>
-    </p:extLst>
-  </p:cSld>
-  <p:clrMapOvr>
-    <a:masterClrMapping/>
-  </p:clrMapOvr>
-</p:sld>
-</file>
-
-<file path=ppt/slides/slide32.xml><?xml version="1.0" encoding="utf-8"?>
-<p:sld xmlns:a="http://schemas.openxmlformats.org/drawingml/2006/main" xmlns:r="http://schemas.openxmlformats.org/officeDocument/2006/relationships" xmlns:p="http://schemas.openxmlformats.org/presentationml/2006/main">
-  <p:cSld>
-    <p:spTree>
-      <p:nvGrpSpPr>
-        <p:cNvPr id="1" name=""/>
-        <p:cNvGrpSpPr/>
-        <p:nvPr/>
-      </p:nvGrpSpPr>
-      <p:grpSpPr>
-        <a:xfrm>
-          <a:off x="0" y="0"/>
-          <a:ext cx="0" cy="0"/>
-          <a:chOff x="0" y="0"/>
-          <a:chExt cx="0" cy="0"/>
-        </a:xfrm>
-      </p:grpSpPr>
-      <p:sp>
-        <p:nvSpPr>
-          <p:cNvPr id="2" name="Title 1">
-            <a:extLst>
-              <a:ext uri="{FF2B5EF4-FFF2-40B4-BE49-F238E27FC236}">
-                <a16:creationId xmlns:a16="http://schemas.microsoft.com/office/drawing/2014/main" id="{05F169E0-0B39-412E-B47C-8F273E1657FD}"/>
-              </a:ext>
-            </a:extLst>
-          </p:cNvPr>
-          <p:cNvSpPr>
-            <a:spLocks noGrp="1"/>
-          </p:cNvSpPr>
-          <p:nvPr>
-            <p:ph type="title"/>
-          </p:nvPr>
-        </p:nvSpPr>
-        <p:spPr/>
-        <p:txBody>
-          <a:bodyPr/>
-          <a:lstStyle/>
-          <a:p>
-            <a:r>
-              <a:rPr lang="en-US" dirty="0"/>
-              <a:t>Components of a Cypher Query</a:t>
-            </a:r>
-          </a:p>
-        </p:txBody>
-      </p:sp>
-      <p:sp>
-        <p:nvSpPr>
-          <p:cNvPr id="3" name="Content Placeholder 2">
-            <a:extLst>
-              <a:ext uri="{FF2B5EF4-FFF2-40B4-BE49-F238E27FC236}">
-                <a16:creationId xmlns:a16="http://schemas.microsoft.com/office/drawing/2014/main" id="{5ADC8B87-D5F0-4D3F-A730-BFF101354EAF}"/>
-              </a:ext>
-            </a:extLst>
-          </p:cNvPr>
-          <p:cNvSpPr>
-            <a:spLocks noGrp="1"/>
-          </p:cNvSpPr>
-          <p:nvPr>
-            <p:ph idx="1"/>
-          </p:nvPr>
-        </p:nvSpPr>
-        <p:spPr/>
-        <p:txBody>
-          <a:bodyPr>
-            <a:normAutofit/>
-          </a:bodyPr>
-          <a:lstStyle/>
-          <a:p>
-            <a:pPr marL="45720" indent="0">
-              <a:buNone/>
-            </a:pPr>
-            <a:r>
-              <a:rPr lang="en-US" sz="4000" b="1" dirty="0">
-                <a:solidFill>
-                  <a:srgbClr val="7030A0"/>
-                </a:solidFill>
-              </a:rPr>
-              <a:t>CREATE</a:t>
-            </a:r>
-            <a:endParaRPr lang="en-US" sz="4000" dirty="0">
-              <a:solidFill>
-                <a:schemeClr val="tx1"/>
-              </a:solidFill>
-            </a:endParaRPr>
-          </a:p>
-        </p:txBody>
-      </p:sp>
-      <p:sp>
-        <p:nvSpPr>
-          <p:cNvPr id="4" name="Slide Number Placeholder 3">
-            <a:extLst>
-              <a:ext uri="{FF2B5EF4-FFF2-40B4-BE49-F238E27FC236}">
-                <a16:creationId xmlns:a16="http://schemas.microsoft.com/office/drawing/2014/main" id="{C7851CA0-EBE1-48FD-AC95-0F21578C72B8}"/>
-              </a:ext>
-            </a:extLst>
-          </p:cNvPr>
-          <p:cNvSpPr>
-            <a:spLocks noGrp="1"/>
-          </p:cNvSpPr>
-          <p:nvPr>
-            <p:ph type="sldNum" sz="quarter" idx="12"/>
-          </p:nvPr>
-        </p:nvSpPr>
-        <p:spPr/>
-        <p:txBody>
-          <a:bodyPr/>
-          <a:lstStyle/>
-          <a:p>
-            <a:fld id="{8516EA25-A31F-4B9E-A83D-BE5BCB6B4218}" type="slidenum">
-              <a:rPr lang="en-US" smtClean="0"/>
-              <a:t>32</a:t>
-            </a:fld>
-            <a:endParaRPr lang="en-US"/>
-          </a:p>
-        </p:txBody>
-      </p:sp>
-    </p:spTree>
-    <p:extLst>
-      <p:ext uri="{BB962C8B-B14F-4D97-AF65-F5344CB8AC3E}">
-        <p14:creationId xmlns:p14="http://schemas.microsoft.com/office/powerpoint/2010/main" val="1537167175"/>
-      </p:ext>
-    </p:extLst>
-  </p:cSld>
-  <p:clrMapOvr>
-    <a:masterClrMapping/>
-  </p:clrMapOvr>
-</p:sld>
-</file>
-
-<file path=ppt/slides/slide33.xml><?xml version="1.0" encoding="utf-8"?>
-<p:sld xmlns:a="http://schemas.openxmlformats.org/drawingml/2006/main" xmlns:r="http://schemas.openxmlformats.org/officeDocument/2006/relationships" xmlns:p="http://schemas.openxmlformats.org/presentationml/2006/main">
-  <p:cSld>
-    <p:spTree>
-      <p:nvGrpSpPr>
-        <p:cNvPr id="1" name=""/>
-        <p:cNvGrpSpPr/>
-        <p:nvPr/>
-      </p:nvGrpSpPr>
-      <p:grpSpPr>
-        <a:xfrm>
-          <a:off x="0" y="0"/>
-          <a:ext cx="0" cy="0"/>
-          <a:chOff x="0" y="0"/>
-          <a:chExt cx="0" cy="0"/>
-        </a:xfrm>
-      </p:grpSpPr>
-      <p:sp>
-        <p:nvSpPr>
-          <p:cNvPr id="2" name="Title 1">
-            <a:extLst>
-              <a:ext uri="{FF2B5EF4-FFF2-40B4-BE49-F238E27FC236}">
-                <a16:creationId xmlns:a16="http://schemas.microsoft.com/office/drawing/2014/main" id="{05F169E0-0B39-412E-B47C-8F273E1657FD}"/>
-              </a:ext>
-            </a:extLst>
-          </p:cNvPr>
-          <p:cNvSpPr>
-            <a:spLocks noGrp="1"/>
-          </p:cNvSpPr>
-          <p:nvPr>
-            <p:ph type="title"/>
-          </p:nvPr>
-        </p:nvSpPr>
-        <p:spPr/>
-        <p:txBody>
-          <a:bodyPr/>
-          <a:lstStyle/>
-          <a:p>
-            <a:r>
-              <a:rPr lang="en-US" dirty="0"/>
-              <a:t>Components of a Cypher Query</a:t>
-            </a:r>
-          </a:p>
-        </p:txBody>
-      </p:sp>
-      <p:sp>
-        <p:nvSpPr>
-          <p:cNvPr id="3" name="Content Placeholder 2">
-            <a:extLst>
-              <a:ext uri="{FF2B5EF4-FFF2-40B4-BE49-F238E27FC236}">
-                <a16:creationId xmlns:a16="http://schemas.microsoft.com/office/drawing/2014/main" id="{5ADC8B87-D5F0-4D3F-A730-BFF101354EAF}"/>
-              </a:ext>
-            </a:extLst>
-          </p:cNvPr>
-          <p:cNvSpPr>
-            <a:spLocks noGrp="1"/>
-          </p:cNvSpPr>
-          <p:nvPr>
-            <p:ph idx="1"/>
-          </p:nvPr>
-        </p:nvSpPr>
-        <p:spPr/>
-        <p:txBody>
-          <a:bodyPr>
-            <a:normAutofit/>
-          </a:bodyPr>
-          <a:lstStyle/>
-          <a:p>
-            <a:pPr marL="45720" indent="0">
-              <a:buNone/>
-            </a:pPr>
-            <a:r>
-              <a:rPr lang="en-US" sz="4000" b="1" dirty="0">
-                <a:solidFill>
-                  <a:srgbClr val="7030A0"/>
-                </a:solidFill>
-              </a:rPr>
-              <a:t>CREATE ()</a:t>
-            </a:r>
-            <a:endParaRPr lang="en-US" sz="4000" dirty="0">
-              <a:solidFill>
-                <a:schemeClr val="tx1"/>
-              </a:solidFill>
-            </a:endParaRPr>
-          </a:p>
-        </p:txBody>
-      </p:sp>
-      <p:sp>
-        <p:nvSpPr>
-          <p:cNvPr id="4" name="Slide Number Placeholder 3">
-            <a:extLst>
-              <a:ext uri="{FF2B5EF4-FFF2-40B4-BE49-F238E27FC236}">
-                <a16:creationId xmlns:a16="http://schemas.microsoft.com/office/drawing/2014/main" id="{C7851CA0-EBE1-48FD-AC95-0F21578C72B8}"/>
-              </a:ext>
-            </a:extLst>
-          </p:cNvPr>
-          <p:cNvSpPr>
-            <a:spLocks noGrp="1"/>
-          </p:cNvSpPr>
-          <p:nvPr>
-            <p:ph type="sldNum" sz="quarter" idx="12"/>
-          </p:nvPr>
-        </p:nvSpPr>
-        <p:spPr/>
-        <p:txBody>
-          <a:bodyPr/>
-          <a:lstStyle/>
-          <a:p>
-            <a:fld id="{8516EA25-A31F-4B9E-A83D-BE5BCB6B4218}" type="slidenum">
-              <a:rPr lang="en-US" smtClean="0"/>
-              <a:t>33</a:t>
-            </a:fld>
-            <a:endParaRPr lang="en-US"/>
-          </a:p>
-        </p:txBody>
-      </p:sp>
-    </p:spTree>
-    <p:extLst>
-      <p:ext uri="{BB962C8B-B14F-4D97-AF65-F5344CB8AC3E}">
-        <p14:creationId xmlns:p14="http://schemas.microsoft.com/office/powerpoint/2010/main" val="4173738689"/>
       </p:ext>
     </p:extLst>
   </p:cSld>
@@ -31170,7 +31314,15 @@
           <a:p>
             <a:r>
               <a:rPr lang="en-US" dirty="0"/>
-              <a:t>Components of a Cypher Query</a:t>
+              <a:t>NODE: </a:t>
+            </a:r>
+            <a:r>
+              <a:rPr lang="en-US" dirty="0">
+                <a:solidFill>
+                  <a:srgbClr val="FF0000"/>
+                </a:solidFill>
+              </a:rPr>
+              <a:t>PERSON</a:t>
             </a:r>
           </a:p>
         </p:txBody>
@@ -31188,7 +31340,7 @@
             <a:spLocks noGrp="1"/>
           </p:cNvSpPr>
           <p:nvPr>
-            <p:ph sz="half" idx="1"/>
+            <p:ph idx="1"/>
           </p:nvPr>
         </p:nvSpPr>
         <p:spPr/>
@@ -31207,57 +31359,13 @@
                   <a:srgbClr val="7030A0"/>
                 </a:solidFill>
               </a:rPr>
-              <a:t>CREATE (:Person { })</a:t>
-            </a:r>
-          </a:p>
-        </p:txBody>
-      </p:sp>
-      <p:sp>
-        <p:nvSpPr>
-          <p:cNvPr id="5" name="Content Placeholder 4">
-            <a:extLst>
-              <a:ext uri="{FF2B5EF4-FFF2-40B4-BE49-F238E27FC236}">
-                <a16:creationId xmlns:a16="http://schemas.microsoft.com/office/drawing/2014/main" id="{72F843FB-5301-4506-9EB3-6B638E2DC910}"/>
-              </a:ext>
-            </a:extLst>
-          </p:cNvPr>
-          <p:cNvSpPr>
-            <a:spLocks noGrp="1"/>
-          </p:cNvSpPr>
-          <p:nvPr>
-            <p:ph sz="half" idx="2"/>
-          </p:nvPr>
-        </p:nvSpPr>
-        <p:spPr/>
-        <p:txBody>
-          <a:bodyPr/>
-          <a:lstStyle/>
-          <a:p>
-            <a:r>
-              <a:rPr lang="en-US" sz="2400" b="1" dirty="0">
-                <a:solidFill>
-                  <a:srgbClr val="7030A0"/>
-                </a:solidFill>
-              </a:rPr>
-              <a:t>Now add a node, </a:t>
-            </a:r>
-            <a:r>
-              <a:rPr lang="en-US" sz="2400" b="1" dirty="0">
-                <a:solidFill>
-                  <a:schemeClr val="accent4"/>
-                </a:solidFill>
-              </a:rPr>
-              <a:t>Person</a:t>
-            </a:r>
-            <a:r>
-              <a:rPr lang="en-US" sz="2400" b="1" dirty="0">
-                <a:solidFill>
-                  <a:srgbClr val="7030A0"/>
-                </a:solidFill>
-              </a:rPr>
-              <a:t> is node here</a:t>
-            </a:r>
-            <a:endParaRPr lang="en-US" dirty="0"/>
+              <a:t>CREATE</a:t>
+            </a:r>
+            <a:endParaRPr lang="en-US" sz="4000" dirty="0">
+              <a:solidFill>
+                <a:schemeClr val="tx1"/>
+              </a:solidFill>
+            </a:endParaRPr>
           </a:p>
         </p:txBody>
       </p:sp>
@@ -31293,7 +31401,7 @@
     </p:spTree>
     <p:extLst>
       <p:ext uri="{BB962C8B-B14F-4D97-AF65-F5344CB8AC3E}">
-        <p14:creationId xmlns:p14="http://schemas.microsoft.com/office/powerpoint/2010/main" val="3302028055"/>
+        <p14:creationId xmlns:p14="http://schemas.microsoft.com/office/powerpoint/2010/main" val="1537167175"/>
       </p:ext>
     </p:extLst>
   </p:cSld>
@@ -31343,8 +31451,17 @@
           <a:p>
             <a:r>
               <a:rPr lang="en-US" dirty="0"/>
-              <a:t>Components of a Cypher Query</a:t>
-            </a:r>
+              <a:t>NODE: </a:t>
+            </a:r>
+            <a:r>
+              <a:rPr lang="en-US" dirty="0">
+                <a:solidFill>
+                  <a:srgbClr val="FF0000"/>
+                </a:solidFill>
+              </a:rPr>
+              <a:t>PERSON</a:t>
+            </a:r>
+            <a:endParaRPr lang="en-US" dirty="0"/>
           </a:p>
         </p:txBody>
       </p:sp>
@@ -31361,13 +31478,13 @@
             <a:spLocks noGrp="1"/>
           </p:cNvSpPr>
           <p:nvPr>
-            <p:ph sz="half" idx="1"/>
+            <p:ph idx="1"/>
           </p:nvPr>
         </p:nvSpPr>
         <p:spPr/>
         <p:txBody>
           <a:bodyPr>
-            <a:normAutofit lnSpcReduction="10000"/>
+            <a:normAutofit/>
           </a:bodyPr>
           <a:lstStyle/>
           <a:p>
@@ -31380,150 +31497,13 @@
                   <a:srgbClr val="7030A0"/>
                 </a:solidFill>
               </a:rPr>
-              <a:t>CREATE (:Person {</a:t>
-            </a:r>
-          </a:p>
-          <a:p>
-            <a:pPr marL="274320" lvl="1" indent="0">
-              <a:buNone/>
-            </a:pPr>
-            <a:r>
-              <a:rPr lang="en-US" sz="3800" dirty="0"/>
-              <a:t>id: 'c7f96281’, </a:t>
-            </a:r>
-          </a:p>
-          <a:p>
-            <a:pPr marL="274320" lvl="1" indent="0">
-              <a:buNone/>
-            </a:pPr>
-            <a:r>
-              <a:rPr lang="en-US" sz="3800" dirty="0" err="1"/>
-              <a:t>name:'Jimmy</a:t>
-            </a:r>
-            <a:r>
-              <a:rPr lang="en-US" sz="3800" dirty="0"/>
-              <a:t> Bayer’, email:'dudley22@joysclick.ru’, </a:t>
-            </a:r>
-          </a:p>
-          <a:p>
-            <a:pPr marL="274320" lvl="1" indent="0">
-              <a:buNone/>
-            </a:pPr>
-            <a:r>
-              <a:rPr lang="en-US" sz="3800" dirty="0"/>
-              <a:t>dob:'1995-12-16 ‘</a:t>
-            </a:r>
-            <a:r>
-              <a:rPr lang="en-US" sz="3800" b="1" dirty="0">
-                <a:solidFill>
-                  <a:srgbClr val="7030A0"/>
-                </a:solidFill>
-              </a:rPr>
-              <a:t> </a:t>
-            </a:r>
-          </a:p>
-          <a:p>
-            <a:pPr marL="45720" indent="0">
-              <a:buNone/>
-            </a:pPr>
-            <a:r>
-              <a:rPr lang="en-US" sz="4000" b="1" dirty="0">
-                <a:solidFill>
-                  <a:srgbClr val="7030A0"/>
-                </a:solidFill>
-              </a:rPr>
-              <a:t>})</a:t>
-            </a:r>
-          </a:p>
-        </p:txBody>
-      </p:sp>
-      <p:sp>
-        <p:nvSpPr>
-          <p:cNvPr id="5" name="Content Placeholder 4">
-            <a:extLst>
-              <a:ext uri="{FF2B5EF4-FFF2-40B4-BE49-F238E27FC236}">
-                <a16:creationId xmlns:a16="http://schemas.microsoft.com/office/drawing/2014/main" id="{80F1D3AA-0842-43D8-B396-0CE17B66FB6B}"/>
-              </a:ext>
-            </a:extLst>
-          </p:cNvPr>
-          <p:cNvSpPr>
-            <a:spLocks noGrp="1"/>
-          </p:cNvSpPr>
-          <p:nvPr>
-            <p:ph sz="half" idx="2"/>
-          </p:nvPr>
-        </p:nvSpPr>
-        <p:spPr/>
-        <p:txBody>
-          <a:bodyPr>
-            <a:normAutofit lnSpcReduction="10000"/>
-          </a:bodyPr>
-          <a:lstStyle/>
-          <a:p>
-            <a:pPr marL="45720" indent="0">
-              <a:buNone/>
-            </a:pPr>
-            <a:r>
-              <a:rPr lang="en-US" sz="2400" b="1" dirty="0">
-                <a:solidFill>
-                  <a:srgbClr val="7030A0"/>
-                </a:solidFill>
-              </a:rPr>
-              <a:t>-Now add a node, </a:t>
-            </a:r>
-            <a:r>
-              <a:rPr lang="en-US" sz="2400" b="1" dirty="0">
-                <a:solidFill>
-                  <a:schemeClr val="accent4"/>
-                </a:solidFill>
-              </a:rPr>
-              <a:t>Person</a:t>
-            </a:r>
-            <a:r>
-              <a:rPr lang="en-US" sz="2400" b="1" dirty="0">
-                <a:solidFill>
-                  <a:srgbClr val="7030A0"/>
-                </a:solidFill>
-              </a:rPr>
-              <a:t> is node here</a:t>
-            </a:r>
-          </a:p>
-          <a:p>
-            <a:pPr marL="45720" indent="0">
-              <a:buNone/>
-            </a:pPr>
-            <a:r>
-              <a:rPr lang="en-US" sz="2400" b="1" dirty="0">
-                <a:solidFill>
-                  <a:srgbClr val="7030A0"/>
-                </a:solidFill>
-              </a:rPr>
-              <a:t>-id, name, email, dob are </a:t>
-            </a:r>
-            <a:r>
-              <a:rPr lang="en-US" sz="2400" b="1" dirty="0" err="1">
-                <a:solidFill>
-                  <a:srgbClr val="7030A0"/>
-                </a:solidFill>
-              </a:rPr>
-              <a:t>are</a:t>
-            </a:r>
-            <a:r>
-              <a:rPr lang="en-US" sz="2400" b="1" dirty="0">
-                <a:solidFill>
-                  <a:srgbClr val="7030A0"/>
-                </a:solidFill>
-              </a:rPr>
-              <a:t> the attribute</a:t>
-            </a:r>
-            <a:endParaRPr lang="en-US" sz="2400" dirty="0">
+              <a:t>CREATE ()</a:t>
+            </a:r>
+            <a:endParaRPr lang="en-US" sz="4000" dirty="0">
               <a:solidFill>
                 <a:schemeClr val="tx1"/>
               </a:solidFill>
             </a:endParaRPr>
-          </a:p>
-          <a:p>
-            <a:endParaRPr lang="en-US" dirty="0"/>
           </a:p>
         </p:txBody>
       </p:sp>
@@ -31559,7 +31539,7 @@
     </p:spTree>
     <p:extLst>
       <p:ext uri="{BB962C8B-B14F-4D97-AF65-F5344CB8AC3E}">
-        <p14:creationId xmlns:p14="http://schemas.microsoft.com/office/powerpoint/2010/main" val="3340997005"/>
+        <p14:creationId xmlns:p14="http://schemas.microsoft.com/office/powerpoint/2010/main" val="4173738689"/>
       </p:ext>
     </p:extLst>
   </p:cSld>
@@ -31609,8 +31589,17 @@
           <a:p>
             <a:r>
               <a:rPr lang="en-US" dirty="0"/>
-              <a:t>Similarly,</a:t>
-            </a:r>
+              <a:t>NODE: </a:t>
+            </a:r>
+            <a:r>
+              <a:rPr lang="en-US" dirty="0">
+                <a:solidFill>
+                  <a:srgbClr val="FF0000"/>
+                </a:solidFill>
+              </a:rPr>
+              <a:t>PERSON</a:t>
+            </a:r>
+            <a:endParaRPr lang="en-US" dirty="0"/>
           </a:p>
         </p:txBody>
       </p:sp>
@@ -31646,6 +31635,454 @@
                   <a:srgbClr val="7030A0"/>
                 </a:solidFill>
               </a:rPr>
+              <a:t>CREATE (:Person { })</a:t>
+            </a:r>
+          </a:p>
+        </p:txBody>
+      </p:sp>
+      <p:sp>
+        <p:nvSpPr>
+          <p:cNvPr id="5" name="Content Placeholder 4">
+            <a:extLst>
+              <a:ext uri="{FF2B5EF4-FFF2-40B4-BE49-F238E27FC236}">
+                <a16:creationId xmlns:a16="http://schemas.microsoft.com/office/drawing/2014/main" id="{72F843FB-5301-4506-9EB3-6B638E2DC910}"/>
+              </a:ext>
+            </a:extLst>
+          </p:cNvPr>
+          <p:cNvSpPr>
+            <a:spLocks noGrp="1"/>
+          </p:cNvSpPr>
+          <p:nvPr>
+            <p:ph sz="half" idx="2"/>
+          </p:nvPr>
+        </p:nvSpPr>
+        <p:spPr/>
+        <p:txBody>
+          <a:bodyPr/>
+          <a:lstStyle/>
+          <a:p>
+            <a:r>
+              <a:rPr lang="en-US" sz="2400" b="1" dirty="0">
+                <a:solidFill>
+                  <a:srgbClr val="7030A0"/>
+                </a:solidFill>
+              </a:rPr>
+              <a:t>Now add a node, </a:t>
+            </a:r>
+            <a:r>
+              <a:rPr lang="en-US" sz="2400" b="1" dirty="0">
+                <a:solidFill>
+                  <a:schemeClr val="accent4"/>
+                </a:solidFill>
+              </a:rPr>
+              <a:t>Person</a:t>
+            </a:r>
+            <a:r>
+              <a:rPr lang="en-US" sz="2400" b="1" dirty="0">
+                <a:solidFill>
+                  <a:srgbClr val="7030A0"/>
+                </a:solidFill>
+              </a:rPr>
+              <a:t> is node here</a:t>
+            </a:r>
+            <a:endParaRPr lang="en-US" dirty="0"/>
+          </a:p>
+        </p:txBody>
+      </p:sp>
+      <p:sp>
+        <p:nvSpPr>
+          <p:cNvPr id="4" name="Slide Number Placeholder 3">
+            <a:extLst>
+              <a:ext uri="{FF2B5EF4-FFF2-40B4-BE49-F238E27FC236}">
+                <a16:creationId xmlns:a16="http://schemas.microsoft.com/office/drawing/2014/main" id="{C7851CA0-EBE1-48FD-AC95-0F21578C72B8}"/>
+              </a:ext>
+            </a:extLst>
+          </p:cNvPr>
+          <p:cNvSpPr>
+            <a:spLocks noGrp="1"/>
+          </p:cNvSpPr>
+          <p:nvPr>
+            <p:ph type="sldNum" sz="quarter" idx="12"/>
+          </p:nvPr>
+        </p:nvSpPr>
+        <p:spPr/>
+        <p:txBody>
+          <a:bodyPr/>
+          <a:lstStyle/>
+          <a:p>
+            <a:fld id="{8516EA25-A31F-4B9E-A83D-BE5BCB6B4218}" type="slidenum">
+              <a:rPr lang="en-US" smtClean="0"/>
+              <a:t>36</a:t>
+            </a:fld>
+            <a:endParaRPr lang="en-US"/>
+          </a:p>
+        </p:txBody>
+      </p:sp>
+    </p:spTree>
+    <p:extLst>
+      <p:ext uri="{BB962C8B-B14F-4D97-AF65-F5344CB8AC3E}">
+        <p14:creationId xmlns:p14="http://schemas.microsoft.com/office/powerpoint/2010/main" val="3302028055"/>
+      </p:ext>
+    </p:extLst>
+  </p:cSld>
+  <p:clrMapOvr>
+    <a:masterClrMapping/>
+  </p:clrMapOvr>
+</p:sld>
+</file>
+
+<file path=ppt/slides/slide37.xml><?xml version="1.0" encoding="utf-8"?>
+<p:sld xmlns:a="http://schemas.openxmlformats.org/drawingml/2006/main" xmlns:r="http://schemas.openxmlformats.org/officeDocument/2006/relationships" xmlns:p="http://schemas.openxmlformats.org/presentationml/2006/main">
+  <p:cSld>
+    <p:spTree>
+      <p:nvGrpSpPr>
+        <p:cNvPr id="1" name=""/>
+        <p:cNvGrpSpPr/>
+        <p:nvPr/>
+      </p:nvGrpSpPr>
+      <p:grpSpPr>
+        <a:xfrm>
+          <a:off x="0" y="0"/>
+          <a:ext cx="0" cy="0"/>
+          <a:chOff x="0" y="0"/>
+          <a:chExt cx="0" cy="0"/>
+        </a:xfrm>
+      </p:grpSpPr>
+      <p:sp>
+        <p:nvSpPr>
+          <p:cNvPr id="2" name="Title 1">
+            <a:extLst>
+              <a:ext uri="{FF2B5EF4-FFF2-40B4-BE49-F238E27FC236}">
+                <a16:creationId xmlns:a16="http://schemas.microsoft.com/office/drawing/2014/main" id="{05F169E0-0B39-412E-B47C-8F273E1657FD}"/>
+              </a:ext>
+            </a:extLst>
+          </p:cNvPr>
+          <p:cNvSpPr>
+            <a:spLocks noGrp="1"/>
+          </p:cNvSpPr>
+          <p:nvPr>
+            <p:ph type="title"/>
+          </p:nvPr>
+        </p:nvSpPr>
+        <p:spPr/>
+        <p:txBody>
+          <a:bodyPr/>
+          <a:lstStyle/>
+          <a:p>
+            <a:r>
+              <a:rPr lang="en-US" dirty="0"/>
+              <a:t>NODE: </a:t>
+            </a:r>
+            <a:r>
+              <a:rPr lang="en-US" dirty="0">
+                <a:solidFill>
+                  <a:srgbClr val="FF0000"/>
+                </a:solidFill>
+              </a:rPr>
+              <a:t>PERSON</a:t>
+            </a:r>
+            <a:endParaRPr lang="en-US" dirty="0"/>
+          </a:p>
+        </p:txBody>
+      </p:sp>
+      <p:sp>
+        <p:nvSpPr>
+          <p:cNvPr id="3" name="Content Placeholder 2">
+            <a:extLst>
+              <a:ext uri="{FF2B5EF4-FFF2-40B4-BE49-F238E27FC236}">
+                <a16:creationId xmlns:a16="http://schemas.microsoft.com/office/drawing/2014/main" id="{5ADC8B87-D5F0-4D3F-A730-BFF101354EAF}"/>
+              </a:ext>
+            </a:extLst>
+          </p:cNvPr>
+          <p:cNvSpPr>
+            <a:spLocks noGrp="1"/>
+          </p:cNvSpPr>
+          <p:nvPr>
+            <p:ph sz="half" idx="1"/>
+          </p:nvPr>
+        </p:nvSpPr>
+        <p:spPr/>
+        <p:txBody>
+          <a:bodyPr>
+            <a:normAutofit lnSpcReduction="10000"/>
+          </a:bodyPr>
+          <a:lstStyle/>
+          <a:p>
+            <a:pPr marL="45720" indent="0">
+              <a:buNone/>
+            </a:pPr>
+            <a:r>
+              <a:rPr lang="en-US" sz="4000" b="1" dirty="0">
+                <a:solidFill>
+                  <a:srgbClr val="7030A0"/>
+                </a:solidFill>
+              </a:rPr>
+              <a:t>CREATE (:Person {</a:t>
+            </a:r>
+          </a:p>
+          <a:p>
+            <a:pPr marL="274320" lvl="1" indent="0">
+              <a:buNone/>
+            </a:pPr>
+            <a:r>
+              <a:rPr lang="en-US" sz="3800" dirty="0"/>
+              <a:t>id: 'c7f96281’, </a:t>
+            </a:r>
+          </a:p>
+          <a:p>
+            <a:pPr marL="274320" lvl="1" indent="0">
+              <a:buNone/>
+            </a:pPr>
+            <a:r>
+              <a:rPr lang="en-US" sz="3800" dirty="0" err="1"/>
+              <a:t>name:'Jimmy</a:t>
+            </a:r>
+            <a:r>
+              <a:rPr lang="en-US" sz="3800" dirty="0"/>
+              <a:t> Bayer’, email:'dudley22@joysclick.ru’, </a:t>
+            </a:r>
+          </a:p>
+          <a:p>
+            <a:pPr marL="274320" lvl="1" indent="0">
+              <a:buNone/>
+            </a:pPr>
+            <a:r>
+              <a:rPr lang="en-US" sz="3800" dirty="0"/>
+              <a:t>dob:'1995-12-16 ‘</a:t>
+            </a:r>
+            <a:r>
+              <a:rPr lang="en-US" sz="3800" b="1" dirty="0">
+                <a:solidFill>
+                  <a:srgbClr val="7030A0"/>
+                </a:solidFill>
+              </a:rPr>
+              <a:t> </a:t>
+            </a:r>
+          </a:p>
+          <a:p>
+            <a:pPr marL="45720" indent="0">
+              <a:buNone/>
+            </a:pPr>
+            <a:r>
+              <a:rPr lang="en-US" sz="4000" b="1" dirty="0">
+                <a:solidFill>
+                  <a:srgbClr val="7030A0"/>
+                </a:solidFill>
+              </a:rPr>
+              <a:t>})</a:t>
+            </a:r>
+          </a:p>
+        </p:txBody>
+      </p:sp>
+      <p:sp>
+        <p:nvSpPr>
+          <p:cNvPr id="5" name="Content Placeholder 4">
+            <a:extLst>
+              <a:ext uri="{FF2B5EF4-FFF2-40B4-BE49-F238E27FC236}">
+                <a16:creationId xmlns:a16="http://schemas.microsoft.com/office/drawing/2014/main" id="{80F1D3AA-0842-43D8-B396-0CE17B66FB6B}"/>
+              </a:ext>
+            </a:extLst>
+          </p:cNvPr>
+          <p:cNvSpPr>
+            <a:spLocks noGrp="1"/>
+          </p:cNvSpPr>
+          <p:nvPr>
+            <p:ph sz="half" idx="2"/>
+          </p:nvPr>
+        </p:nvSpPr>
+        <p:spPr/>
+        <p:txBody>
+          <a:bodyPr>
+            <a:normAutofit lnSpcReduction="10000"/>
+          </a:bodyPr>
+          <a:lstStyle/>
+          <a:p>
+            <a:pPr marL="45720" indent="0">
+              <a:buNone/>
+            </a:pPr>
+            <a:r>
+              <a:rPr lang="en-US" sz="2400" b="1" dirty="0">
+                <a:solidFill>
+                  <a:srgbClr val="7030A0"/>
+                </a:solidFill>
+              </a:rPr>
+              <a:t>-Now add a node, </a:t>
+            </a:r>
+            <a:r>
+              <a:rPr lang="en-US" sz="2400" b="1" dirty="0">
+                <a:solidFill>
+                  <a:schemeClr val="accent4"/>
+                </a:solidFill>
+              </a:rPr>
+              <a:t>Person</a:t>
+            </a:r>
+            <a:r>
+              <a:rPr lang="en-US" sz="2400" b="1" dirty="0">
+                <a:solidFill>
+                  <a:srgbClr val="7030A0"/>
+                </a:solidFill>
+              </a:rPr>
+              <a:t> is node here</a:t>
+            </a:r>
+          </a:p>
+          <a:p>
+            <a:pPr marL="45720" indent="0">
+              <a:buNone/>
+            </a:pPr>
+            <a:r>
+              <a:rPr lang="en-US" sz="2400" b="1" dirty="0">
+                <a:solidFill>
+                  <a:srgbClr val="7030A0"/>
+                </a:solidFill>
+              </a:rPr>
+              <a:t>-id, name, email, dob are </a:t>
+            </a:r>
+            <a:r>
+              <a:rPr lang="en-US" sz="2400" b="1" dirty="0" err="1">
+                <a:solidFill>
+                  <a:srgbClr val="7030A0"/>
+                </a:solidFill>
+              </a:rPr>
+              <a:t>are</a:t>
+            </a:r>
+            <a:r>
+              <a:rPr lang="en-US" sz="2400" b="1" dirty="0">
+                <a:solidFill>
+                  <a:srgbClr val="7030A0"/>
+                </a:solidFill>
+              </a:rPr>
+              <a:t> the attribute</a:t>
+            </a:r>
+            <a:endParaRPr lang="en-US" sz="2400" dirty="0">
+              <a:solidFill>
+                <a:schemeClr val="tx1"/>
+              </a:solidFill>
+            </a:endParaRPr>
+          </a:p>
+          <a:p>
+            <a:endParaRPr lang="en-US" dirty="0"/>
+          </a:p>
+        </p:txBody>
+      </p:sp>
+      <p:sp>
+        <p:nvSpPr>
+          <p:cNvPr id="4" name="Slide Number Placeholder 3">
+            <a:extLst>
+              <a:ext uri="{FF2B5EF4-FFF2-40B4-BE49-F238E27FC236}">
+                <a16:creationId xmlns:a16="http://schemas.microsoft.com/office/drawing/2014/main" id="{C7851CA0-EBE1-48FD-AC95-0F21578C72B8}"/>
+              </a:ext>
+            </a:extLst>
+          </p:cNvPr>
+          <p:cNvSpPr>
+            <a:spLocks noGrp="1"/>
+          </p:cNvSpPr>
+          <p:nvPr>
+            <p:ph type="sldNum" sz="quarter" idx="12"/>
+          </p:nvPr>
+        </p:nvSpPr>
+        <p:spPr/>
+        <p:txBody>
+          <a:bodyPr/>
+          <a:lstStyle/>
+          <a:p>
+            <a:fld id="{8516EA25-A31F-4B9E-A83D-BE5BCB6B4218}" type="slidenum">
+              <a:rPr lang="en-US" smtClean="0"/>
+              <a:t>37</a:t>
+            </a:fld>
+            <a:endParaRPr lang="en-US"/>
+          </a:p>
+        </p:txBody>
+      </p:sp>
+    </p:spTree>
+    <p:extLst>
+      <p:ext uri="{BB962C8B-B14F-4D97-AF65-F5344CB8AC3E}">
+        <p14:creationId xmlns:p14="http://schemas.microsoft.com/office/powerpoint/2010/main" val="3340997005"/>
+      </p:ext>
+    </p:extLst>
+  </p:cSld>
+  <p:clrMapOvr>
+    <a:masterClrMapping/>
+  </p:clrMapOvr>
+</p:sld>
+</file>
+
+<file path=ppt/slides/slide38.xml><?xml version="1.0" encoding="utf-8"?>
+<p:sld xmlns:a="http://schemas.openxmlformats.org/drawingml/2006/main" xmlns:r="http://schemas.openxmlformats.org/officeDocument/2006/relationships" xmlns:p="http://schemas.openxmlformats.org/presentationml/2006/main">
+  <p:cSld>
+    <p:spTree>
+      <p:nvGrpSpPr>
+        <p:cNvPr id="1" name=""/>
+        <p:cNvGrpSpPr/>
+        <p:nvPr/>
+      </p:nvGrpSpPr>
+      <p:grpSpPr>
+        <a:xfrm>
+          <a:off x="0" y="0"/>
+          <a:ext cx="0" cy="0"/>
+          <a:chOff x="0" y="0"/>
+          <a:chExt cx="0" cy="0"/>
+        </a:xfrm>
+      </p:grpSpPr>
+      <p:sp>
+        <p:nvSpPr>
+          <p:cNvPr id="2" name="Title 1">
+            <a:extLst>
+              <a:ext uri="{FF2B5EF4-FFF2-40B4-BE49-F238E27FC236}">
+                <a16:creationId xmlns:a16="http://schemas.microsoft.com/office/drawing/2014/main" id="{05F169E0-0B39-412E-B47C-8F273E1657FD}"/>
+              </a:ext>
+            </a:extLst>
+          </p:cNvPr>
+          <p:cNvSpPr>
+            <a:spLocks noGrp="1"/>
+          </p:cNvSpPr>
+          <p:nvPr>
+            <p:ph type="title"/>
+          </p:nvPr>
+        </p:nvSpPr>
+        <p:spPr/>
+        <p:txBody>
+          <a:bodyPr/>
+          <a:lstStyle/>
+          <a:p>
+            <a:r>
+              <a:rPr lang="en-US" dirty="0"/>
+              <a:t>Similarly,</a:t>
+            </a:r>
+          </a:p>
+        </p:txBody>
+      </p:sp>
+      <p:sp>
+        <p:nvSpPr>
+          <p:cNvPr id="3" name="Content Placeholder 2">
+            <a:extLst>
+              <a:ext uri="{FF2B5EF4-FFF2-40B4-BE49-F238E27FC236}">
+                <a16:creationId xmlns:a16="http://schemas.microsoft.com/office/drawing/2014/main" id="{5ADC8B87-D5F0-4D3F-A730-BFF101354EAF}"/>
+              </a:ext>
+            </a:extLst>
+          </p:cNvPr>
+          <p:cNvSpPr>
+            <a:spLocks noGrp="1"/>
+          </p:cNvSpPr>
+          <p:nvPr>
+            <p:ph sz="half" idx="1"/>
+          </p:nvPr>
+        </p:nvSpPr>
+        <p:spPr/>
+        <p:txBody>
+          <a:bodyPr>
+            <a:normAutofit/>
+          </a:bodyPr>
+          <a:lstStyle/>
+          <a:p>
+            <a:pPr marL="45720" indent="0">
+              <a:buNone/>
+            </a:pPr>
+            <a:r>
+              <a:rPr lang="en-US" sz="4000" b="1" dirty="0">
+                <a:solidFill>
+                  <a:srgbClr val="7030A0"/>
+                </a:solidFill>
+              </a:rPr>
               <a:t>CREATE (:Person {</a:t>
             </a:r>
           </a:p>
@@ -31810,7 +32247,7 @@
           <a:p>
             <a:fld id="{8516EA25-A31F-4B9E-A83D-BE5BCB6B4218}" type="slidenum">
               <a:rPr lang="en-US" smtClean="0"/>
-              <a:t>36</a:t>
+              <a:t>38</a:t>
             </a:fld>
             <a:endParaRPr lang="en-US"/>
           </a:p>
@@ -31829,7 +32266,7 @@
 </p:sld>
 </file>
 
-<file path=ppt/slides/slide37.xml><?xml version="1.0" encoding="utf-8"?>
+<file path=ppt/slides/slide39.xml><?xml version="1.0" encoding="utf-8"?>
 <p:sld xmlns:a="http://schemas.openxmlformats.org/drawingml/2006/main" xmlns:r="http://schemas.openxmlformats.org/officeDocument/2006/relationships" xmlns:p="http://schemas.openxmlformats.org/presentationml/2006/main">
   <p:cSld>
     <p:spTree>
@@ -31913,7 +32350,7 @@
             <a:r>
               <a:rPr lang="en-US" sz="3200" b="1" dirty="0">
                 <a:solidFill>
-                  <a:srgbClr val="FF0000"/>
+                  <a:srgbClr val="7030A0"/>
                 </a:solidFill>
               </a:rPr>
               <a:t>CREATE</a:t>
@@ -31953,7 +32390,7 @@
             <a:r>
               <a:rPr lang="en-US" sz="3200" b="1" dirty="0">
                 <a:solidFill>
-                  <a:srgbClr val="FF0000"/>
+                  <a:srgbClr val="7030A0"/>
                 </a:solidFill>
               </a:rPr>
               <a:t>CREATE</a:t>
@@ -32015,7 +32452,7 @@
           <a:p>
             <a:fld id="{8516EA25-A31F-4B9E-A83D-BE5BCB6B4218}" type="slidenum">
               <a:rPr lang="en-US" smtClean="0"/>
-              <a:t>37</a:t>
+              <a:t>39</a:t>
             </a:fld>
             <a:endParaRPr lang="en-US"/>
           </a:p>
@@ -32025,561 +32462,6 @@
     <p:extLst>
       <p:ext uri="{BB962C8B-B14F-4D97-AF65-F5344CB8AC3E}">
         <p14:creationId xmlns:p14="http://schemas.microsoft.com/office/powerpoint/2010/main" val="2622668487"/>
-      </p:ext>
-    </p:extLst>
-  </p:cSld>
-  <p:clrMapOvr>
-    <a:masterClrMapping/>
-  </p:clrMapOvr>
-</p:sld>
-</file>
-
-<file path=ppt/slides/slide38.xml><?xml version="1.0" encoding="utf-8"?>
-<p:sld xmlns:a="http://schemas.openxmlformats.org/drawingml/2006/main" xmlns:r="http://schemas.openxmlformats.org/officeDocument/2006/relationships" xmlns:p="http://schemas.openxmlformats.org/presentationml/2006/main">
-  <p:cSld>
-    <p:spTree>
-      <p:nvGrpSpPr>
-        <p:cNvPr id="1" name=""/>
-        <p:cNvGrpSpPr/>
-        <p:nvPr/>
-      </p:nvGrpSpPr>
-      <p:grpSpPr>
-        <a:xfrm>
-          <a:off x="0" y="0"/>
-          <a:ext cx="0" cy="0"/>
-          <a:chOff x="0" y="0"/>
-          <a:chExt cx="0" cy="0"/>
-        </a:xfrm>
-      </p:grpSpPr>
-      <p:sp>
-        <p:nvSpPr>
-          <p:cNvPr id="2" name="Title 1">
-            <a:extLst>
-              <a:ext uri="{FF2B5EF4-FFF2-40B4-BE49-F238E27FC236}">
-                <a16:creationId xmlns:a16="http://schemas.microsoft.com/office/drawing/2014/main" id="{F315CBE6-2571-4ADC-BA22-51E6CC8F5CF7}"/>
-              </a:ext>
-            </a:extLst>
-          </p:cNvPr>
-          <p:cNvSpPr>
-            <a:spLocks noGrp="1"/>
-          </p:cNvSpPr>
-          <p:nvPr>
-            <p:ph type="title"/>
-          </p:nvPr>
-        </p:nvSpPr>
-        <p:spPr/>
-        <p:txBody>
-          <a:bodyPr/>
-          <a:lstStyle/>
-          <a:p>
-            <a:r>
-              <a:rPr lang="en-US" dirty="0"/>
-              <a:t>Creating a Relationship with existing node</a:t>
-            </a:r>
-          </a:p>
-        </p:txBody>
-      </p:sp>
-      <p:sp>
-        <p:nvSpPr>
-          <p:cNvPr id="3" name="Content Placeholder 2">
-            <a:extLst>
-              <a:ext uri="{FF2B5EF4-FFF2-40B4-BE49-F238E27FC236}">
-                <a16:creationId xmlns:a16="http://schemas.microsoft.com/office/drawing/2014/main" id="{615A879B-D5CC-4B94-89EB-726AEB780A37}"/>
-              </a:ext>
-            </a:extLst>
-          </p:cNvPr>
-          <p:cNvSpPr>
-            <a:spLocks noGrp="1"/>
-          </p:cNvSpPr>
-          <p:nvPr>
-            <p:ph idx="1"/>
-          </p:nvPr>
-        </p:nvSpPr>
-        <p:spPr/>
-        <p:txBody>
-          <a:bodyPr>
-            <a:normAutofit/>
-          </a:bodyPr>
-          <a:lstStyle/>
-          <a:p>
-            <a:r>
-              <a:rPr lang="en-US" sz="2000" b="1" dirty="0">
-                <a:solidFill>
-                  <a:srgbClr val="FF0000"/>
-                </a:solidFill>
-              </a:rPr>
-              <a:t>MATCH</a:t>
-            </a:r>
-            <a:r>
-              <a:rPr lang="en-US" sz="2000" dirty="0"/>
-              <a:t> (</a:t>
-            </a:r>
-            <a:r>
-              <a:rPr lang="en-US" sz="2000" dirty="0" err="1">
-                <a:solidFill>
-                  <a:schemeClr val="tx1"/>
-                </a:solidFill>
-              </a:rPr>
-              <a:t>p</a:t>
-            </a:r>
-            <a:r>
-              <a:rPr lang="en-US" sz="2000" dirty="0" err="1"/>
-              <a:t>:Person</a:t>
-            </a:r>
-            <a:r>
-              <a:rPr lang="en-US" sz="2000" dirty="0"/>
-              <a:t> {id:'c7f96281'}),(</a:t>
-            </a:r>
-            <a:r>
-              <a:rPr lang="en-US" sz="2000" dirty="0" err="1">
-                <a:solidFill>
-                  <a:schemeClr val="tx1"/>
-                </a:solidFill>
-              </a:rPr>
-              <a:t>add</a:t>
-            </a:r>
-            <a:r>
-              <a:rPr lang="en-US" sz="2000" dirty="0" err="1"/>
-              <a:t>:person_address</a:t>
-            </a:r>
-            <a:r>
-              <a:rPr lang="en-US" sz="2000" dirty="0"/>
-              <a:t> {person_id:'c7f96281’}) </a:t>
-            </a:r>
-            <a:br>
-              <a:rPr lang="en-US" sz="2000" dirty="0"/>
-            </a:br>
-            <a:r>
-              <a:rPr lang="en-US" sz="2000" b="1" dirty="0">
-                <a:solidFill>
-                  <a:srgbClr val="FF0000"/>
-                </a:solidFill>
-              </a:rPr>
-              <a:t>CREATE</a:t>
-            </a:r>
-            <a:r>
-              <a:rPr lang="en-US" sz="2000" dirty="0"/>
-              <a:t> (</a:t>
-            </a:r>
-            <a:r>
-              <a:rPr lang="en-US" sz="2000" dirty="0">
-                <a:solidFill>
-                  <a:schemeClr val="tx1"/>
-                </a:solidFill>
-              </a:rPr>
-              <a:t>p</a:t>
-            </a:r>
-            <a:r>
-              <a:rPr lang="en-US" sz="2000" dirty="0"/>
-              <a:t>)-[:LIVES_IN]-&gt;(</a:t>
-            </a:r>
-            <a:r>
-              <a:rPr lang="en-US" sz="2000" dirty="0">
-                <a:solidFill>
-                  <a:schemeClr val="tx1"/>
-                </a:solidFill>
-              </a:rPr>
-              <a:t>add</a:t>
-            </a:r>
-            <a:r>
-              <a:rPr lang="en-US" sz="2000" dirty="0"/>
-              <a:t>)</a:t>
-            </a:r>
-          </a:p>
-          <a:p>
-            <a:r>
-              <a:rPr lang="en-US" sz="2000" b="1" dirty="0">
-                <a:solidFill>
-                  <a:srgbClr val="FF0000"/>
-                </a:solidFill>
-              </a:rPr>
-              <a:t>MATCH</a:t>
-            </a:r>
-            <a:r>
-              <a:rPr lang="en-US" sz="2000" dirty="0"/>
-              <a:t> (</a:t>
-            </a:r>
-            <a:r>
-              <a:rPr lang="en-US" sz="2000" dirty="0" err="1">
-                <a:solidFill>
-                  <a:schemeClr val="tx1"/>
-                </a:solidFill>
-              </a:rPr>
-              <a:t>p</a:t>
-            </a:r>
-            <a:r>
-              <a:rPr lang="en-US" sz="2000" dirty="0" err="1"/>
-              <a:t>:Person</a:t>
-            </a:r>
-            <a:r>
-              <a:rPr lang="en-US" sz="2000" dirty="0"/>
-              <a:t> {id:'3ae2fdf0'}),(</a:t>
-            </a:r>
-            <a:r>
-              <a:rPr lang="en-US" sz="2000" dirty="0" err="1">
-                <a:solidFill>
-                  <a:schemeClr val="tx1"/>
-                </a:solidFill>
-              </a:rPr>
-              <a:t>add</a:t>
-            </a:r>
-            <a:r>
-              <a:rPr lang="en-US" sz="2000" dirty="0" err="1"/>
-              <a:t>:person_address</a:t>
-            </a:r>
-            <a:r>
-              <a:rPr lang="en-US" sz="2000" dirty="0"/>
-              <a:t> {person_id:'3ae2fdf0’}) </a:t>
-            </a:r>
-            <a:br>
-              <a:rPr lang="en-US" sz="2000" dirty="0"/>
-            </a:br>
-            <a:r>
-              <a:rPr lang="en-US" sz="2000" b="1" dirty="0">
-                <a:solidFill>
-                  <a:srgbClr val="FF0000"/>
-                </a:solidFill>
-              </a:rPr>
-              <a:t>CREATE</a:t>
-            </a:r>
-            <a:r>
-              <a:rPr lang="en-US" sz="2000" dirty="0"/>
-              <a:t> (</a:t>
-            </a:r>
-            <a:r>
-              <a:rPr lang="en-US" sz="2000" dirty="0">
-                <a:solidFill>
-                  <a:schemeClr val="tx1"/>
-                </a:solidFill>
-              </a:rPr>
-              <a:t>p</a:t>
-            </a:r>
-            <a:r>
-              <a:rPr lang="en-US" sz="2000" dirty="0"/>
-              <a:t>)-[:LIVES_IN]-&gt;(</a:t>
-            </a:r>
-            <a:r>
-              <a:rPr lang="en-US" sz="2000" dirty="0">
-                <a:solidFill>
-                  <a:schemeClr val="tx1"/>
-                </a:solidFill>
-              </a:rPr>
-              <a:t>add</a:t>
-            </a:r>
-            <a:r>
-              <a:rPr lang="en-US" sz="2000" dirty="0"/>
-              <a:t>)</a:t>
-            </a:r>
-          </a:p>
-        </p:txBody>
-      </p:sp>
-      <p:sp>
-        <p:nvSpPr>
-          <p:cNvPr id="4" name="Slide Number Placeholder 3">
-            <a:extLst>
-              <a:ext uri="{FF2B5EF4-FFF2-40B4-BE49-F238E27FC236}">
-                <a16:creationId xmlns:a16="http://schemas.microsoft.com/office/drawing/2014/main" id="{CC1AFD31-0937-4DE1-97C4-63C7E26BF48F}"/>
-              </a:ext>
-            </a:extLst>
-          </p:cNvPr>
-          <p:cNvSpPr>
-            <a:spLocks noGrp="1"/>
-          </p:cNvSpPr>
-          <p:nvPr>
-            <p:ph type="sldNum" sz="quarter" idx="12"/>
-          </p:nvPr>
-        </p:nvSpPr>
-        <p:spPr/>
-        <p:txBody>
-          <a:bodyPr/>
-          <a:lstStyle/>
-          <a:p>
-            <a:fld id="{8516EA25-A31F-4B9E-A83D-BE5BCB6B4218}" type="slidenum">
-              <a:rPr lang="en-US" smtClean="0"/>
-              <a:t>38</a:t>
-            </a:fld>
-            <a:endParaRPr lang="en-US"/>
-          </a:p>
-        </p:txBody>
-      </p:sp>
-    </p:spTree>
-    <p:extLst>
-      <p:ext uri="{BB962C8B-B14F-4D97-AF65-F5344CB8AC3E}">
-        <p14:creationId xmlns:p14="http://schemas.microsoft.com/office/powerpoint/2010/main" val="3459167831"/>
-      </p:ext>
-    </p:extLst>
-  </p:cSld>
-  <p:clrMapOvr>
-    <a:masterClrMapping/>
-  </p:clrMapOvr>
-</p:sld>
-</file>
-
-<file path=ppt/slides/slide39.xml><?xml version="1.0" encoding="utf-8"?>
-<p:sld xmlns:a="http://schemas.openxmlformats.org/drawingml/2006/main" xmlns:r="http://schemas.openxmlformats.org/officeDocument/2006/relationships" xmlns:p="http://schemas.openxmlformats.org/presentationml/2006/main">
-  <p:cSld>
-    <p:spTree>
-      <p:nvGrpSpPr>
-        <p:cNvPr id="1" name=""/>
-        <p:cNvGrpSpPr/>
-        <p:nvPr/>
-      </p:nvGrpSpPr>
-      <p:grpSpPr>
-        <a:xfrm>
-          <a:off x="0" y="0"/>
-          <a:ext cx="0" cy="0"/>
-          <a:chOff x="0" y="0"/>
-          <a:chExt cx="0" cy="0"/>
-        </a:xfrm>
-      </p:grpSpPr>
-      <p:sp>
-        <p:nvSpPr>
-          <p:cNvPr id="2" name="Title 1">
-            <a:extLst>
-              <a:ext uri="{FF2B5EF4-FFF2-40B4-BE49-F238E27FC236}">
-                <a16:creationId xmlns:a16="http://schemas.microsoft.com/office/drawing/2014/main" id="{162F98A7-1939-4C91-A81B-9275BF7EAE00}"/>
-              </a:ext>
-            </a:extLst>
-          </p:cNvPr>
-          <p:cNvSpPr>
-            <a:spLocks noGrp="1"/>
-          </p:cNvSpPr>
-          <p:nvPr>
-            <p:ph type="title"/>
-          </p:nvPr>
-        </p:nvSpPr>
-        <p:spPr/>
-        <p:txBody>
-          <a:bodyPr/>
-          <a:lstStyle/>
-          <a:p>
-            <a:r>
-              <a:rPr lang="en-US" dirty="0"/>
-              <a:t>Further creating relationship and node</a:t>
-            </a:r>
-          </a:p>
-        </p:txBody>
-      </p:sp>
-      <p:sp>
-        <p:nvSpPr>
-          <p:cNvPr id="3" name="Content Placeholder 2">
-            <a:extLst>
-              <a:ext uri="{FF2B5EF4-FFF2-40B4-BE49-F238E27FC236}">
-                <a16:creationId xmlns:a16="http://schemas.microsoft.com/office/drawing/2014/main" id="{169DFB18-0945-4496-B73D-9128690E747D}"/>
-              </a:ext>
-            </a:extLst>
-          </p:cNvPr>
-          <p:cNvSpPr>
-            <a:spLocks noGrp="1"/>
-          </p:cNvSpPr>
-          <p:nvPr>
-            <p:ph idx="1"/>
-          </p:nvPr>
-        </p:nvSpPr>
-        <p:spPr/>
-        <p:txBody>
-          <a:bodyPr>
-            <a:normAutofit fontScale="70000" lnSpcReduction="20000"/>
-          </a:bodyPr>
-          <a:lstStyle/>
-          <a:p>
-            <a:r>
-              <a:rPr lang="en-US" b="1" dirty="0">
-                <a:solidFill>
-                  <a:srgbClr val="FF0000"/>
-                </a:solidFill>
-              </a:rPr>
-              <a:t>CREATE</a:t>
-            </a:r>
-            <a:r>
-              <a:rPr lang="en-US" dirty="0"/>
-              <a:t> (p1:Person {id: 'c437f2b7', </a:t>
-            </a:r>
-            <a:r>
-              <a:rPr lang="en-US" dirty="0" err="1"/>
-              <a:t>name:'Bobbie</a:t>
-            </a:r>
-            <a:r>
-              <a:rPr lang="en-US" dirty="0"/>
-              <a:t> Anderson', </a:t>
-            </a:r>
-            <a:r>
-              <a:rPr lang="en-US" dirty="0" err="1"/>
-              <a:t>email:'BobbieJAnderson@rhyta.com</a:t>
-            </a:r>
-            <a:r>
-              <a:rPr lang="en-US" dirty="0"/>
-              <a:t>', dob:'1996-10-11’})</a:t>
-            </a:r>
-          </a:p>
-          <a:p>
-            <a:endParaRPr lang="en-US" dirty="0"/>
-          </a:p>
-          <a:p>
-            <a:r>
-              <a:rPr lang="en-US" b="1" dirty="0">
-                <a:solidFill>
-                  <a:srgbClr val="FF0000"/>
-                </a:solidFill>
-              </a:rPr>
-              <a:t>CREATE</a:t>
-            </a:r>
-            <a:r>
-              <a:rPr lang="en-US" dirty="0"/>
-              <a:t>(add1:person_address {person_id:'c437f2b7', street_address:'2620 Ryder Avenue', </a:t>
-            </a:r>
-            <a:r>
-              <a:rPr lang="en-US" dirty="0" err="1"/>
-              <a:t>city:'Madison</a:t>
-            </a:r>
-            <a:r>
-              <a:rPr lang="en-US" dirty="0"/>
-              <a:t>', </a:t>
-            </a:r>
-            <a:r>
-              <a:rPr lang="en-US" dirty="0" err="1"/>
-              <a:t>state:'WI</a:t>
-            </a:r>
-            <a:r>
-              <a:rPr lang="en-US" dirty="0"/>
-              <a:t>'})</a:t>
-            </a:r>
-          </a:p>
-          <a:p>
-            <a:endParaRPr lang="en-US" dirty="0"/>
-          </a:p>
-          <a:p>
-            <a:r>
-              <a:rPr lang="en-US" b="1" dirty="0">
-                <a:solidFill>
-                  <a:srgbClr val="FF0000"/>
-                </a:solidFill>
-              </a:rPr>
-              <a:t>CREATE</a:t>
-            </a:r>
-            <a:r>
-              <a:rPr lang="en-US" dirty="0"/>
-              <a:t> (p1)-[:LIVES_IN]-&gt;(add1)</a:t>
-            </a:r>
-          </a:p>
-          <a:p>
-            <a:endParaRPr lang="en-US" dirty="0"/>
-          </a:p>
-          <a:p>
-            <a:r>
-              <a:rPr lang="en-US" b="1" dirty="0">
-                <a:solidFill>
-                  <a:srgbClr val="FF0000"/>
-                </a:solidFill>
-              </a:rPr>
-              <a:t>CREATE</a:t>
-            </a:r>
-            <a:r>
-              <a:rPr lang="en-US" dirty="0"/>
-              <a:t> (p2:Person {id: 'df134b31', </a:t>
-            </a:r>
-            <a:r>
-              <a:rPr lang="en-US" dirty="0" err="1"/>
-              <a:t>name:'James</a:t>
-            </a:r>
-            <a:r>
-              <a:rPr lang="en-US" dirty="0"/>
-              <a:t> Porter', </a:t>
-            </a:r>
-            <a:r>
-              <a:rPr lang="en-US" dirty="0" err="1"/>
-              <a:t>email:'JamesPPorter@teleworm.ru</a:t>
-            </a:r>
-            <a:r>
-              <a:rPr lang="en-US" dirty="0"/>
-              <a:t>', dob:'1992-03-16'})</a:t>
-            </a:r>
-          </a:p>
-          <a:p>
-            <a:endParaRPr lang="en-US" dirty="0"/>
-          </a:p>
-          <a:p>
-            <a:r>
-              <a:rPr lang="en-US" b="1" dirty="0">
-                <a:solidFill>
-                  <a:srgbClr val="FF0000"/>
-                </a:solidFill>
-              </a:rPr>
-              <a:t>CREATE</a:t>
-            </a:r>
-            <a:r>
-              <a:rPr lang="en-US" dirty="0"/>
-              <a:t>(add2:person_address {person_id:'df134b31', street_address:'4040 Lightning Point Drive', </a:t>
-            </a:r>
-            <a:r>
-              <a:rPr lang="en-US" dirty="0" err="1"/>
-              <a:t>city:'Kent</a:t>
-            </a:r>
-            <a:r>
-              <a:rPr lang="en-US" dirty="0"/>
-              <a:t>', </a:t>
-            </a:r>
-            <a:r>
-              <a:rPr lang="en-US" dirty="0" err="1"/>
-              <a:t>state:'TN</a:t>
-            </a:r>
-            <a:r>
-              <a:rPr lang="en-US" dirty="0"/>
-              <a:t>'})</a:t>
-            </a:r>
-          </a:p>
-          <a:p>
-            <a:endParaRPr lang="en-US" dirty="0"/>
-          </a:p>
-          <a:p>
-            <a:r>
-              <a:rPr lang="en-US" b="1" dirty="0">
-                <a:solidFill>
-                  <a:srgbClr val="FF0000"/>
-                </a:solidFill>
-              </a:rPr>
-              <a:t>CREATE</a:t>
-            </a:r>
-            <a:r>
-              <a:rPr lang="en-US" dirty="0"/>
-              <a:t> (p2)-[:LIVES_IN]-&gt;(add2)</a:t>
-            </a:r>
-          </a:p>
-        </p:txBody>
-      </p:sp>
-      <p:sp>
-        <p:nvSpPr>
-          <p:cNvPr id="4" name="Slide Number Placeholder 3">
-            <a:extLst>
-              <a:ext uri="{FF2B5EF4-FFF2-40B4-BE49-F238E27FC236}">
-                <a16:creationId xmlns:a16="http://schemas.microsoft.com/office/drawing/2014/main" id="{6FD03C44-CA04-4C24-BBF4-26665A14A11E}"/>
-              </a:ext>
-            </a:extLst>
-          </p:cNvPr>
-          <p:cNvSpPr>
-            <a:spLocks noGrp="1"/>
-          </p:cNvSpPr>
-          <p:nvPr>
-            <p:ph type="sldNum" sz="quarter" idx="12"/>
-          </p:nvPr>
-        </p:nvSpPr>
-        <p:spPr/>
-        <p:txBody>
-          <a:bodyPr/>
-          <a:lstStyle/>
-          <a:p>
-            <a:fld id="{8516EA25-A31F-4B9E-A83D-BE5BCB6B4218}" type="slidenum">
-              <a:rPr lang="en-US" smtClean="0"/>
-              <a:t>39</a:t>
-            </a:fld>
-            <a:endParaRPr lang="en-US"/>
-          </a:p>
-        </p:txBody>
-      </p:sp>
-    </p:spTree>
-    <p:extLst>
-      <p:ext uri="{BB962C8B-B14F-4D97-AF65-F5344CB8AC3E}">
-        <p14:creationId xmlns:p14="http://schemas.microsoft.com/office/powerpoint/2010/main" val="1316008850"/>
       </p:ext>
     </p:extLst>
   </p:cSld>
@@ -32766,6 +32648,588 @@
           <p:cNvPr id="2" name="Title 1">
             <a:extLst>
               <a:ext uri="{FF2B5EF4-FFF2-40B4-BE49-F238E27FC236}">
+                <a16:creationId xmlns:a16="http://schemas.microsoft.com/office/drawing/2014/main" id="{F315CBE6-2571-4ADC-BA22-51E6CC8F5CF7}"/>
+              </a:ext>
+            </a:extLst>
+          </p:cNvPr>
+          <p:cNvSpPr>
+            <a:spLocks noGrp="1"/>
+          </p:cNvSpPr>
+          <p:nvPr>
+            <p:ph type="title"/>
+          </p:nvPr>
+        </p:nvSpPr>
+        <p:spPr/>
+        <p:txBody>
+          <a:bodyPr/>
+          <a:lstStyle/>
+          <a:p>
+            <a:r>
+              <a:rPr lang="en-US" dirty="0"/>
+              <a:t>Creating a Relationship with existing node</a:t>
+            </a:r>
+          </a:p>
+        </p:txBody>
+      </p:sp>
+      <p:sp>
+        <p:nvSpPr>
+          <p:cNvPr id="3" name="Content Placeholder 2">
+            <a:extLst>
+              <a:ext uri="{FF2B5EF4-FFF2-40B4-BE49-F238E27FC236}">
+                <a16:creationId xmlns:a16="http://schemas.microsoft.com/office/drawing/2014/main" id="{615A879B-D5CC-4B94-89EB-726AEB780A37}"/>
+              </a:ext>
+            </a:extLst>
+          </p:cNvPr>
+          <p:cNvSpPr>
+            <a:spLocks noGrp="1"/>
+          </p:cNvSpPr>
+          <p:nvPr>
+            <p:ph idx="1"/>
+          </p:nvPr>
+        </p:nvSpPr>
+        <p:spPr/>
+        <p:txBody>
+          <a:bodyPr>
+            <a:normAutofit/>
+          </a:bodyPr>
+          <a:lstStyle/>
+          <a:p>
+            <a:pPr marL="45720" indent="0">
+              <a:buNone/>
+            </a:pPr>
+            <a:r>
+              <a:rPr lang="en-US" sz="3200" b="1" dirty="0">
+                <a:solidFill>
+                  <a:srgbClr val="7030A0"/>
+                </a:solidFill>
+              </a:rPr>
+              <a:t>MATCH</a:t>
+            </a:r>
+            <a:r>
+              <a:rPr lang="en-US" sz="3200" dirty="0"/>
+              <a:t> (</a:t>
+            </a:r>
+            <a:r>
+              <a:rPr lang="en-US" sz="3200" dirty="0" err="1">
+                <a:solidFill>
+                  <a:schemeClr val="tx1"/>
+                </a:solidFill>
+              </a:rPr>
+              <a:t>p</a:t>
+            </a:r>
+            <a:r>
+              <a:rPr lang="en-US" sz="3200" dirty="0" err="1"/>
+              <a:t>:Person</a:t>
+            </a:r>
+            <a:r>
+              <a:rPr lang="en-US" sz="3200" dirty="0"/>
+              <a:t> {id:'c7f96281'}),(</a:t>
+            </a:r>
+            <a:r>
+              <a:rPr lang="en-US" sz="3200" dirty="0" err="1">
+                <a:solidFill>
+                  <a:schemeClr val="tx1"/>
+                </a:solidFill>
+              </a:rPr>
+              <a:t>add</a:t>
+            </a:r>
+            <a:r>
+              <a:rPr lang="en-US" sz="3200" dirty="0" err="1"/>
+              <a:t>:person_address</a:t>
+            </a:r>
+            <a:r>
+              <a:rPr lang="en-US" sz="3200" dirty="0"/>
+              <a:t> {person_id:'c7f96281’}) </a:t>
+            </a:r>
+            <a:br>
+              <a:rPr lang="en-US" sz="3200" dirty="0"/>
+            </a:br>
+            <a:r>
+              <a:rPr lang="en-US" sz="3200" b="1" dirty="0">
+                <a:solidFill>
+                  <a:srgbClr val="7030A0"/>
+                </a:solidFill>
+              </a:rPr>
+              <a:t>CREATE</a:t>
+            </a:r>
+            <a:r>
+              <a:rPr lang="en-US" sz="3200" dirty="0"/>
+              <a:t> (</a:t>
+            </a:r>
+            <a:r>
+              <a:rPr lang="en-US" sz="3200" dirty="0">
+                <a:solidFill>
+                  <a:schemeClr val="tx1"/>
+                </a:solidFill>
+              </a:rPr>
+              <a:t>p</a:t>
+            </a:r>
+            <a:r>
+              <a:rPr lang="en-US" sz="3200" dirty="0"/>
+              <a:t>)-[:LIVES_IN]-&gt;(</a:t>
+            </a:r>
+            <a:r>
+              <a:rPr lang="en-US" sz="3200" dirty="0">
+                <a:solidFill>
+                  <a:schemeClr val="tx1"/>
+                </a:solidFill>
+              </a:rPr>
+              <a:t>add</a:t>
+            </a:r>
+            <a:r>
+              <a:rPr lang="en-US" sz="3200" dirty="0"/>
+              <a:t>)</a:t>
+            </a:r>
+          </a:p>
+          <a:p>
+            <a:pPr marL="45720" indent="0">
+              <a:buNone/>
+            </a:pPr>
+            <a:r>
+              <a:rPr lang="en-US" sz="3200" b="1" dirty="0">
+                <a:solidFill>
+                  <a:srgbClr val="7030A0"/>
+                </a:solidFill>
+              </a:rPr>
+              <a:t>MATCH</a:t>
+            </a:r>
+            <a:r>
+              <a:rPr lang="en-US" sz="3200" dirty="0"/>
+              <a:t> (</a:t>
+            </a:r>
+            <a:r>
+              <a:rPr lang="en-US" sz="3200" dirty="0" err="1">
+                <a:solidFill>
+                  <a:schemeClr val="tx1"/>
+                </a:solidFill>
+              </a:rPr>
+              <a:t>p</a:t>
+            </a:r>
+            <a:r>
+              <a:rPr lang="en-US" sz="3200" dirty="0" err="1"/>
+              <a:t>:Person</a:t>
+            </a:r>
+            <a:r>
+              <a:rPr lang="en-US" sz="3200" dirty="0"/>
+              <a:t> {id:'3ae2fdf0'}),(</a:t>
+            </a:r>
+            <a:r>
+              <a:rPr lang="en-US" sz="3200" dirty="0" err="1">
+                <a:solidFill>
+                  <a:schemeClr val="tx1"/>
+                </a:solidFill>
+              </a:rPr>
+              <a:t>add</a:t>
+            </a:r>
+            <a:r>
+              <a:rPr lang="en-US" sz="3200" dirty="0" err="1"/>
+              <a:t>:person_address</a:t>
+            </a:r>
+            <a:r>
+              <a:rPr lang="en-US" sz="3200" dirty="0"/>
+              <a:t> {person_id:'3ae2fdf0’}) </a:t>
+            </a:r>
+            <a:br>
+              <a:rPr lang="en-US" sz="3200" dirty="0"/>
+            </a:br>
+            <a:r>
+              <a:rPr lang="en-US" sz="3200" b="1" dirty="0">
+                <a:solidFill>
+                  <a:srgbClr val="7030A0"/>
+                </a:solidFill>
+              </a:rPr>
+              <a:t>CREATE</a:t>
+            </a:r>
+            <a:r>
+              <a:rPr lang="en-US" sz="3200" dirty="0"/>
+              <a:t> (</a:t>
+            </a:r>
+            <a:r>
+              <a:rPr lang="en-US" sz="3200" dirty="0">
+                <a:solidFill>
+                  <a:schemeClr val="tx1"/>
+                </a:solidFill>
+              </a:rPr>
+              <a:t>p</a:t>
+            </a:r>
+            <a:r>
+              <a:rPr lang="en-US" sz="3200" dirty="0"/>
+              <a:t>)-[:LIVES_IN]-&gt;(</a:t>
+            </a:r>
+            <a:r>
+              <a:rPr lang="en-US" sz="3200" dirty="0">
+                <a:solidFill>
+                  <a:schemeClr val="tx1"/>
+                </a:solidFill>
+              </a:rPr>
+              <a:t>add</a:t>
+            </a:r>
+            <a:r>
+              <a:rPr lang="en-US" sz="3200" dirty="0"/>
+              <a:t>)</a:t>
+            </a:r>
+          </a:p>
+        </p:txBody>
+      </p:sp>
+      <p:sp>
+        <p:nvSpPr>
+          <p:cNvPr id="4" name="Slide Number Placeholder 3">
+            <a:extLst>
+              <a:ext uri="{FF2B5EF4-FFF2-40B4-BE49-F238E27FC236}">
+                <a16:creationId xmlns:a16="http://schemas.microsoft.com/office/drawing/2014/main" id="{CC1AFD31-0937-4DE1-97C4-63C7E26BF48F}"/>
+              </a:ext>
+            </a:extLst>
+          </p:cNvPr>
+          <p:cNvSpPr>
+            <a:spLocks noGrp="1"/>
+          </p:cNvSpPr>
+          <p:nvPr>
+            <p:ph type="sldNum" sz="quarter" idx="12"/>
+          </p:nvPr>
+        </p:nvSpPr>
+        <p:spPr/>
+        <p:txBody>
+          <a:bodyPr/>
+          <a:lstStyle/>
+          <a:p>
+            <a:fld id="{8516EA25-A31F-4B9E-A83D-BE5BCB6B4218}" type="slidenum">
+              <a:rPr lang="en-US" smtClean="0"/>
+              <a:t>40</a:t>
+            </a:fld>
+            <a:endParaRPr lang="en-US"/>
+          </a:p>
+        </p:txBody>
+      </p:sp>
+    </p:spTree>
+    <p:extLst>
+      <p:ext uri="{BB962C8B-B14F-4D97-AF65-F5344CB8AC3E}">
+        <p14:creationId xmlns:p14="http://schemas.microsoft.com/office/powerpoint/2010/main" val="3459167831"/>
+      </p:ext>
+    </p:extLst>
+  </p:cSld>
+  <p:clrMapOvr>
+    <a:masterClrMapping/>
+  </p:clrMapOvr>
+</p:sld>
+</file>
+
+<file path=ppt/slides/slide41.xml><?xml version="1.0" encoding="utf-8"?>
+<p:sld xmlns:a="http://schemas.openxmlformats.org/drawingml/2006/main" xmlns:r="http://schemas.openxmlformats.org/officeDocument/2006/relationships" xmlns:p="http://schemas.openxmlformats.org/presentationml/2006/main">
+  <p:cSld>
+    <p:spTree>
+      <p:nvGrpSpPr>
+        <p:cNvPr id="1" name=""/>
+        <p:cNvGrpSpPr/>
+        <p:nvPr/>
+      </p:nvGrpSpPr>
+      <p:grpSpPr>
+        <a:xfrm>
+          <a:off x="0" y="0"/>
+          <a:ext cx="0" cy="0"/>
+          <a:chOff x="0" y="0"/>
+          <a:chExt cx="0" cy="0"/>
+        </a:xfrm>
+      </p:grpSpPr>
+      <p:sp>
+        <p:nvSpPr>
+          <p:cNvPr id="2" name="Title 1">
+            <a:extLst>
+              <a:ext uri="{FF2B5EF4-FFF2-40B4-BE49-F238E27FC236}">
+                <a16:creationId xmlns:a16="http://schemas.microsoft.com/office/drawing/2014/main" id="{162F98A7-1939-4C91-A81B-9275BF7EAE00}"/>
+              </a:ext>
+            </a:extLst>
+          </p:cNvPr>
+          <p:cNvSpPr>
+            <a:spLocks noGrp="1"/>
+          </p:cNvSpPr>
+          <p:nvPr>
+            <p:ph type="title"/>
+          </p:nvPr>
+        </p:nvSpPr>
+        <p:spPr/>
+        <p:txBody>
+          <a:bodyPr/>
+          <a:lstStyle/>
+          <a:p>
+            <a:r>
+              <a:rPr lang="en-US" dirty="0"/>
+              <a:t>Further creating relationship and node</a:t>
+            </a:r>
+          </a:p>
+        </p:txBody>
+      </p:sp>
+      <p:sp>
+        <p:nvSpPr>
+          <p:cNvPr id="3" name="Content Placeholder 2">
+            <a:extLst>
+              <a:ext uri="{FF2B5EF4-FFF2-40B4-BE49-F238E27FC236}">
+                <a16:creationId xmlns:a16="http://schemas.microsoft.com/office/drawing/2014/main" id="{169DFB18-0945-4496-B73D-9128690E747D}"/>
+              </a:ext>
+            </a:extLst>
+          </p:cNvPr>
+          <p:cNvSpPr>
+            <a:spLocks noGrp="1"/>
+          </p:cNvSpPr>
+          <p:nvPr>
+            <p:ph idx="1"/>
+          </p:nvPr>
+        </p:nvSpPr>
+        <p:spPr/>
+        <p:txBody>
+          <a:bodyPr>
+            <a:normAutofit fontScale="70000" lnSpcReduction="20000"/>
+          </a:bodyPr>
+          <a:lstStyle/>
+          <a:p>
+            <a:pPr marL="45720" indent="0">
+              <a:buNone/>
+            </a:pPr>
+            <a:r>
+              <a:rPr lang="en-US" b="1" dirty="0">
+                <a:solidFill>
+                  <a:srgbClr val="7030A0"/>
+                </a:solidFill>
+              </a:rPr>
+              <a:t>CREATE</a:t>
+            </a:r>
+            <a:r>
+              <a:rPr lang="en-US" dirty="0"/>
+              <a:t> (p1:Person {id: 'c437f2b7', </a:t>
+            </a:r>
+            <a:r>
+              <a:rPr lang="en-US" dirty="0" err="1"/>
+              <a:t>name:'Bobbie</a:t>
+            </a:r>
+            <a:r>
+              <a:rPr lang="en-US" dirty="0"/>
+              <a:t> Anderson', </a:t>
+            </a:r>
+            <a:r>
+              <a:rPr lang="en-US" dirty="0" err="1"/>
+              <a:t>email:'BobbieJAnderson@rhyta.com</a:t>
+            </a:r>
+            <a:r>
+              <a:rPr lang="en-US" dirty="0"/>
+              <a:t>', dob:'1996-10-11’})</a:t>
+            </a:r>
+          </a:p>
+          <a:p>
+            <a:endParaRPr lang="en-US" dirty="0"/>
+          </a:p>
+          <a:p>
+            <a:pPr marL="45720" indent="0">
+              <a:buNone/>
+            </a:pPr>
+            <a:r>
+              <a:rPr lang="en-US" b="1" dirty="0">
+                <a:solidFill>
+                  <a:srgbClr val="7030A0"/>
+                </a:solidFill>
+              </a:rPr>
+              <a:t>CREATE</a:t>
+            </a:r>
+            <a:r>
+              <a:rPr lang="en-US" dirty="0"/>
+              <a:t>(add1:person_address {person_id:'c437f2b7', street_address:'2620 Ryder Avenue', </a:t>
+            </a:r>
+            <a:r>
+              <a:rPr lang="en-US" dirty="0" err="1"/>
+              <a:t>city:'Madison</a:t>
+            </a:r>
+            <a:r>
+              <a:rPr lang="en-US" dirty="0"/>
+              <a:t>', </a:t>
+            </a:r>
+            <a:r>
+              <a:rPr lang="en-US" dirty="0" err="1"/>
+              <a:t>state:'WI</a:t>
+            </a:r>
+            <a:r>
+              <a:rPr lang="en-US" dirty="0"/>
+              <a:t>'})</a:t>
+            </a:r>
+          </a:p>
+          <a:p>
+            <a:endParaRPr lang="en-US" dirty="0"/>
+          </a:p>
+          <a:p>
+            <a:pPr marL="45720" indent="0">
+              <a:buNone/>
+            </a:pPr>
+            <a:r>
+              <a:rPr lang="en-US" b="1" dirty="0">
+                <a:solidFill>
+                  <a:srgbClr val="7030A0"/>
+                </a:solidFill>
+              </a:rPr>
+              <a:t>CREATE</a:t>
+            </a:r>
+            <a:r>
+              <a:rPr lang="en-US" dirty="0"/>
+              <a:t> (p1)-[:LIVES_IN]-&gt;(add1)</a:t>
+            </a:r>
+          </a:p>
+          <a:p>
+            <a:endParaRPr lang="en-US" dirty="0"/>
+          </a:p>
+          <a:p>
+            <a:pPr marL="45720" indent="0">
+              <a:buNone/>
+            </a:pPr>
+            <a:r>
+              <a:rPr lang="en-US" b="1" dirty="0">
+                <a:solidFill>
+                  <a:srgbClr val="7030A0"/>
+                </a:solidFill>
+              </a:rPr>
+              <a:t>CREATE</a:t>
+            </a:r>
+            <a:r>
+              <a:rPr lang="en-US" dirty="0"/>
+              <a:t> (p2:Person {id: 'df134b31', </a:t>
+            </a:r>
+            <a:r>
+              <a:rPr lang="en-US" dirty="0" err="1"/>
+              <a:t>name:'James</a:t>
+            </a:r>
+            <a:r>
+              <a:rPr lang="en-US" dirty="0"/>
+              <a:t> Porter', </a:t>
+            </a:r>
+            <a:r>
+              <a:rPr lang="en-US" dirty="0" err="1"/>
+              <a:t>email:'JamesPPorter@teleworm.ru</a:t>
+            </a:r>
+            <a:r>
+              <a:rPr lang="en-US" dirty="0"/>
+              <a:t>', dob:'1992-03-16’})</a:t>
+            </a:r>
+          </a:p>
+          <a:p>
+            <a:pPr marL="45720" indent="0">
+              <a:buNone/>
+            </a:pPr>
+            <a:endParaRPr lang="en-US" dirty="0"/>
+          </a:p>
+          <a:p>
+            <a:pPr marL="45720" indent="0">
+              <a:buNone/>
+            </a:pPr>
+            <a:r>
+              <a:rPr lang="en-US" b="1" dirty="0">
+                <a:solidFill>
+                  <a:srgbClr val="7030A0"/>
+                </a:solidFill>
+              </a:rPr>
+              <a:t>CREATE</a:t>
+            </a:r>
+            <a:r>
+              <a:rPr lang="en-US" dirty="0"/>
+              <a:t>(add2:person_address {person_id:'df134b31', street_address:'4040 Lightning Point Drive', </a:t>
+            </a:r>
+            <a:r>
+              <a:rPr lang="en-US" dirty="0" err="1"/>
+              <a:t>city:'Kent</a:t>
+            </a:r>
+            <a:r>
+              <a:rPr lang="en-US" dirty="0"/>
+              <a:t>', </a:t>
+            </a:r>
+            <a:r>
+              <a:rPr lang="en-US" dirty="0" err="1"/>
+              <a:t>state:'TN</a:t>
+            </a:r>
+            <a:r>
+              <a:rPr lang="en-US" dirty="0"/>
+              <a:t>'})</a:t>
+            </a:r>
+          </a:p>
+          <a:p>
+            <a:endParaRPr lang="en-US" dirty="0"/>
+          </a:p>
+          <a:p>
+            <a:pPr marL="45720" indent="0">
+              <a:buNone/>
+            </a:pPr>
+            <a:r>
+              <a:rPr lang="en-US" b="1" dirty="0">
+                <a:solidFill>
+                  <a:srgbClr val="7030A0"/>
+                </a:solidFill>
+              </a:rPr>
+              <a:t>CREATE</a:t>
+            </a:r>
+            <a:r>
+              <a:rPr lang="en-US" dirty="0"/>
+              <a:t> (p2)-[:LIVES_IN]-&gt;(add2)</a:t>
+            </a:r>
+          </a:p>
+        </p:txBody>
+      </p:sp>
+      <p:sp>
+        <p:nvSpPr>
+          <p:cNvPr id="4" name="Slide Number Placeholder 3">
+            <a:extLst>
+              <a:ext uri="{FF2B5EF4-FFF2-40B4-BE49-F238E27FC236}">
+                <a16:creationId xmlns:a16="http://schemas.microsoft.com/office/drawing/2014/main" id="{6FD03C44-CA04-4C24-BBF4-26665A14A11E}"/>
+              </a:ext>
+            </a:extLst>
+          </p:cNvPr>
+          <p:cNvSpPr>
+            <a:spLocks noGrp="1"/>
+          </p:cNvSpPr>
+          <p:nvPr>
+            <p:ph type="sldNum" sz="quarter" idx="12"/>
+          </p:nvPr>
+        </p:nvSpPr>
+        <p:spPr/>
+        <p:txBody>
+          <a:bodyPr/>
+          <a:lstStyle/>
+          <a:p>
+            <a:fld id="{8516EA25-A31F-4B9E-A83D-BE5BCB6B4218}" type="slidenum">
+              <a:rPr lang="en-US" smtClean="0"/>
+              <a:t>41</a:t>
+            </a:fld>
+            <a:endParaRPr lang="en-US"/>
+          </a:p>
+        </p:txBody>
+      </p:sp>
+    </p:spTree>
+    <p:extLst>
+      <p:ext uri="{BB962C8B-B14F-4D97-AF65-F5344CB8AC3E}">
+        <p14:creationId xmlns:p14="http://schemas.microsoft.com/office/powerpoint/2010/main" val="1316008850"/>
+      </p:ext>
+    </p:extLst>
+  </p:cSld>
+  <p:clrMapOvr>
+    <a:masterClrMapping/>
+  </p:clrMapOvr>
+</p:sld>
+</file>
+
+<file path=ppt/slides/slide42.xml><?xml version="1.0" encoding="utf-8"?>
+<p:sld xmlns:a="http://schemas.openxmlformats.org/drawingml/2006/main" xmlns:r="http://schemas.openxmlformats.org/officeDocument/2006/relationships" xmlns:p="http://schemas.openxmlformats.org/presentationml/2006/main">
+  <p:cSld>
+    <p:spTree>
+      <p:nvGrpSpPr>
+        <p:cNvPr id="1" name=""/>
+        <p:cNvGrpSpPr/>
+        <p:nvPr/>
+      </p:nvGrpSpPr>
+      <p:grpSpPr>
+        <a:xfrm>
+          <a:off x="0" y="0"/>
+          <a:ext cx="0" cy="0"/>
+          <a:chOff x="0" y="0"/>
+          <a:chExt cx="0" cy="0"/>
+        </a:xfrm>
+      </p:grpSpPr>
+      <p:sp>
+        <p:nvSpPr>
+          <p:cNvPr id="2" name="Title 1">
+            <a:extLst>
+              <a:ext uri="{FF2B5EF4-FFF2-40B4-BE49-F238E27FC236}">
                 <a16:creationId xmlns:a16="http://schemas.microsoft.com/office/drawing/2014/main" id="{B807F95F-A514-4E4B-8D85-3987F96B1889}"/>
               </a:ext>
             </a:extLst>
@@ -32805,18 +33269,25 @@
             <p:ph idx="1"/>
           </p:nvPr>
         </p:nvSpPr>
-        <p:spPr/>
+        <p:spPr>
+          <a:xfrm>
+            <a:off x="927841" y="2057400"/>
+            <a:ext cx="9872871" cy="4038600"/>
+          </a:xfrm>
+        </p:spPr>
         <p:txBody>
           <a:bodyPr>
             <a:normAutofit lnSpcReduction="10000"/>
           </a:bodyPr>
           <a:lstStyle/>
           <a:p>
-            <a:pPr lvl="1"/>
+            <a:pPr marL="274320" lvl="1" indent="0">
+              <a:buNone/>
+            </a:pPr>
             <a:r>
               <a:rPr lang="en-US" sz="2600" b="1" dirty="0">
                 <a:solidFill>
-                  <a:srgbClr val="FF0000"/>
+                  <a:srgbClr val="7030A0"/>
                 </a:solidFill>
               </a:rPr>
               <a:t>MATCH</a:t>
@@ -32865,10 +33336,15 @@
               <a:rPr lang="en-US" sz="2600" dirty="0"/>
               <a:t>) </a:t>
             </a:r>
+          </a:p>
+          <a:p>
+            <a:pPr marL="274320" lvl="1" indent="0">
+              <a:buNone/>
+            </a:pPr>
             <a:r>
               <a:rPr lang="en-US" sz="2600" b="1" dirty="0">
                 <a:solidFill>
-                  <a:srgbClr val="FF0000"/>
+                  <a:srgbClr val="7030A0"/>
                 </a:solidFill>
               </a:rPr>
               <a:t>RETURN</a:t>
@@ -32889,15 +33365,27 @@
             </a:pPr>
             <a:r>
               <a:rPr lang="en-US" sz="2800" dirty="0"/>
-              <a:t>view relationship with email</a:t>
-            </a:r>
-          </a:p>
-          <a:p>
-            <a:pPr lvl="1"/>
+              <a:t>   </a:t>
+            </a:r>
+            <a:r>
+              <a:rPr lang="en-US" sz="2400" i="1" dirty="0">
+                <a:solidFill>
+                  <a:schemeClr val="bg1">
+                    <a:lumMod val="65000"/>
+                  </a:schemeClr>
+                </a:solidFill>
+              </a:rPr>
+              <a:t>//view relationship with email</a:t>
+            </a:r>
+          </a:p>
+          <a:p>
+            <a:pPr marL="274320" lvl="1" indent="0">
+              <a:buNone/>
+            </a:pPr>
             <a:r>
               <a:rPr lang="en-US" sz="2600" b="1" dirty="0">
                 <a:solidFill>
-                  <a:srgbClr val="FF0000"/>
+                  <a:srgbClr val="7030A0"/>
                 </a:solidFill>
               </a:rPr>
               <a:t>MATCH</a:t>
@@ -32928,7 +33416,7 @@
             <a:r>
               <a:rPr lang="en-US" sz="2600" b="1" dirty="0">
                 <a:solidFill>
-                  <a:srgbClr val="FF0000"/>
+                  <a:srgbClr val="7030A0"/>
                 </a:solidFill>
               </a:rPr>
               <a:t>RETURN</a:t>
@@ -32960,15 +33448,27 @@
             </a:pPr>
             <a:r>
               <a:rPr lang="en-US" sz="2800" dirty="0"/>
-              <a:t>view all relationship</a:t>
-            </a:r>
-          </a:p>
-          <a:p>
-            <a:pPr lvl="1"/>
+              <a:t>   </a:t>
+            </a:r>
+            <a:r>
+              <a:rPr lang="en-US" sz="2400" i="1" dirty="0">
+                <a:solidFill>
+                  <a:schemeClr val="bg1">
+                    <a:lumMod val="65000"/>
+                  </a:schemeClr>
+                </a:solidFill>
+              </a:rPr>
+              <a:t>//view all relationship</a:t>
+            </a:r>
+          </a:p>
+          <a:p>
+            <a:pPr marL="274320" lvl="1" indent="0">
+              <a:buNone/>
+            </a:pPr>
             <a:r>
               <a:rPr lang="en-US" sz="2600" b="1" dirty="0">
                 <a:solidFill>
-                  <a:srgbClr val="FF0000"/>
+                  <a:srgbClr val="7030A0"/>
                 </a:solidFill>
               </a:rPr>
               <a:t>MATCH</a:t>
@@ -32991,7 +33491,7 @@
             <a:r>
               <a:rPr lang="en-US" sz="2600" b="1" dirty="0">
                 <a:solidFill>
-                  <a:srgbClr val="FF0000"/>
+                  <a:srgbClr val="7030A0"/>
                 </a:solidFill>
               </a:rPr>
               <a:t>RETURN</a:t>
@@ -33045,7 +33545,7 @@
           <a:p>
             <a:fld id="{8516EA25-A31F-4B9E-A83D-BE5BCB6B4218}" type="slidenum">
               <a:rPr lang="en-US" smtClean="0"/>
-              <a:t>40</a:t>
+              <a:t>42</a:t>
             </a:fld>
             <a:endParaRPr lang="en-US"/>
           </a:p>
@@ -33064,7 +33564,244 @@
 </p:sld>
 </file>
 
-<file path=ppt/slides/slide41.xml><?xml version="1.0" encoding="utf-8"?>
+<file path=ppt/slides/slide43.xml><?xml version="1.0" encoding="utf-8"?>
+<p:sld xmlns:a="http://schemas.openxmlformats.org/drawingml/2006/main" xmlns:r="http://schemas.openxmlformats.org/officeDocument/2006/relationships" xmlns:p="http://schemas.openxmlformats.org/presentationml/2006/main">
+  <p:cSld>
+    <p:spTree>
+      <p:nvGrpSpPr>
+        <p:cNvPr id="1" name=""/>
+        <p:cNvGrpSpPr/>
+        <p:nvPr/>
+      </p:nvGrpSpPr>
+      <p:grpSpPr>
+        <a:xfrm>
+          <a:off x="0" y="0"/>
+          <a:ext cx="0" cy="0"/>
+          <a:chOff x="0" y="0"/>
+          <a:chExt cx="0" cy="0"/>
+        </a:xfrm>
+      </p:grpSpPr>
+      <p:sp>
+        <p:nvSpPr>
+          <p:cNvPr id="2" name="Title 1">
+            <a:extLst>
+              <a:ext uri="{FF2B5EF4-FFF2-40B4-BE49-F238E27FC236}">
+                <a16:creationId xmlns:a16="http://schemas.microsoft.com/office/drawing/2014/main" id="{99AD8B6B-40DF-4D97-86DC-6BACF7F27933}"/>
+              </a:ext>
+            </a:extLst>
+          </p:cNvPr>
+          <p:cNvSpPr>
+            <a:spLocks noGrp="1"/>
+          </p:cNvSpPr>
+          <p:nvPr>
+            <p:ph type="title"/>
+          </p:nvPr>
+        </p:nvSpPr>
+        <p:spPr/>
+        <p:txBody>
+          <a:bodyPr/>
+          <a:lstStyle/>
+          <a:p>
+            <a:r>
+              <a:rPr lang="en-US" dirty="0"/>
+              <a:t>LOAD CSV</a:t>
+            </a:r>
+          </a:p>
+        </p:txBody>
+      </p:sp>
+      <p:sp>
+        <p:nvSpPr>
+          <p:cNvPr id="3" name="Content Placeholder 2">
+            <a:extLst>
+              <a:ext uri="{FF2B5EF4-FFF2-40B4-BE49-F238E27FC236}">
+                <a16:creationId xmlns:a16="http://schemas.microsoft.com/office/drawing/2014/main" id="{EE2D2D30-2EA2-4E1B-8DC2-E1434CDCD8B8}"/>
+              </a:ext>
+            </a:extLst>
+          </p:cNvPr>
+          <p:cNvSpPr>
+            <a:spLocks noGrp="1"/>
+          </p:cNvSpPr>
+          <p:nvPr>
+            <p:ph idx="1"/>
+          </p:nvPr>
+        </p:nvSpPr>
+        <p:spPr/>
+        <p:txBody>
+          <a:bodyPr>
+            <a:normAutofit/>
+          </a:bodyPr>
+          <a:lstStyle/>
+          <a:p>
+            <a:pPr marL="45720" indent="0">
+              <a:buNone/>
+            </a:pPr>
+            <a:r>
+              <a:rPr lang="en-US" b="1" dirty="0">
+                <a:solidFill>
+                  <a:srgbClr val="7030A0"/>
+                </a:solidFill>
+              </a:rPr>
+              <a:t>LOAD CSV WITH HEADERS FROM </a:t>
+            </a:r>
+            <a:r>
+              <a:rPr lang="en-US" dirty="0"/>
+              <a:t>"https://a.uguu.se/HWPA1K57hALu_restaurant_location.csv" AS row</a:t>
+            </a:r>
+          </a:p>
+          <a:p>
+            <a:pPr marL="45720" indent="0">
+              <a:buNone/>
+            </a:pPr>
+            <a:r>
+              <a:rPr lang="en-US" b="1" dirty="0">
+                <a:solidFill>
+                  <a:srgbClr val="7030A0"/>
+                </a:solidFill>
+              </a:rPr>
+              <a:t>CREATE</a:t>
+            </a:r>
+            <a:r>
+              <a:rPr lang="en-US" dirty="0"/>
+              <a:t> (</a:t>
+            </a:r>
+            <a:r>
+              <a:rPr lang="en-US" dirty="0" err="1"/>
+              <a:t>n:restaurant_location</a:t>
+            </a:r>
+            <a:r>
+              <a:rPr lang="en-US" dirty="0"/>
+              <a:t>)</a:t>
+            </a:r>
+          </a:p>
+          <a:p>
+            <a:pPr marL="45720" indent="0">
+              <a:buNone/>
+            </a:pPr>
+            <a:r>
+              <a:rPr lang="en-US" b="1" dirty="0">
+                <a:solidFill>
+                  <a:srgbClr val="7030A0"/>
+                </a:solidFill>
+              </a:rPr>
+              <a:t>SET</a:t>
+            </a:r>
+            <a:r>
+              <a:rPr lang="en-US" dirty="0"/>
+              <a:t> n = row</a:t>
+            </a:r>
+          </a:p>
+          <a:p>
+            <a:pPr marL="45720" indent="0">
+              <a:buNone/>
+            </a:pPr>
+            <a:r>
+              <a:rPr lang="en-US" b="1" dirty="0">
+                <a:solidFill>
+                  <a:srgbClr val="7030A0"/>
+                </a:solidFill>
+              </a:rPr>
+              <a:t>LOAD CSV WITH HEADERS FROM </a:t>
+            </a:r>
+          </a:p>
+          <a:p>
+            <a:pPr marL="45720" indent="0">
+              <a:buNone/>
+            </a:pPr>
+            <a:r>
+              <a:rPr lang="en-US" dirty="0"/>
+              <a:t>"https://a.uguu.se/8taatoV334Lc_cusine.csv" AS row</a:t>
+            </a:r>
+          </a:p>
+          <a:p>
+            <a:pPr marL="45720" indent="0">
+              <a:buNone/>
+            </a:pPr>
+            <a:r>
+              <a:rPr lang="en-US" b="1" dirty="0">
+                <a:solidFill>
+                  <a:srgbClr val="7030A0"/>
+                </a:solidFill>
+              </a:rPr>
+              <a:t>CREATE</a:t>
+            </a:r>
+            <a:r>
+              <a:rPr lang="en-US" dirty="0"/>
+              <a:t> (</a:t>
+            </a:r>
+            <a:r>
+              <a:rPr lang="en-US" dirty="0" err="1"/>
+              <a:t>n:Cusine</a:t>
+            </a:r>
+            <a:r>
+              <a:rPr lang="en-US" dirty="0"/>
+              <a:t>)</a:t>
+            </a:r>
+          </a:p>
+          <a:p>
+            <a:pPr marL="45720" indent="0">
+              <a:buNone/>
+            </a:pPr>
+            <a:r>
+              <a:rPr lang="en-US" b="1" dirty="0">
+                <a:solidFill>
+                  <a:srgbClr val="7030A0"/>
+                </a:solidFill>
+              </a:rPr>
+              <a:t>SET</a:t>
+            </a:r>
+            <a:r>
+              <a:rPr lang="en-US" dirty="0"/>
+              <a:t> n = row</a:t>
+            </a:r>
+          </a:p>
+          <a:p>
+            <a:endParaRPr lang="en-US" dirty="0"/>
+          </a:p>
+        </p:txBody>
+      </p:sp>
+      <p:sp>
+        <p:nvSpPr>
+          <p:cNvPr id="4" name="Slide Number Placeholder 3">
+            <a:extLst>
+              <a:ext uri="{FF2B5EF4-FFF2-40B4-BE49-F238E27FC236}">
+                <a16:creationId xmlns:a16="http://schemas.microsoft.com/office/drawing/2014/main" id="{FDC11269-A49A-4226-91DF-C9D92EEE583E}"/>
+              </a:ext>
+            </a:extLst>
+          </p:cNvPr>
+          <p:cNvSpPr>
+            <a:spLocks noGrp="1"/>
+          </p:cNvSpPr>
+          <p:nvPr>
+            <p:ph type="sldNum" sz="quarter" idx="12"/>
+          </p:nvPr>
+        </p:nvSpPr>
+        <p:spPr/>
+        <p:txBody>
+          <a:bodyPr/>
+          <a:lstStyle/>
+          <a:p>
+            <a:fld id="{8516EA25-A31F-4B9E-A83D-BE5BCB6B4218}" type="slidenum">
+              <a:rPr lang="en-US" smtClean="0"/>
+              <a:t>43</a:t>
+            </a:fld>
+            <a:endParaRPr lang="en-US"/>
+          </a:p>
+        </p:txBody>
+      </p:sp>
+    </p:spTree>
+    <p:extLst>
+      <p:ext uri="{BB962C8B-B14F-4D97-AF65-F5344CB8AC3E}">
+        <p14:creationId xmlns:p14="http://schemas.microsoft.com/office/powerpoint/2010/main" val="1804021444"/>
+      </p:ext>
+    </p:extLst>
+  </p:cSld>
+  <p:clrMapOvr>
+    <a:masterClrMapping/>
+  </p:clrMapOvr>
+</p:sld>
+</file>
+
+<file path=ppt/slides/slide44.xml><?xml version="1.0" encoding="utf-8"?>
 <p:sld xmlns:a="http://schemas.openxmlformats.org/drawingml/2006/main" xmlns:r="http://schemas.openxmlformats.org/officeDocument/2006/relationships" xmlns:p="http://schemas.openxmlformats.org/presentationml/2006/main">
   <p:cSld>
     <p:spTree>
@@ -33162,7 +33899,7 @@
           <a:p>
             <a:fld id="{8516EA25-A31F-4B9E-A83D-BE5BCB6B4218}" type="slidenum">
               <a:rPr lang="en-US" smtClean="0"/>
-              <a:t>41</a:t>
+              <a:t>44</a:t>
             </a:fld>
             <a:endParaRPr lang="en-US"/>
           </a:p>
@@ -33876,7 +34613,7 @@
           <p:cNvPr id="8" name="Title 7">
             <a:extLst>
               <a:ext uri="{FF2B5EF4-FFF2-40B4-BE49-F238E27FC236}">
-                <a16:creationId xmlns:a16="http://schemas.microsoft.com/office/drawing/2014/main" id="{54B47E2D-30A1-40DF-BBE5-F39F4C2275C3}"/>
+                <a16:creationId xmlns:a16="http://schemas.microsoft.com/office/drawing/2014/main" id="{FE8CB26B-FA7E-4693-852E-A62715ACDAED}"/>
               </a:ext>
             </a:extLst>
           </p:cNvPr>
@@ -33894,66 +34631,52 @@
           <a:p>
             <a:r>
               <a:rPr lang="en-US" dirty="0"/>
-              <a:t>Property Graph Data Model</a:t>
+              <a:t>Popularity of Graph Database</a:t>
             </a:r>
           </a:p>
         </p:txBody>
       </p:sp>
-      <p:sp>
-        <p:nvSpPr>
-          <p:cNvPr id="9" name="Content Placeholder 8">
+      <p:pic>
+        <p:nvPicPr>
+          <p:cNvPr id="11" name="Content Placeholder 10">
             <a:extLst>
               <a:ext uri="{FF2B5EF4-FFF2-40B4-BE49-F238E27FC236}">
-                <a16:creationId xmlns:a16="http://schemas.microsoft.com/office/drawing/2014/main" id="{46529E58-477B-4D04-9279-21670E0D4CF2}"/>
+                <a16:creationId xmlns:a16="http://schemas.microsoft.com/office/drawing/2014/main" id="{1FA23678-3810-4090-B21C-84B2C9B0B3DA}"/>
               </a:ext>
             </a:extLst>
           </p:cNvPr>
-          <p:cNvSpPr>
-            <a:spLocks noGrp="1"/>
-          </p:cNvSpPr>
+          <p:cNvPicPr>
+            <a:picLocks noGrp="1" noChangeAspect="1"/>
+          </p:cNvPicPr>
           <p:nvPr>
             <p:ph idx="1"/>
           </p:nvPr>
-        </p:nvSpPr>
-        <p:spPr/>
-        <p:txBody>
-          <a:bodyPr/>
-          <a:lstStyle/>
-          <a:p>
-            <a:r>
-              <a:rPr lang="en-US" dirty="0"/>
-              <a:t>Nodes</a:t>
-            </a:r>
-          </a:p>
-          <a:p>
-            <a:r>
-              <a:rPr lang="en-US" dirty="0"/>
-              <a:t>Properties</a:t>
-            </a:r>
-          </a:p>
-          <a:p>
-            <a:r>
-              <a:rPr lang="en-US" dirty="0"/>
-              <a:t>Labels</a:t>
-            </a:r>
-          </a:p>
-          <a:p>
-            <a:r>
-              <a:rPr lang="en-US" dirty="0"/>
-              <a:t>Attributes</a:t>
-            </a:r>
-          </a:p>
-          <a:p>
-            <a:endParaRPr lang="en-US" dirty="0"/>
-          </a:p>
-        </p:txBody>
-      </p:sp>
+        </p:nvPicPr>
+        <p:blipFill>
+          <a:blip r:embed="rId2">
+            <a:extLst>
+              <a:ext uri="{28A0092B-C50C-407E-A947-70E740481C1C}">
+                <a14:useLocalDpi xmlns:a14="http://schemas.microsoft.com/office/drawing/2010/main" val="0"/>
+              </a:ext>
+            </a:extLst>
+          </a:blip>
+          <a:stretch>
+            <a:fillRect/>
+          </a:stretch>
+        </p:blipFill>
+        <p:spPr>
+          <a:xfrm>
+            <a:off x="1286028" y="1696773"/>
+            <a:ext cx="9691661" cy="4743145"/>
+          </a:xfrm>
+        </p:spPr>
+      </p:pic>
       <p:sp>
         <p:nvSpPr>
           <p:cNvPr id="7" name="Slide Number Placeholder 6">
             <a:extLst>
               <a:ext uri="{FF2B5EF4-FFF2-40B4-BE49-F238E27FC236}">
-                <a16:creationId xmlns:a16="http://schemas.microsoft.com/office/drawing/2014/main" id="{34631927-702E-4392-93F8-6B8D0A466A0F}"/>
+                <a16:creationId xmlns:a16="http://schemas.microsoft.com/office/drawing/2014/main" id="{62BF1F82-5252-4044-98FB-6F18413CEFCD}"/>
               </a:ext>
             </a:extLst>
           </p:cNvPr>
@@ -33980,7 +34703,7 @@
     </p:spTree>
     <p:extLst>
       <p:ext uri="{BB962C8B-B14F-4D97-AF65-F5344CB8AC3E}">
-        <p14:creationId xmlns:p14="http://schemas.microsoft.com/office/powerpoint/2010/main" val="238474689"/>
+        <p14:creationId xmlns:p14="http://schemas.microsoft.com/office/powerpoint/2010/main" val="831251832"/>
       </p:ext>
     </p:extLst>
   </p:cSld>
@@ -34009,10 +34732,10 @@
       </p:grpSpPr>
       <p:sp>
         <p:nvSpPr>
-          <p:cNvPr id="2" name="Title 1">
+          <p:cNvPr id="8" name="Title 7">
             <a:extLst>
               <a:ext uri="{FF2B5EF4-FFF2-40B4-BE49-F238E27FC236}">
-                <a16:creationId xmlns:a16="http://schemas.microsoft.com/office/drawing/2014/main" id="{6991EF6F-7AA8-401B-9893-03AEDCB2FCF8}"/>
+                <a16:creationId xmlns:a16="http://schemas.microsoft.com/office/drawing/2014/main" id="{54B47E2D-30A1-40DF-BBE5-F39F4C2275C3}"/>
               </a:ext>
             </a:extLst>
           </p:cNvPr>
@@ -34030,17 +34753,17 @@
           <a:p>
             <a:r>
               <a:rPr lang="en-US" dirty="0"/>
-              <a:t>Nodes</a:t>
+              <a:t>Property Graph Data Model</a:t>
             </a:r>
           </a:p>
         </p:txBody>
       </p:sp>
       <p:sp>
         <p:nvSpPr>
-          <p:cNvPr id="3" name="Content Placeholder 2">
+          <p:cNvPr id="9" name="Content Placeholder 8">
             <a:extLst>
               <a:ext uri="{FF2B5EF4-FFF2-40B4-BE49-F238E27FC236}">
-                <a16:creationId xmlns:a16="http://schemas.microsoft.com/office/drawing/2014/main" id="{83B0C2CF-948D-4CA6-B28D-7B352CCBFC88}"/>
+                <a16:creationId xmlns:a16="http://schemas.microsoft.com/office/drawing/2014/main" id="{46529E58-477B-4D04-9279-21670E0D4CF2}"/>
               </a:ext>
             </a:extLst>
           </p:cNvPr>
@@ -34053,33 +34776,43 @@
         </p:nvSpPr>
         <p:spPr/>
         <p:txBody>
-          <a:bodyPr>
-            <a:normAutofit/>
-          </a:bodyPr>
+          <a:bodyPr/>
           <a:lstStyle/>
           <a:p>
             <a:r>
-              <a:rPr lang="en-US" sz="2400" dirty="0"/>
-              <a:t>Nodes represent the objects (or, Entity, Things) in the graph</a:t>
-            </a:r>
-          </a:p>
-          <a:p>
-            <a:endParaRPr lang="en-US" sz="2400" dirty="0"/>
-          </a:p>
-          <a:p>
-            <a:pPr marL="0" indent="0">
-              <a:buNone/>
-            </a:pPr>
-            <a:endParaRPr lang="en-US" sz="2400" dirty="0"/>
+              <a:rPr lang="en-US" dirty="0"/>
+              <a:t>Nodes</a:t>
+            </a:r>
+          </a:p>
+          <a:p>
+            <a:r>
+              <a:rPr lang="en-US" dirty="0"/>
+              <a:t>Properties</a:t>
+            </a:r>
+          </a:p>
+          <a:p>
+            <a:r>
+              <a:rPr lang="en-US" dirty="0"/>
+              <a:t>Labels</a:t>
+            </a:r>
+          </a:p>
+          <a:p>
+            <a:r>
+              <a:rPr lang="en-US" dirty="0"/>
+              <a:t>Attributes</a:t>
+            </a:r>
+          </a:p>
+          <a:p>
+            <a:endParaRPr lang="en-US" dirty="0"/>
           </a:p>
         </p:txBody>
       </p:sp>
       <p:sp>
         <p:nvSpPr>
-          <p:cNvPr id="9" name="Slide Number Placeholder 8">
+          <p:cNvPr id="7" name="Slide Number Placeholder 6">
             <a:extLst>
               <a:ext uri="{FF2B5EF4-FFF2-40B4-BE49-F238E27FC236}">
-                <a16:creationId xmlns:a16="http://schemas.microsoft.com/office/drawing/2014/main" id="{B80E03FD-0AB3-4697-A547-C941610795BD}"/>
+                <a16:creationId xmlns:a16="http://schemas.microsoft.com/office/drawing/2014/main" id="{34631927-702E-4392-93F8-6B8D0A466A0F}"/>
               </a:ext>
             </a:extLst>
           </p:cNvPr>
@@ -34103,152 +34836,10 @@
           </a:p>
         </p:txBody>
       </p:sp>
-      <p:sp>
-        <p:nvSpPr>
-          <p:cNvPr id="4" name="Oval 3">
-            <a:extLst>
-              <a:ext uri="{FF2B5EF4-FFF2-40B4-BE49-F238E27FC236}">
-                <a16:creationId xmlns:a16="http://schemas.microsoft.com/office/drawing/2014/main" id="{A18C11F8-C436-4EF1-A258-890DBFDADB56}"/>
-              </a:ext>
-            </a:extLst>
-          </p:cNvPr>
-          <p:cNvSpPr/>
-          <p:nvPr/>
-        </p:nvSpPr>
-        <p:spPr>
-          <a:xfrm>
-            <a:off x="1140529" y="3690088"/>
-            <a:ext cx="1547641" cy="1514623"/>
-          </a:xfrm>
-          <a:prstGeom prst="ellipse">
-            <a:avLst/>
-          </a:prstGeom>
-        </p:spPr>
-        <p:style>
-          <a:lnRef idx="3">
-            <a:schemeClr val="lt1"/>
-          </a:lnRef>
-          <a:fillRef idx="1">
-            <a:schemeClr val="accent6"/>
-          </a:fillRef>
-          <a:effectRef idx="1">
-            <a:schemeClr val="accent6"/>
-          </a:effectRef>
-          <a:fontRef idx="minor">
-            <a:schemeClr val="lt1"/>
-          </a:fontRef>
-        </p:style>
-        <p:txBody>
-          <a:bodyPr rtlCol="0" anchor="ctr"/>
-          <a:lstStyle/>
-          <a:p>
-            <a:pPr algn="ctr"/>
-            <a:r>
-              <a:rPr lang="en-US" dirty="0"/>
-              <a:t>PERSON</a:t>
-            </a:r>
-          </a:p>
-        </p:txBody>
-      </p:sp>
-      <p:sp>
-        <p:nvSpPr>
-          <p:cNvPr id="6" name="Oval 5">
-            <a:extLst>
-              <a:ext uri="{FF2B5EF4-FFF2-40B4-BE49-F238E27FC236}">
-                <a16:creationId xmlns:a16="http://schemas.microsoft.com/office/drawing/2014/main" id="{68B19471-9B1C-4B7E-AF44-D67BDF58C79E}"/>
-              </a:ext>
-            </a:extLst>
-          </p:cNvPr>
-          <p:cNvSpPr/>
-          <p:nvPr/>
-        </p:nvSpPr>
-        <p:spPr>
-          <a:xfrm>
-            <a:off x="9415306" y="3690087"/>
-            <a:ext cx="1534663" cy="1514623"/>
-          </a:xfrm>
-          <a:prstGeom prst="ellipse">
-            <a:avLst/>
-          </a:prstGeom>
-        </p:spPr>
-        <p:style>
-          <a:lnRef idx="3">
-            <a:schemeClr val="lt1"/>
-          </a:lnRef>
-          <a:fillRef idx="1">
-            <a:schemeClr val="accent5"/>
-          </a:fillRef>
-          <a:effectRef idx="1">
-            <a:schemeClr val="accent5"/>
-          </a:effectRef>
-          <a:fontRef idx="minor">
-            <a:schemeClr val="lt1"/>
-          </a:fontRef>
-        </p:style>
-        <p:txBody>
-          <a:bodyPr rtlCol="0" anchor="ctr"/>
-          <a:lstStyle/>
-          <a:p>
-            <a:pPr algn="ctr"/>
-            <a:r>
-              <a:rPr lang="en-US" dirty="0"/>
-              <a:t>PERSON</a:t>
-            </a:r>
-            <a:endParaRPr lang="en-US" sz="2000" dirty="0"/>
-          </a:p>
-        </p:txBody>
-      </p:sp>
-      <p:sp>
-        <p:nvSpPr>
-          <p:cNvPr id="7" name="Oval 6">
-            <a:extLst>
-              <a:ext uri="{FF2B5EF4-FFF2-40B4-BE49-F238E27FC236}">
-                <a16:creationId xmlns:a16="http://schemas.microsoft.com/office/drawing/2014/main" id="{FA4E77AB-6368-4F55-9369-F468DA4CC6EF}"/>
-              </a:ext>
-            </a:extLst>
-          </p:cNvPr>
-          <p:cNvSpPr/>
-          <p:nvPr/>
-        </p:nvSpPr>
-        <p:spPr>
-          <a:xfrm>
-            <a:off x="5406976" y="3690087"/>
-            <a:ext cx="1547641" cy="1514623"/>
-          </a:xfrm>
-          <a:prstGeom prst="ellipse">
-            <a:avLst/>
-          </a:prstGeom>
-        </p:spPr>
-        <p:style>
-          <a:lnRef idx="3">
-            <a:schemeClr val="lt1"/>
-          </a:lnRef>
-          <a:fillRef idx="1">
-            <a:schemeClr val="accent2"/>
-          </a:fillRef>
-          <a:effectRef idx="1">
-            <a:schemeClr val="accent2"/>
-          </a:effectRef>
-          <a:fontRef idx="minor">
-            <a:schemeClr val="lt1"/>
-          </a:fontRef>
-        </p:style>
-        <p:txBody>
-          <a:bodyPr rtlCol="0" anchor="ctr"/>
-          <a:lstStyle/>
-          <a:p>
-            <a:pPr algn="ctr"/>
-            <a:r>
-              <a:rPr lang="en-US" dirty="0"/>
-              <a:t>MOVIE</a:t>
-            </a:r>
-          </a:p>
-        </p:txBody>
-      </p:sp>
     </p:spTree>
     <p:extLst>
       <p:ext uri="{BB962C8B-B14F-4D97-AF65-F5344CB8AC3E}">
-        <p14:creationId xmlns:p14="http://schemas.microsoft.com/office/powerpoint/2010/main" val="3639644700"/>
+        <p14:creationId xmlns:p14="http://schemas.microsoft.com/office/powerpoint/2010/main" val="238474689"/>
       </p:ext>
     </p:extLst>
   </p:cSld>
